--- a/Offline/Marketing/MarketingArtworks/pptx/StandiesBrandAmbassador.pptx
+++ b/Offline/Marketing/MarketingArtworks/pptx/StandiesBrandAmbassador.pptx
@@ -6,7 +6,7 @@
   </p:sldMasterIdLst>
   <p:sldIdLst>
     <p:sldId id="256" r:id="rId2"/>
-    <p:sldId id="257" r:id="rId3"/>
+    <p:sldId id="258" r:id="rId3"/>
   </p:sldIdLst>
   <p:sldSz cx="25603200" cy="51206400"/>
   <p:notesSz cx="6858000" cy="9144000"/>
@@ -244,7 +244,7 @@
           <a:p>
             <a:fld id="{E3759604-EFD2-4C79-BE13-E71CA39EA512}" type="datetimeFigureOut">
               <a:rPr lang="en-US" smtClean="0"/>
-              <a:t>8/9/2023</a:t>
+              <a:t>8/11/2023</a:t>
             </a:fld>
             <a:endParaRPr lang="en-US"/>
           </a:p>
@@ -414,7 +414,7 @@
           <a:p>
             <a:fld id="{E3759604-EFD2-4C79-BE13-E71CA39EA512}" type="datetimeFigureOut">
               <a:rPr lang="en-US" smtClean="0"/>
-              <a:t>8/9/2023</a:t>
+              <a:t>8/11/2023</a:t>
             </a:fld>
             <a:endParaRPr lang="en-US"/>
           </a:p>
@@ -594,7 +594,7 @@
           <a:p>
             <a:fld id="{E3759604-EFD2-4C79-BE13-E71CA39EA512}" type="datetimeFigureOut">
               <a:rPr lang="en-US" smtClean="0"/>
-              <a:t>8/9/2023</a:t>
+              <a:t>8/11/2023</a:t>
             </a:fld>
             <a:endParaRPr lang="en-US"/>
           </a:p>
@@ -764,7 +764,7 @@
           <a:p>
             <a:fld id="{E3759604-EFD2-4C79-BE13-E71CA39EA512}" type="datetimeFigureOut">
               <a:rPr lang="en-US" smtClean="0"/>
-              <a:t>8/9/2023</a:t>
+              <a:t>8/11/2023</a:t>
             </a:fld>
             <a:endParaRPr lang="en-US"/>
           </a:p>
@@ -1008,7 +1008,7 @@
           <a:p>
             <a:fld id="{E3759604-EFD2-4C79-BE13-E71CA39EA512}" type="datetimeFigureOut">
               <a:rPr lang="en-US" smtClean="0"/>
-              <a:t>8/9/2023</a:t>
+              <a:t>8/11/2023</a:t>
             </a:fld>
             <a:endParaRPr lang="en-US"/>
           </a:p>
@@ -1240,7 +1240,7 @@
           <a:p>
             <a:fld id="{E3759604-EFD2-4C79-BE13-E71CA39EA512}" type="datetimeFigureOut">
               <a:rPr lang="en-US" smtClean="0"/>
-              <a:t>8/9/2023</a:t>
+              <a:t>8/11/2023</a:t>
             </a:fld>
             <a:endParaRPr lang="en-US"/>
           </a:p>
@@ -1607,7 +1607,7 @@
           <a:p>
             <a:fld id="{E3759604-EFD2-4C79-BE13-E71CA39EA512}" type="datetimeFigureOut">
               <a:rPr lang="en-US" smtClean="0"/>
-              <a:t>8/9/2023</a:t>
+              <a:t>8/11/2023</a:t>
             </a:fld>
             <a:endParaRPr lang="en-US"/>
           </a:p>
@@ -1725,7 +1725,7 @@
           <a:p>
             <a:fld id="{E3759604-EFD2-4C79-BE13-E71CA39EA512}" type="datetimeFigureOut">
               <a:rPr lang="en-US" smtClean="0"/>
-              <a:t>8/9/2023</a:t>
+              <a:t>8/11/2023</a:t>
             </a:fld>
             <a:endParaRPr lang="en-US"/>
           </a:p>
@@ -1820,7 +1820,7 @@
           <a:p>
             <a:fld id="{E3759604-EFD2-4C79-BE13-E71CA39EA512}" type="datetimeFigureOut">
               <a:rPr lang="en-US" smtClean="0"/>
-              <a:t>8/9/2023</a:t>
+              <a:t>8/11/2023</a:t>
             </a:fld>
             <a:endParaRPr lang="en-US"/>
           </a:p>
@@ -2097,7 +2097,7 @@
           <a:p>
             <a:fld id="{E3759604-EFD2-4C79-BE13-E71CA39EA512}" type="datetimeFigureOut">
               <a:rPr lang="en-US" smtClean="0"/>
-              <a:t>8/9/2023</a:t>
+              <a:t>8/11/2023</a:t>
             </a:fld>
             <a:endParaRPr lang="en-US"/>
           </a:p>
@@ -2354,7 +2354,7 @@
           <a:p>
             <a:fld id="{E3759604-EFD2-4C79-BE13-E71CA39EA512}" type="datetimeFigureOut">
               <a:rPr lang="en-US" smtClean="0"/>
-              <a:t>8/9/2023</a:t>
+              <a:t>8/11/2023</a:t>
             </a:fld>
             <a:endParaRPr lang="en-US"/>
           </a:p>
@@ -2567,7 +2567,7 @@
           <a:p>
             <a:fld id="{E3759604-EFD2-4C79-BE13-E71CA39EA512}" type="datetimeFigureOut">
               <a:rPr lang="en-US" smtClean="0"/>
-              <a:t>8/9/2023</a:t>
+              <a:t>8/11/2023</a:t>
             </a:fld>
             <a:endParaRPr lang="en-US"/>
           </a:p>
@@ -2974,10 +2974,10 @@
       </p:grpSpPr>
       <p:pic>
         <p:nvPicPr>
-          <p:cNvPr id="27" name="Picture 26">
+          <p:cNvPr id="4" name="Picture 3">
             <a:extLst>
               <a:ext uri="{FF2B5EF4-FFF2-40B4-BE49-F238E27FC236}">
-                <a16:creationId xmlns:a16="http://schemas.microsoft.com/office/drawing/2014/main" id="{630F8093-DFCD-9C8F-163E-96E19BF8676A}"/>
+                <a16:creationId xmlns:a16="http://schemas.microsoft.com/office/drawing/2014/main" id="{63E5B9F4-C828-452F-C751-5F9AF64C2AE9}"/>
               </a:ext>
             </a:extLst>
           </p:cNvPr>
@@ -2987,72 +2987,27 @@
           <p:nvPr/>
         </p:nvPicPr>
         <p:blipFill>
-          <a:blip r:embed="rId2">
-            <a:extLst>
-              <a:ext uri="{28A0092B-C50C-407E-A947-70E740481C1C}">
-                <a14:useLocalDpi xmlns:a14="http://schemas.microsoft.com/office/drawing/2010/main" val="0"/>
-              </a:ext>
-            </a:extLst>
-          </a:blip>
+          <a:blip r:embed="rId2"/>
           <a:stretch>
             <a:fillRect/>
           </a:stretch>
         </p:blipFill>
         <p:spPr>
           <a:xfrm>
-            <a:off x="891" y="-2134"/>
-            <a:ext cx="25603200" cy="38001509"/>
+            <a:off x="6939" y="22989"/>
+            <a:ext cx="25603742" cy="24718388"/>
           </a:xfrm>
           <a:prstGeom prst="rect">
             <a:avLst/>
           </a:prstGeom>
         </p:spPr>
       </p:pic>
-      <p:sp>
-        <p:nvSpPr>
-          <p:cNvPr id="18" name="Rectangle 17">
-            <a:extLst>
-              <a:ext uri="{FF2B5EF4-FFF2-40B4-BE49-F238E27FC236}">
-                <a16:creationId xmlns:a16="http://schemas.microsoft.com/office/drawing/2014/main" id="{57E38920-CFB2-95B6-5E80-A46054D7F0C4}"/>
-              </a:ext>
-            </a:extLst>
-          </p:cNvPr>
-          <p:cNvSpPr/>
-          <p:nvPr/>
-        </p:nvSpPr>
-        <p:spPr>
-          <a:xfrm>
-            <a:off x="19219995" y="35353046"/>
-            <a:ext cx="5877879" cy="1015663"/>
-          </a:xfrm>
-          <a:prstGeom prst="rect">
-            <a:avLst/>
-          </a:prstGeom>
-        </p:spPr>
-        <p:txBody>
-          <a:bodyPr wrap="square">
-            <a:spAutoFit/>
-          </a:bodyPr>
-          <a:lstStyle/>
-          <a:p>
-            <a:r>
-              <a:rPr lang="en-AU" sz="6000" b="1" dirty="0">
-                <a:solidFill>
-                  <a:srgbClr val="002060"/>
-                </a:solidFill>
-                <a:latin typeface="Oxygen" panose="02000503000000000000" pitchFamily="2" charset="0"/>
-              </a:rPr>
-              <a:t>App Download</a:t>
-            </a:r>
-          </a:p>
-        </p:txBody>
-      </p:sp>
       <p:pic>
         <p:nvPicPr>
-          <p:cNvPr id="19" name="Picture 18">
+          <p:cNvPr id="27" name="Picture 26">
             <a:extLst>
               <a:ext uri="{FF2B5EF4-FFF2-40B4-BE49-F238E27FC236}">
-                <a16:creationId xmlns:a16="http://schemas.microsoft.com/office/drawing/2014/main" id="{FAE414E8-03DC-F42E-8E46-D9BF256B8455}"/>
+                <a16:creationId xmlns:a16="http://schemas.microsoft.com/office/drawing/2014/main" id="{630F8093-DFCD-9C8F-163E-96E19BF8676A}"/>
               </a:ext>
             </a:extLst>
           </p:cNvPr>
@@ -3075,8 +3030,8 @@
         </p:blipFill>
         <p:spPr>
           <a:xfrm>
-            <a:off x="14662593" y="32088121"/>
-            <a:ext cx="3481974" cy="3481974"/>
+            <a:off x="12590209" y="11890044"/>
+            <a:ext cx="13006052" cy="19304211"/>
           </a:xfrm>
           <a:prstGeom prst="rect">
             <a:avLst/>
@@ -3085,10 +3040,10 @@
       </p:pic>
       <p:sp>
         <p:nvSpPr>
-          <p:cNvPr id="20" name="Freeform: Shape 19">
+          <p:cNvPr id="23" name="Rectangle 22">
             <a:extLst>
               <a:ext uri="{FF2B5EF4-FFF2-40B4-BE49-F238E27FC236}">
-                <a16:creationId xmlns:a16="http://schemas.microsoft.com/office/drawing/2014/main" id="{8F014AEB-8434-DEF4-8A98-78FDC58D2678}"/>
+                <a16:creationId xmlns:a16="http://schemas.microsoft.com/office/drawing/2014/main" id="{F104C451-B23D-3708-A7DB-CDA181369D79}"/>
               </a:ext>
             </a:extLst>
           </p:cNvPr>
@@ -3097,7 +3052,1201 @@
         </p:nvSpPr>
         <p:spPr>
           <a:xfrm>
-            <a:off x="13410270" y="32948552"/>
+            <a:off x="-542" y="48077702"/>
+            <a:ext cx="25603742" cy="3128698"/>
+          </a:xfrm>
+          <a:prstGeom prst="rect">
+            <a:avLst/>
+          </a:prstGeom>
+          <a:gradFill>
+            <a:gsLst>
+              <a:gs pos="0">
+                <a:schemeClr val="accent1">
+                  <a:lumMod val="5000"/>
+                  <a:lumOff val="95000"/>
+                  <a:alpha val="0"/>
+                </a:schemeClr>
+              </a:gs>
+              <a:gs pos="61000">
+                <a:srgbClr val="FF8C52"/>
+              </a:gs>
+              <a:gs pos="40260">
+                <a:srgbClr val="FF8C52"/>
+              </a:gs>
+              <a:gs pos="72000">
+                <a:srgbClr val="FF8C52"/>
+              </a:gs>
+              <a:gs pos="100000">
+                <a:schemeClr val="accent1">
+                  <a:lumMod val="45000"/>
+                  <a:lumOff val="55000"/>
+                </a:schemeClr>
+              </a:gs>
+              <a:gs pos="99000">
+                <a:srgbClr val="FF8C52"/>
+              </a:gs>
+            </a:gsLst>
+            <a:lin ang="5400000" scaled="1"/>
+          </a:gradFill>
+          <a:ln>
+            <a:noFill/>
+          </a:ln>
+        </p:spPr>
+        <p:style>
+          <a:lnRef idx="2">
+            <a:schemeClr val="accent1">
+              <a:shade val="50000"/>
+            </a:schemeClr>
+          </a:lnRef>
+          <a:fillRef idx="1">
+            <a:schemeClr val="accent1"/>
+          </a:fillRef>
+          <a:effectRef idx="0">
+            <a:schemeClr val="accent1"/>
+          </a:effectRef>
+          <a:fontRef idx="minor">
+            <a:schemeClr val="lt1"/>
+          </a:fontRef>
+        </p:style>
+        <p:txBody>
+          <a:bodyPr rtlCol="0" anchor="ctr"/>
+          <a:lstStyle/>
+          <a:p>
+            <a:pPr algn="ctr"/>
+            <a:endParaRPr lang="en-AU"/>
+          </a:p>
+        </p:txBody>
+      </p:sp>
+      <p:pic>
+        <p:nvPicPr>
+          <p:cNvPr id="32" name="Picture 10" descr="New Instagram Logo PNG Images 2023">
+            <a:extLst>
+              <a:ext uri="{FF2B5EF4-FFF2-40B4-BE49-F238E27FC236}">
+                <a16:creationId xmlns:a16="http://schemas.microsoft.com/office/drawing/2014/main" id="{2A975E25-B8BA-7B3A-B880-6D50462A7181}"/>
+              </a:ext>
+            </a:extLst>
+          </p:cNvPr>
+          <p:cNvPicPr>
+            <a:picLocks noChangeAspect="1" noChangeArrowheads="1"/>
+          </p:cNvPicPr>
+          <p:nvPr/>
+        </p:nvPicPr>
+        <p:blipFill>
+          <a:blip r:embed="rId4" cstate="print">
+            <a:extLst>
+              <a:ext uri="{28A0092B-C50C-407E-A947-70E740481C1C}">
+                <a14:useLocalDpi xmlns:a14="http://schemas.microsoft.com/office/drawing/2010/main" val="0"/>
+              </a:ext>
+            </a:extLst>
+          </a:blip>
+          <a:srcRect/>
+          <a:stretch>
+            <a:fillRect/>
+          </a:stretch>
+        </p:blipFill>
+        <p:spPr bwMode="auto">
+          <a:xfrm>
+            <a:off x="3347233" y="49174192"/>
+            <a:ext cx="1790429" cy="1790429"/>
+          </a:xfrm>
+          <a:prstGeom prst="rect">
+            <a:avLst/>
+          </a:prstGeom>
+          <a:noFill/>
+          <a:extLst>
+            <a:ext uri="{909E8E84-426E-40DD-AFC4-6F175D3DCCD1}">
+              <a14:hiddenFill xmlns:a14="http://schemas.microsoft.com/office/drawing/2010/main">
+                <a:solidFill>
+                  <a:srgbClr val="FFFFFF"/>
+                </a:solidFill>
+              </a14:hiddenFill>
+            </a:ext>
+          </a:extLst>
+        </p:spPr>
+      </p:pic>
+      <p:pic>
+        <p:nvPicPr>
+          <p:cNvPr id="34" name="Picture 16" descr="Linkedin logo png, Linkedin icon transparent png 18930587 PNG">
+            <a:extLst>
+              <a:ext uri="{FF2B5EF4-FFF2-40B4-BE49-F238E27FC236}">
+                <a16:creationId xmlns:a16="http://schemas.microsoft.com/office/drawing/2014/main" id="{3384B965-D3AF-BA2B-55AE-3685B94C1BA4}"/>
+              </a:ext>
+            </a:extLst>
+          </p:cNvPr>
+          <p:cNvPicPr>
+            <a:picLocks noChangeAspect="1" noChangeArrowheads="1"/>
+          </p:cNvPicPr>
+          <p:nvPr/>
+        </p:nvPicPr>
+        <p:blipFill>
+          <a:blip r:embed="rId5" cstate="print">
+            <a:extLst>
+              <a:ext uri="{28A0092B-C50C-407E-A947-70E740481C1C}">
+                <a14:useLocalDpi xmlns:a14="http://schemas.microsoft.com/office/drawing/2010/main" val="0"/>
+              </a:ext>
+            </a:extLst>
+          </a:blip>
+          <a:srcRect/>
+          <a:stretch>
+            <a:fillRect/>
+          </a:stretch>
+        </p:blipFill>
+        <p:spPr bwMode="auto">
+          <a:xfrm>
+            <a:off x="271390" y="48505058"/>
+            <a:ext cx="3128698" cy="3128698"/>
+          </a:xfrm>
+          <a:prstGeom prst="rect">
+            <a:avLst/>
+          </a:prstGeom>
+          <a:noFill/>
+          <a:extLst>
+            <a:ext uri="{909E8E84-426E-40DD-AFC4-6F175D3DCCD1}">
+              <a14:hiddenFill xmlns:a14="http://schemas.microsoft.com/office/drawing/2010/main">
+                <a:solidFill>
+                  <a:srgbClr val="FFFFFF"/>
+                </a:solidFill>
+              </a14:hiddenFill>
+            </a:ext>
+          </a:extLst>
+        </p:spPr>
+      </p:pic>
+      <p:sp>
+        <p:nvSpPr>
+          <p:cNvPr id="36" name="Rectangle 35">
+            <a:extLst>
+              <a:ext uri="{FF2B5EF4-FFF2-40B4-BE49-F238E27FC236}">
+                <a16:creationId xmlns:a16="http://schemas.microsoft.com/office/drawing/2014/main" id="{4E84058A-D644-5914-179D-A788DC9083CC}"/>
+              </a:ext>
+            </a:extLst>
+          </p:cNvPr>
+          <p:cNvSpPr/>
+          <p:nvPr/>
+        </p:nvSpPr>
+        <p:spPr>
+          <a:xfrm>
+            <a:off x="5667051" y="49526796"/>
+            <a:ext cx="19781377" cy="1200329"/>
+          </a:xfrm>
+          <a:prstGeom prst="rect">
+            <a:avLst/>
+          </a:prstGeom>
+        </p:spPr>
+        <p:txBody>
+          <a:bodyPr wrap="none">
+            <a:spAutoFit/>
+          </a:bodyPr>
+          <a:lstStyle/>
+          <a:p>
+            <a:r>
+              <a:rPr lang="en-US" sz="7200" b="1" dirty="0">
+                <a:solidFill>
+                  <a:srgbClr val="0000FF"/>
+                </a:solidFill>
+                <a:latin typeface="Oxygen" panose="02000503000000000000" pitchFamily="2" charset="0"/>
+              </a:rPr>
+              <a:t>www.anodiam.com || anirban@anodiam.com</a:t>
+            </a:r>
+            <a:endParaRPr lang="en-AU" sz="7200" dirty="0">
+              <a:solidFill>
+                <a:srgbClr val="0000FF"/>
+              </a:solidFill>
+            </a:endParaRPr>
+          </a:p>
+        </p:txBody>
+      </p:sp>
+      <p:pic>
+        <p:nvPicPr>
+          <p:cNvPr id="13" name="Picture 12">
+            <a:extLst>
+              <a:ext uri="{FF2B5EF4-FFF2-40B4-BE49-F238E27FC236}">
+                <a16:creationId xmlns:a16="http://schemas.microsoft.com/office/drawing/2014/main" id="{0B8D66B7-B7EF-A10E-ACF6-180961A64482}"/>
+              </a:ext>
+            </a:extLst>
+          </p:cNvPr>
+          <p:cNvPicPr>
+            <a:picLocks noChangeAspect="1"/>
+          </p:cNvPicPr>
+          <p:nvPr/>
+        </p:nvPicPr>
+        <p:blipFill>
+          <a:blip r:embed="rId6">
+            <a:extLst>
+              <a:ext uri="{28A0092B-C50C-407E-A947-70E740481C1C}">
+                <a14:useLocalDpi xmlns:a14="http://schemas.microsoft.com/office/drawing/2010/main" val="0"/>
+              </a:ext>
+            </a:extLst>
+          </a:blip>
+          <a:stretch>
+            <a:fillRect/>
+          </a:stretch>
+        </p:blipFill>
+        <p:spPr>
+          <a:xfrm>
+            <a:off x="3237713" y="557926"/>
+            <a:ext cx="19106561" cy="9280333"/>
+          </a:xfrm>
+          <a:prstGeom prst="rect">
+            <a:avLst/>
+          </a:prstGeom>
+        </p:spPr>
+      </p:pic>
+      <p:sp>
+        <p:nvSpPr>
+          <p:cNvPr id="37" name="TextBox 36">
+            <a:extLst>
+              <a:ext uri="{FF2B5EF4-FFF2-40B4-BE49-F238E27FC236}">
+                <a16:creationId xmlns:a16="http://schemas.microsoft.com/office/drawing/2014/main" id="{D8F4ED22-01EC-7429-671A-220A0C689694}"/>
+              </a:ext>
+            </a:extLst>
+          </p:cNvPr>
+          <p:cNvSpPr txBox="1"/>
+          <p:nvPr/>
+        </p:nvSpPr>
+        <p:spPr>
+          <a:xfrm>
+            <a:off x="3278955" y="9957918"/>
+            <a:ext cx="9555039" cy="1446550"/>
+          </a:xfrm>
+          <a:prstGeom prst="rect">
+            <a:avLst/>
+          </a:prstGeom>
+          <a:noFill/>
+        </p:spPr>
+        <p:txBody>
+          <a:bodyPr wrap="square" rtlCol="0">
+            <a:spAutoFit/>
+          </a:bodyPr>
+          <a:lstStyle/>
+          <a:p>
+            <a:pPr algn="ctr"/>
+            <a:r>
+              <a:rPr lang="en-US" sz="8800" b="1" cap="small" dirty="0">
+                <a:ln w="6600">
+                  <a:solidFill>
+                    <a:srgbClr val="C00000"/>
+                  </a:solidFill>
+                  <a:prstDash val="solid"/>
+                </a:ln>
+                <a:solidFill>
+                  <a:srgbClr val="C00000"/>
+                </a:solidFill>
+                <a:effectLst>
+                  <a:glow rad="50800">
+                    <a:srgbClr val="C00000">
+                      <a:alpha val="40000"/>
+                    </a:srgbClr>
+                  </a:glow>
+                  <a:outerShdw dist="38100" dir="5400000" sy="-20000" rotWithShape="0">
+                    <a:prstClr val="black">
+                      <a:alpha val="0"/>
+                    </a:prstClr>
+                  </a:outerShdw>
+                </a:effectLst>
+                <a:latin typeface="Oxygen" panose="02000503000000000000" pitchFamily="2" charset="0"/>
+              </a:rPr>
+              <a:t>Coaching Classes</a:t>
+            </a:r>
+            <a:endParaRPr lang="en-AU" sz="8800" b="1" cap="small" dirty="0">
+              <a:ln w="6600">
+                <a:solidFill>
+                  <a:srgbClr val="C00000"/>
+                </a:solidFill>
+                <a:prstDash val="solid"/>
+              </a:ln>
+              <a:solidFill>
+                <a:srgbClr val="C00000"/>
+              </a:solidFill>
+              <a:effectLst>
+                <a:glow rad="50800">
+                  <a:srgbClr val="C00000">
+                    <a:alpha val="40000"/>
+                  </a:srgbClr>
+                </a:glow>
+                <a:outerShdw dist="38100" dir="5400000" sy="-20000" rotWithShape="0">
+                  <a:prstClr val="black">
+                    <a:alpha val="0"/>
+                  </a:prstClr>
+                </a:outerShdw>
+              </a:effectLst>
+              <a:latin typeface="Oxygen" panose="02000503000000000000" pitchFamily="2" charset="0"/>
+            </a:endParaRPr>
+          </a:p>
+        </p:txBody>
+      </p:sp>
+      <p:sp>
+        <p:nvSpPr>
+          <p:cNvPr id="39" name="TextBox 38">
+            <a:extLst>
+              <a:ext uri="{FF2B5EF4-FFF2-40B4-BE49-F238E27FC236}">
+                <a16:creationId xmlns:a16="http://schemas.microsoft.com/office/drawing/2014/main" id="{F71474C8-D56F-A009-1E43-209F024854AC}"/>
+              </a:ext>
+            </a:extLst>
+          </p:cNvPr>
+          <p:cNvSpPr txBox="1"/>
+          <p:nvPr/>
+        </p:nvSpPr>
+        <p:spPr>
+          <a:xfrm>
+            <a:off x="3298479" y="11449901"/>
+            <a:ext cx="19106561" cy="1015663"/>
+          </a:xfrm>
+          <a:prstGeom prst="rect">
+            <a:avLst/>
+          </a:prstGeom>
+          <a:noFill/>
+        </p:spPr>
+        <p:txBody>
+          <a:bodyPr wrap="square">
+            <a:spAutoFit/>
+          </a:bodyPr>
+          <a:lstStyle/>
+          <a:p>
+            <a:pPr algn="ctr"/>
+            <a:r>
+              <a:rPr lang="en-US" sz="6000" b="1" cap="small" dirty="0">
+                <a:ln w="6600">
+                  <a:solidFill>
+                    <a:srgbClr val="C00000"/>
+                  </a:solidFill>
+                  <a:prstDash val="solid"/>
+                </a:ln>
+                <a:solidFill>
+                  <a:srgbClr val="C00000"/>
+                </a:solidFill>
+                <a:effectLst>
+                  <a:glow>
+                    <a:srgbClr val="C00000">
+                      <a:alpha val="40000"/>
+                    </a:srgbClr>
+                  </a:glow>
+                  <a:outerShdw dist="38100" dir="5400000" sy="-20000" rotWithShape="0">
+                    <a:prstClr val="black">
+                      <a:alpha val="0"/>
+                    </a:prstClr>
+                  </a:outerShdw>
+                </a:effectLst>
+                <a:latin typeface="Oxygen" panose="02000503000000000000" pitchFamily="2" charset="0"/>
+              </a:rPr>
+              <a:t>N-1/25 Patuli, Kol 94, Near Fire Brigade &amp; Krisi Vikas</a:t>
+            </a:r>
+          </a:p>
+        </p:txBody>
+      </p:sp>
+      <p:pic>
+        <p:nvPicPr>
+          <p:cNvPr id="40" name="Picture 14" descr="Whatsapp Icon PNGs for Free Download">
+            <a:extLst>
+              <a:ext uri="{FF2B5EF4-FFF2-40B4-BE49-F238E27FC236}">
+                <a16:creationId xmlns:a16="http://schemas.microsoft.com/office/drawing/2014/main" id="{4614A863-72B5-6D79-5611-3F749E580A6C}"/>
+              </a:ext>
+            </a:extLst>
+          </p:cNvPr>
+          <p:cNvPicPr>
+            <a:picLocks noChangeAspect="1" noChangeArrowheads="1"/>
+          </p:cNvPicPr>
+          <p:nvPr/>
+        </p:nvPicPr>
+        <p:blipFill>
+          <a:blip r:embed="rId7" cstate="print">
+            <a:extLst>
+              <a:ext uri="{28A0092B-C50C-407E-A947-70E740481C1C}">
+                <a14:useLocalDpi xmlns:a14="http://schemas.microsoft.com/office/drawing/2010/main" val="0"/>
+              </a:ext>
+            </a:extLst>
+          </a:blip>
+          <a:srcRect/>
+          <a:stretch>
+            <a:fillRect/>
+          </a:stretch>
+        </p:blipFill>
+        <p:spPr bwMode="auto">
+          <a:xfrm>
+            <a:off x="21534634" y="10322140"/>
+            <a:ext cx="1046991" cy="1046991"/>
+          </a:xfrm>
+          <a:prstGeom prst="rect">
+            <a:avLst/>
+          </a:prstGeom>
+          <a:noFill/>
+          <a:extLst>
+            <a:ext uri="{909E8E84-426E-40DD-AFC4-6F175D3DCCD1}">
+              <a14:hiddenFill xmlns:a14="http://schemas.microsoft.com/office/drawing/2010/main">
+                <a:solidFill>
+                  <a:srgbClr val="FFFFFF"/>
+                </a:solidFill>
+              </a14:hiddenFill>
+            </a:ext>
+          </a:extLst>
+        </p:spPr>
+      </p:pic>
+      <p:sp>
+        <p:nvSpPr>
+          <p:cNvPr id="41" name="Rectangle 40">
+            <a:extLst>
+              <a:ext uri="{FF2B5EF4-FFF2-40B4-BE49-F238E27FC236}">
+                <a16:creationId xmlns:a16="http://schemas.microsoft.com/office/drawing/2014/main" id="{F9D8F186-43FC-19CD-B884-5AEC7E1E6390}"/>
+              </a:ext>
+            </a:extLst>
+          </p:cNvPr>
+          <p:cNvSpPr/>
+          <p:nvPr/>
+        </p:nvSpPr>
+        <p:spPr>
+          <a:xfrm>
+            <a:off x="13457671" y="9738788"/>
+            <a:ext cx="8984380" cy="1707262"/>
+          </a:xfrm>
+          <a:prstGeom prst="rect">
+            <a:avLst/>
+          </a:prstGeom>
+        </p:spPr>
+        <p:txBody>
+          <a:bodyPr wrap="square">
+            <a:spAutoFit/>
+          </a:bodyPr>
+          <a:lstStyle/>
+          <a:p>
+            <a:pPr algn="ctr">
+              <a:lnSpc>
+                <a:spcPct val="150000"/>
+              </a:lnSpc>
+            </a:pPr>
+            <a:r>
+              <a:rPr lang="en-US" sz="8000" b="1" cap="small" dirty="0">
+                <a:ln w="6600">
+                  <a:solidFill>
+                    <a:srgbClr val="C00000"/>
+                  </a:solidFill>
+                  <a:prstDash val="solid"/>
+                </a:ln>
+                <a:solidFill>
+                  <a:srgbClr val="C00000"/>
+                </a:solidFill>
+                <a:effectLst>
+                  <a:glow rad="63500">
+                    <a:srgbClr val="C00000">
+                      <a:alpha val="40000"/>
+                    </a:srgbClr>
+                  </a:glow>
+                  <a:outerShdw dist="38100" dir="5400000" sy="-20000" rotWithShape="0">
+                    <a:prstClr val="black">
+                      <a:alpha val="0"/>
+                    </a:prstClr>
+                  </a:outerShdw>
+                </a:effectLst>
+                <a:latin typeface="Oxygen" panose="02000503000000000000" pitchFamily="2" charset="0"/>
+              </a:rPr>
+              <a:t>9073 700094</a:t>
+            </a:r>
+            <a:endParaRPr lang="en-AU" sz="8000" b="1" cap="small" dirty="0">
+              <a:ln w="6600">
+                <a:solidFill>
+                  <a:srgbClr val="C00000"/>
+                </a:solidFill>
+                <a:prstDash val="solid"/>
+              </a:ln>
+              <a:solidFill>
+                <a:srgbClr val="C00000"/>
+              </a:solidFill>
+              <a:effectLst>
+                <a:glow rad="63500">
+                  <a:srgbClr val="C00000">
+                    <a:alpha val="40000"/>
+                  </a:srgbClr>
+                </a:glow>
+                <a:outerShdw dist="38100" dir="5400000" sy="-20000" rotWithShape="0">
+                  <a:prstClr val="black">
+                    <a:alpha val="0"/>
+                  </a:prstClr>
+                </a:outerShdw>
+              </a:effectLst>
+              <a:latin typeface="Oxygen" panose="02000503000000000000" pitchFamily="2" charset="0"/>
+            </a:endParaRPr>
+          </a:p>
+        </p:txBody>
+      </p:sp>
+      <p:pic>
+        <p:nvPicPr>
+          <p:cNvPr id="42" name="Picture 18" descr="Page 2 | Phone Icon Png Images - Free Download on Freepik">
+            <a:extLst>
+              <a:ext uri="{FF2B5EF4-FFF2-40B4-BE49-F238E27FC236}">
+                <a16:creationId xmlns:a16="http://schemas.microsoft.com/office/drawing/2014/main" id="{0AE7602C-AB89-8DF9-830B-C813846C2C66}"/>
+              </a:ext>
+            </a:extLst>
+          </p:cNvPr>
+          <p:cNvPicPr>
+            <a:picLocks noChangeAspect="1" noChangeArrowheads="1"/>
+          </p:cNvPicPr>
+          <p:nvPr/>
+        </p:nvPicPr>
+        <p:blipFill>
+          <a:blip r:embed="rId8" cstate="print">
+            <a:extLst>
+              <a:ext uri="{28A0092B-C50C-407E-A947-70E740481C1C}">
+                <a14:useLocalDpi xmlns:a14="http://schemas.microsoft.com/office/drawing/2010/main" val="0"/>
+              </a:ext>
+            </a:extLst>
+          </a:blip>
+          <a:srcRect/>
+          <a:stretch>
+            <a:fillRect/>
+          </a:stretch>
+        </p:blipFill>
+        <p:spPr bwMode="auto">
+          <a:xfrm>
+            <a:off x="13556458" y="10295994"/>
+            <a:ext cx="964851" cy="964851"/>
+          </a:xfrm>
+          <a:prstGeom prst="rect">
+            <a:avLst/>
+          </a:prstGeom>
+          <a:noFill/>
+          <a:extLst>
+            <a:ext uri="{909E8E84-426E-40DD-AFC4-6F175D3DCCD1}">
+              <a14:hiddenFill xmlns:a14="http://schemas.microsoft.com/office/drawing/2010/main">
+                <a:solidFill>
+                  <a:srgbClr val="FFFFFF"/>
+                </a:solidFill>
+              </a14:hiddenFill>
+            </a:ext>
+          </a:extLst>
+        </p:spPr>
+      </p:pic>
+      <p:sp>
+        <p:nvSpPr>
+          <p:cNvPr id="18" name="Rectangle 17">
+            <a:extLst>
+              <a:ext uri="{FF2B5EF4-FFF2-40B4-BE49-F238E27FC236}">
+                <a16:creationId xmlns:a16="http://schemas.microsoft.com/office/drawing/2014/main" id="{57E38920-CFB2-95B6-5E80-A46054D7F0C4}"/>
+              </a:ext>
+            </a:extLst>
+          </p:cNvPr>
+          <p:cNvSpPr/>
+          <p:nvPr/>
+        </p:nvSpPr>
+        <p:spPr>
+          <a:xfrm>
+            <a:off x="15437084" y="31720195"/>
+            <a:ext cx="5877879" cy="1015663"/>
+          </a:xfrm>
+          <a:prstGeom prst="rect">
+            <a:avLst/>
+          </a:prstGeom>
+        </p:spPr>
+        <p:txBody>
+          <a:bodyPr wrap="square">
+            <a:spAutoFit/>
+          </a:bodyPr>
+          <a:lstStyle/>
+          <a:p>
+            <a:r>
+              <a:rPr lang="en-AU" sz="6000" b="1" dirty="0">
+                <a:solidFill>
+                  <a:srgbClr val="002060"/>
+                </a:solidFill>
+                <a:latin typeface="Oxygen" panose="02000503000000000000" pitchFamily="2" charset="0"/>
+              </a:rPr>
+              <a:t>App Download</a:t>
+            </a:r>
+          </a:p>
+        </p:txBody>
+      </p:sp>
+      <p:pic>
+        <p:nvPicPr>
+          <p:cNvPr id="2" name="Picture 2" descr="Download Google Play Icon Royalty-Free Vector Graphic - Pixabay">
+            <a:extLst>
+              <a:ext uri="{FF2B5EF4-FFF2-40B4-BE49-F238E27FC236}">
+                <a16:creationId xmlns:a16="http://schemas.microsoft.com/office/drawing/2014/main" id="{91DDA7FB-AAED-BFBB-67EE-9C06F7C59FD9}"/>
+              </a:ext>
+            </a:extLst>
+          </p:cNvPr>
+          <p:cNvPicPr>
+            <a:picLocks noChangeAspect="1" noChangeArrowheads="1"/>
+          </p:cNvPicPr>
+          <p:nvPr/>
+        </p:nvPicPr>
+        <p:blipFill>
+          <a:blip r:embed="rId9">
+            <a:extLst>
+              <a:ext uri="{28A0092B-C50C-407E-A947-70E740481C1C}">
+                <a14:useLocalDpi xmlns:a14="http://schemas.microsoft.com/office/drawing/2010/main" val="0"/>
+              </a:ext>
+            </a:extLst>
+          </a:blip>
+          <a:srcRect/>
+          <a:stretch>
+            <a:fillRect/>
+          </a:stretch>
+        </p:blipFill>
+        <p:spPr bwMode="auto">
+          <a:xfrm>
+            <a:off x="15853649" y="30256513"/>
+            <a:ext cx="1305272" cy="1463682"/>
+          </a:xfrm>
+          <a:prstGeom prst="rect">
+            <a:avLst/>
+          </a:prstGeom>
+          <a:noFill/>
+          <a:extLst>
+            <a:ext uri="{909E8E84-426E-40DD-AFC4-6F175D3DCCD1}">
+              <a14:hiddenFill xmlns:a14="http://schemas.microsoft.com/office/drawing/2010/main">
+                <a:solidFill>
+                  <a:srgbClr val="FFFFFF"/>
+                </a:solidFill>
+              </a14:hiddenFill>
+            </a:ext>
+          </a:extLst>
+        </p:spPr>
+      </p:pic>
+      <p:pic>
+        <p:nvPicPr>
+          <p:cNvPr id="17" name="Picture 16">
+            <a:extLst>
+              <a:ext uri="{FF2B5EF4-FFF2-40B4-BE49-F238E27FC236}">
+                <a16:creationId xmlns:a16="http://schemas.microsoft.com/office/drawing/2014/main" id="{2A88CD58-A345-2D82-B535-B54DF3C15F5C}"/>
+              </a:ext>
+            </a:extLst>
+          </p:cNvPr>
+          <p:cNvPicPr>
+            <a:picLocks noChangeAspect="1"/>
+          </p:cNvPicPr>
+          <p:nvPr/>
+        </p:nvPicPr>
+        <p:blipFill>
+          <a:blip r:embed="rId10">
+            <a:extLst>
+              <a:ext uri="{28A0092B-C50C-407E-A947-70E740481C1C}">
+                <a14:useLocalDpi xmlns:a14="http://schemas.microsoft.com/office/drawing/2010/main" val="0"/>
+              </a:ext>
+            </a:extLst>
+          </a:blip>
+          <a:stretch>
+            <a:fillRect/>
+          </a:stretch>
+        </p:blipFill>
+        <p:spPr>
+          <a:xfrm rot="21440353">
+            <a:off x="14521841" y="20220469"/>
+            <a:ext cx="1197356" cy="1131942"/>
+          </a:xfrm>
+          <a:prstGeom prst="rect">
+            <a:avLst/>
+          </a:prstGeom>
+        </p:spPr>
+      </p:pic>
+      <p:pic>
+        <p:nvPicPr>
+          <p:cNvPr id="45" name="Picture 44">
+            <a:extLst>
+              <a:ext uri="{FF2B5EF4-FFF2-40B4-BE49-F238E27FC236}">
+                <a16:creationId xmlns:a16="http://schemas.microsoft.com/office/drawing/2014/main" id="{E9BF914C-767B-4A9B-B892-9FE9D722EEE7}"/>
+              </a:ext>
+            </a:extLst>
+          </p:cNvPr>
+          <p:cNvPicPr>
+            <a:picLocks noChangeAspect="1"/>
+          </p:cNvPicPr>
+          <p:nvPr/>
+        </p:nvPicPr>
+        <p:blipFill>
+          <a:blip r:embed="rId10">
+            <a:extLst>
+              <a:ext uri="{28A0092B-C50C-407E-A947-70E740481C1C}">
+                <a14:useLocalDpi xmlns:a14="http://schemas.microsoft.com/office/drawing/2010/main" val="0"/>
+              </a:ext>
+            </a:extLst>
+          </a:blip>
+          <a:stretch>
+            <a:fillRect/>
+          </a:stretch>
+        </p:blipFill>
+        <p:spPr>
+          <a:xfrm>
+            <a:off x="15824969" y="28779053"/>
+            <a:ext cx="1305272" cy="1233962"/>
+          </a:xfrm>
+          <a:prstGeom prst="rect">
+            <a:avLst/>
+          </a:prstGeom>
+        </p:spPr>
+      </p:pic>
+      <p:pic>
+        <p:nvPicPr>
+          <p:cNvPr id="47" name="Picture 46">
+            <a:extLst>
+              <a:ext uri="{FF2B5EF4-FFF2-40B4-BE49-F238E27FC236}">
+                <a16:creationId xmlns:a16="http://schemas.microsoft.com/office/drawing/2014/main" id="{D7D981AE-9BFA-FFAC-76C9-3617EFBC8B04}"/>
+              </a:ext>
+            </a:extLst>
+          </p:cNvPr>
+          <p:cNvPicPr>
+            <a:picLocks noChangeAspect="1"/>
+          </p:cNvPicPr>
+          <p:nvPr/>
+        </p:nvPicPr>
+        <p:blipFill>
+          <a:blip r:embed="rId11">
+            <a:extLst>
+              <a:ext uri="{28A0092B-C50C-407E-A947-70E740481C1C}">
+                <a14:useLocalDpi xmlns:a14="http://schemas.microsoft.com/office/drawing/2010/main" val="0"/>
+              </a:ext>
+            </a:extLst>
+          </a:blip>
+          <a:stretch>
+            <a:fillRect/>
+          </a:stretch>
+        </p:blipFill>
+        <p:spPr>
+          <a:xfrm>
+            <a:off x="17371418" y="28455270"/>
+            <a:ext cx="3481975" cy="3481975"/>
+          </a:xfrm>
+          <a:prstGeom prst="rect">
+            <a:avLst/>
+          </a:prstGeom>
+        </p:spPr>
+      </p:pic>
+      <p:sp>
+        <p:nvSpPr>
+          <p:cNvPr id="9" name="32-Point Star 20">
+            <a:extLst>
+              <a:ext uri="{FF2B5EF4-FFF2-40B4-BE49-F238E27FC236}">
+                <a16:creationId xmlns:a16="http://schemas.microsoft.com/office/drawing/2014/main" id="{013D7344-D51C-35DC-9DCB-9528C8A4AFF7}"/>
+              </a:ext>
+            </a:extLst>
+          </p:cNvPr>
+          <p:cNvSpPr/>
+          <p:nvPr/>
+        </p:nvSpPr>
+        <p:spPr>
+          <a:xfrm rot="21243013">
+            <a:off x="8218968" y="12897609"/>
+            <a:ext cx="9704255" cy="6077043"/>
+          </a:xfrm>
+          <a:prstGeom prst="star32">
+            <a:avLst/>
+          </a:prstGeom>
+          <a:solidFill>
+            <a:srgbClr val="002060"/>
+          </a:solidFill>
+          <a:ln w="317500">
+            <a:solidFill>
+              <a:srgbClr val="FF0000"/>
+            </a:solidFill>
+          </a:ln>
+        </p:spPr>
+        <p:style>
+          <a:lnRef idx="2">
+            <a:schemeClr val="accent1">
+              <a:shade val="50000"/>
+            </a:schemeClr>
+          </a:lnRef>
+          <a:fillRef idx="1">
+            <a:schemeClr val="accent1"/>
+          </a:fillRef>
+          <a:effectRef idx="0">
+            <a:schemeClr val="accent1"/>
+          </a:effectRef>
+          <a:fontRef idx="minor">
+            <a:schemeClr val="lt1"/>
+          </a:fontRef>
+        </p:style>
+        <p:txBody>
+          <a:bodyPr rtlCol="0" anchor="ctr"/>
+          <a:lstStyle/>
+          <a:p>
+            <a:pPr algn="ctr"/>
+            <a:r>
+              <a:rPr lang="en-US" sz="3600" b="1" cap="small" dirty="0">
+                <a:solidFill>
+                  <a:schemeClr val="bg1"/>
+                </a:solidFill>
+                <a:latin typeface="Oxygen" panose="02000503000000000000" pitchFamily="2" charset="0"/>
+              </a:rPr>
+              <a:t>Upto </a:t>
+            </a:r>
+            <a:r>
+              <a:rPr lang="en-US" sz="15000" b="1" cap="small" dirty="0">
+                <a:solidFill>
+                  <a:schemeClr val="bg1"/>
+                </a:solidFill>
+                <a:latin typeface="Oxygen" panose="02000503000000000000" pitchFamily="2" charset="0"/>
+              </a:rPr>
+              <a:t>50%</a:t>
+            </a:r>
+            <a:r>
+              <a:rPr lang="en-US" sz="3600" b="1" cap="small" dirty="0">
+                <a:solidFill>
+                  <a:schemeClr val="bg1"/>
+                </a:solidFill>
+                <a:latin typeface="Oxygen" panose="02000503000000000000" pitchFamily="2" charset="0"/>
+              </a:rPr>
+              <a:t> Off</a:t>
+            </a:r>
+            <a:r>
+              <a:rPr lang="en-US" sz="5400" b="1" cap="small" dirty="0">
+                <a:solidFill>
+                  <a:schemeClr val="bg1"/>
+                </a:solidFill>
+                <a:latin typeface="Oxygen" panose="02000503000000000000" pitchFamily="2" charset="0"/>
+              </a:rPr>
+              <a:t> </a:t>
+            </a:r>
+          </a:p>
+          <a:p>
+            <a:pPr algn="ctr"/>
+            <a:r>
+              <a:rPr lang="en-US" sz="3600" b="1" cap="small" dirty="0">
+                <a:solidFill>
+                  <a:schemeClr val="bg1"/>
+                </a:solidFill>
+                <a:latin typeface="Oxygen" panose="02000503000000000000" pitchFamily="2" charset="0"/>
+              </a:rPr>
+              <a:t>T&amp;C Applies</a:t>
+            </a:r>
+          </a:p>
+        </p:txBody>
+      </p:sp>
+      <p:pic>
+        <p:nvPicPr>
+          <p:cNvPr id="5" name="Picture 4">
+            <a:extLst>
+              <a:ext uri="{FF2B5EF4-FFF2-40B4-BE49-F238E27FC236}">
+                <a16:creationId xmlns:a16="http://schemas.microsoft.com/office/drawing/2014/main" id="{AC73743A-F8AA-2C8D-2E19-037F2BC146F7}"/>
+              </a:ext>
+            </a:extLst>
+          </p:cNvPr>
+          <p:cNvPicPr>
+            <a:picLocks noChangeAspect="1"/>
+          </p:cNvPicPr>
+          <p:nvPr/>
+        </p:nvPicPr>
+        <p:blipFill>
+          <a:blip r:embed="rId12">
+            <a:extLst>
+              <a:ext uri="{BEBA8EAE-BF5A-486C-A8C5-ECC9F3942E4B}">
+                <a14:imgProps xmlns:a14="http://schemas.microsoft.com/office/drawing/2010/main">
+                  <a14:imgLayer r:embed="rId13">
+                    <a14:imgEffect>
+                      <a14:brightnessContrast bright="20000" contrast="20000"/>
+                    </a14:imgEffect>
+                  </a14:imgLayer>
+                </a14:imgProps>
+              </a:ext>
+              <a:ext uri="{28A0092B-C50C-407E-A947-70E740481C1C}">
+                <a14:useLocalDpi xmlns:a14="http://schemas.microsoft.com/office/drawing/2010/main" val="0"/>
+              </a:ext>
+            </a:extLst>
+          </a:blip>
+          <a:stretch>
+            <a:fillRect/>
+          </a:stretch>
+        </p:blipFill>
+        <p:spPr>
+          <a:xfrm rot="21326279">
+            <a:off x="-7650074" y="5460751"/>
+            <a:ext cx="24035614" cy="33612587"/>
+          </a:xfrm>
+          <a:prstGeom prst="rect">
+            <a:avLst/>
+          </a:prstGeom>
+        </p:spPr>
+      </p:pic>
+      <p:pic>
+        <p:nvPicPr>
+          <p:cNvPr id="29" name="Picture 28">
+            <a:extLst>
+              <a:ext uri="{FF2B5EF4-FFF2-40B4-BE49-F238E27FC236}">
+                <a16:creationId xmlns:a16="http://schemas.microsoft.com/office/drawing/2014/main" id="{A622DD28-862B-63BF-DF65-1EC2D878807E}"/>
+              </a:ext>
+            </a:extLst>
+          </p:cNvPr>
+          <p:cNvPicPr>
+            <a:picLocks noChangeAspect="1"/>
+          </p:cNvPicPr>
+          <p:nvPr/>
+        </p:nvPicPr>
+        <p:blipFill>
+          <a:blip r:embed="rId14"/>
+          <a:stretch>
+            <a:fillRect/>
+          </a:stretch>
+        </p:blipFill>
+        <p:spPr>
+          <a:xfrm>
+            <a:off x="6939" y="21240153"/>
+            <a:ext cx="11973002" cy="2881410"/>
+          </a:xfrm>
+          <a:prstGeom prst="rect">
+            <a:avLst/>
+          </a:prstGeom>
+        </p:spPr>
+      </p:pic>
+      <p:sp>
+        <p:nvSpPr>
+          <p:cNvPr id="22" name="Rectangle 21">
+            <a:extLst>
+              <a:ext uri="{FF2B5EF4-FFF2-40B4-BE49-F238E27FC236}">
+                <a16:creationId xmlns:a16="http://schemas.microsoft.com/office/drawing/2014/main" id="{BF1947EF-B294-98B3-67D8-8C8A26F971AF}"/>
+              </a:ext>
+            </a:extLst>
+          </p:cNvPr>
+          <p:cNvSpPr/>
+          <p:nvPr/>
+        </p:nvSpPr>
+        <p:spPr>
+          <a:xfrm>
+            <a:off x="-7481" y="24795755"/>
+            <a:ext cx="8750428" cy="12341721"/>
+          </a:xfrm>
+          <a:prstGeom prst="rect">
+            <a:avLst/>
+          </a:prstGeom>
+          <a:solidFill>
+            <a:schemeClr val="bg1"/>
+          </a:solidFill>
+          <a:ln>
+            <a:noFill/>
+          </a:ln>
+        </p:spPr>
+        <p:style>
+          <a:lnRef idx="2">
+            <a:schemeClr val="accent1">
+              <a:shade val="15000"/>
+            </a:schemeClr>
+          </a:lnRef>
+          <a:fillRef idx="1">
+            <a:schemeClr val="accent1"/>
+          </a:fillRef>
+          <a:effectRef idx="0">
+            <a:schemeClr val="accent1"/>
+          </a:effectRef>
+          <a:fontRef idx="minor">
+            <a:schemeClr val="lt1"/>
+          </a:fontRef>
+        </p:style>
+        <p:txBody>
+          <a:bodyPr rtlCol="0" anchor="ctr"/>
+          <a:lstStyle/>
+          <a:p>
+            <a:pPr algn="ctr"/>
+            <a:endParaRPr lang="en-US"/>
+          </a:p>
+        </p:txBody>
+      </p:sp>
+      <p:pic>
+        <p:nvPicPr>
+          <p:cNvPr id="31" name="Picture 30">
+            <a:extLst>
+              <a:ext uri="{FF2B5EF4-FFF2-40B4-BE49-F238E27FC236}">
+                <a16:creationId xmlns:a16="http://schemas.microsoft.com/office/drawing/2014/main" id="{E43E14B3-49BF-2BFE-5BE3-B58E9F8EDE18}"/>
+              </a:ext>
+            </a:extLst>
+          </p:cNvPr>
+          <p:cNvPicPr>
+            <a:picLocks noChangeAspect="1"/>
+          </p:cNvPicPr>
+          <p:nvPr/>
+        </p:nvPicPr>
+        <p:blipFill>
+          <a:blip r:embed="rId15"/>
+          <a:stretch>
+            <a:fillRect/>
+          </a:stretch>
+        </p:blipFill>
+        <p:spPr>
+          <a:xfrm>
+            <a:off x="93527" y="25062152"/>
+            <a:ext cx="17064180" cy="2649500"/>
+          </a:xfrm>
+          <a:prstGeom prst="rect">
+            <a:avLst/>
+          </a:prstGeom>
+        </p:spPr>
+      </p:pic>
+      <p:sp>
+        <p:nvSpPr>
+          <p:cNvPr id="24" name="TextBox 23">
+            <a:extLst>
+              <a:ext uri="{FF2B5EF4-FFF2-40B4-BE49-F238E27FC236}">
+                <a16:creationId xmlns:a16="http://schemas.microsoft.com/office/drawing/2014/main" id="{E8FDE4AC-06D7-40A5-3B56-9AC82D0DC8E9}"/>
+              </a:ext>
+            </a:extLst>
+          </p:cNvPr>
+          <p:cNvSpPr txBox="1"/>
+          <p:nvPr/>
+        </p:nvSpPr>
+        <p:spPr>
+          <a:xfrm>
+            <a:off x="-60074" y="33310202"/>
+            <a:ext cx="25589322" cy="12025408"/>
+          </a:xfrm>
+          <a:prstGeom prst="rect">
+            <a:avLst/>
+          </a:prstGeom>
+          <a:noFill/>
+        </p:spPr>
+        <p:txBody>
+          <a:bodyPr wrap="square">
+            <a:spAutoFit/>
+          </a:bodyPr>
+          <a:lstStyle/>
+          <a:p>
+            <a:pPr algn="ctr">
+              <a:lnSpc>
+                <a:spcPct val="150000"/>
+              </a:lnSpc>
+            </a:pPr>
+            <a:r>
+              <a:rPr lang="en-US" sz="8800" b="1" cap="small" dirty="0">
+                <a:solidFill>
+                  <a:srgbClr val="C00000"/>
+                </a:solidFill>
+                <a:latin typeface="Oxygen" panose="02000503000000000000" pitchFamily="2" charset="0"/>
+              </a:rPr>
+              <a:t>Artificial Intelligence, Robotics, Coding - III - XII</a:t>
+            </a:r>
+          </a:p>
+          <a:p>
+            <a:pPr algn="ctr">
+              <a:lnSpc>
+                <a:spcPct val="150000"/>
+              </a:lnSpc>
+            </a:pPr>
+            <a:r>
+              <a:rPr lang="en-US" sz="8800" b="1" cap="small" dirty="0">
+                <a:solidFill>
+                  <a:srgbClr val="C00000"/>
+                </a:solidFill>
+                <a:latin typeface="Oxygen" panose="02000503000000000000" pitchFamily="2" charset="0"/>
+              </a:rPr>
+              <a:t>Professional AI &amp; IT Training &amp; Projects</a:t>
+            </a:r>
+          </a:p>
+          <a:p>
+            <a:pPr algn="ctr">
+              <a:lnSpc>
+                <a:spcPct val="150000"/>
+              </a:lnSpc>
+            </a:pPr>
+            <a:r>
+              <a:rPr lang="en-US" sz="8800" b="1" cap="small" dirty="0">
+                <a:solidFill>
+                  <a:srgbClr val="C00000"/>
+                </a:solidFill>
+                <a:latin typeface="Oxygen" panose="02000503000000000000" pitchFamily="2" charset="0"/>
+              </a:rPr>
+              <a:t>VIII-XII - All Subjects &amp; Boards</a:t>
+            </a:r>
+          </a:p>
+          <a:p>
+            <a:pPr algn="ctr">
+              <a:lnSpc>
+                <a:spcPct val="150000"/>
+              </a:lnSpc>
+            </a:pPr>
+            <a:r>
+              <a:rPr lang="en-US" sz="8800" b="1" cap="small" dirty="0">
+                <a:solidFill>
+                  <a:srgbClr val="C00000"/>
+                </a:solidFill>
+                <a:latin typeface="Oxygen" panose="02000503000000000000" pitchFamily="2" charset="0"/>
+              </a:rPr>
+              <a:t>NEET, IIT-JEE (Mains &amp; Advanced)</a:t>
+            </a:r>
+          </a:p>
+          <a:p>
+            <a:pPr algn="ctr">
+              <a:lnSpc>
+                <a:spcPct val="150000"/>
+              </a:lnSpc>
+            </a:pPr>
+            <a:r>
+              <a:rPr lang="en-US" sz="8800" b="1" cap="small" dirty="0">
+                <a:solidFill>
+                  <a:srgbClr val="C00000"/>
+                </a:solidFill>
+                <a:latin typeface="Oxygen" panose="02000503000000000000" pitchFamily="2" charset="0"/>
+              </a:rPr>
+              <a:t>BCom, BBA, CA, CMA, CS, CFA, CLAT, LLB, LLM</a:t>
+            </a:r>
+          </a:p>
+          <a:p>
+            <a:pPr algn="ctr">
+              <a:lnSpc>
+                <a:spcPct val="150000"/>
+              </a:lnSpc>
+            </a:pPr>
+            <a:r>
+              <a:rPr lang="en-US" sz="8800" b="1" cap="small" dirty="0">
+                <a:solidFill>
+                  <a:srgbClr val="C00000"/>
+                </a:solidFill>
+                <a:latin typeface="Oxygen" panose="02000503000000000000" pitchFamily="2" charset="0"/>
+              </a:rPr>
+              <a:t>Grooming, Ielts, Toefl, Foreign Languages</a:t>
+            </a:r>
+            <a:endParaRPr lang="en-US" sz="11500" b="1" cap="small" dirty="0">
+              <a:solidFill>
+                <a:srgbClr val="C00000"/>
+              </a:solidFill>
+              <a:latin typeface="Oxygen" panose="02000503000000000000" pitchFamily="2" charset="0"/>
+            </a:endParaRPr>
+          </a:p>
+        </p:txBody>
+      </p:sp>
+      <p:pic>
+        <p:nvPicPr>
+          <p:cNvPr id="19" name="Picture 18">
+            <a:extLst>
+              <a:ext uri="{FF2B5EF4-FFF2-40B4-BE49-F238E27FC236}">
+                <a16:creationId xmlns:a16="http://schemas.microsoft.com/office/drawing/2014/main" id="{FAE414E8-03DC-F42E-8E46-D9BF256B8455}"/>
+              </a:ext>
+            </a:extLst>
+          </p:cNvPr>
+          <p:cNvPicPr>
+            <a:picLocks noChangeAspect="1"/>
+          </p:cNvPicPr>
+          <p:nvPr/>
+        </p:nvPicPr>
+        <p:blipFill>
+          <a:blip r:embed="rId16">
+            <a:extLst>
+              <a:ext uri="{28A0092B-C50C-407E-A947-70E740481C1C}">
+                <a14:useLocalDpi xmlns:a14="http://schemas.microsoft.com/office/drawing/2010/main" val="0"/>
+              </a:ext>
+            </a:extLst>
+          </a:blip>
+          <a:stretch>
+            <a:fillRect/>
+          </a:stretch>
+        </p:blipFill>
+        <p:spPr>
+          <a:xfrm>
+            <a:off x="6244664" y="28537537"/>
+            <a:ext cx="3481974" cy="3481974"/>
+          </a:xfrm>
+          <a:prstGeom prst="rect">
+            <a:avLst/>
+          </a:prstGeom>
+        </p:spPr>
+      </p:pic>
+      <p:sp>
+        <p:nvSpPr>
+          <p:cNvPr id="20" name="Freeform: Shape 19">
+            <a:extLst>
+              <a:ext uri="{FF2B5EF4-FFF2-40B4-BE49-F238E27FC236}">
+                <a16:creationId xmlns:a16="http://schemas.microsoft.com/office/drawing/2014/main" id="{8F014AEB-8434-DEF4-8A98-78FDC58D2678}"/>
+              </a:ext>
+            </a:extLst>
+          </p:cNvPr>
+          <p:cNvSpPr/>
+          <p:nvPr/>
+        </p:nvSpPr>
+        <p:spPr>
+          <a:xfrm>
+            <a:off x="4992341" y="29397968"/>
             <a:ext cx="1274655" cy="1251875"/>
           </a:xfrm>
           <a:custGeom>
@@ -3442,6 +4591,209 @@
       </p:sp>
       <p:sp>
         <p:nvSpPr>
+          <p:cNvPr id="44" name="Rectangle 43">
+            <a:extLst>
+              <a:ext uri="{FF2B5EF4-FFF2-40B4-BE49-F238E27FC236}">
+                <a16:creationId xmlns:a16="http://schemas.microsoft.com/office/drawing/2014/main" id="{A5955199-A9C1-A9D5-AEFF-7380D6EB791D}"/>
+              </a:ext>
+            </a:extLst>
+          </p:cNvPr>
+          <p:cNvSpPr/>
+          <p:nvPr/>
+        </p:nvSpPr>
+        <p:spPr>
+          <a:xfrm>
+            <a:off x="3775373" y="30838899"/>
+            <a:ext cx="5877879" cy="1938992"/>
+          </a:xfrm>
+          <a:prstGeom prst="rect">
+            <a:avLst/>
+          </a:prstGeom>
+        </p:spPr>
+        <p:txBody>
+          <a:bodyPr wrap="square">
+            <a:spAutoFit/>
+          </a:bodyPr>
+          <a:lstStyle/>
+          <a:p>
+            <a:r>
+              <a:rPr lang="en-AU" sz="6000" b="1" dirty="0">
+                <a:solidFill>
+                  <a:srgbClr val="002060"/>
+                </a:solidFill>
+                <a:latin typeface="Oxygen" panose="02000503000000000000" pitchFamily="2" charset="0"/>
+              </a:rPr>
+              <a:t>Follow </a:t>
+            </a:r>
+          </a:p>
+          <a:p>
+            <a:r>
+              <a:rPr lang="en-AU" sz="6000" b="1" dirty="0">
+                <a:solidFill>
+                  <a:srgbClr val="002060"/>
+                </a:solidFill>
+                <a:latin typeface="Oxygen" panose="02000503000000000000" pitchFamily="2" charset="0"/>
+              </a:rPr>
+              <a:t>for Discounts</a:t>
+            </a:r>
+          </a:p>
+        </p:txBody>
+      </p:sp>
+      <p:sp>
+        <p:nvSpPr>
+          <p:cNvPr id="6" name="TextBox 5">
+            <a:extLst>
+              <a:ext uri="{FF2B5EF4-FFF2-40B4-BE49-F238E27FC236}">
+                <a16:creationId xmlns:a16="http://schemas.microsoft.com/office/drawing/2014/main" id="{B905E1B0-4C47-2150-52A2-4A94407F3709}"/>
+              </a:ext>
+            </a:extLst>
+          </p:cNvPr>
+          <p:cNvSpPr txBox="1"/>
+          <p:nvPr/>
+        </p:nvSpPr>
+        <p:spPr>
+          <a:xfrm>
+            <a:off x="0" y="46087642"/>
+            <a:ext cx="25603742" cy="2123658"/>
+          </a:xfrm>
+          <a:prstGeom prst="rect">
+            <a:avLst/>
+          </a:prstGeom>
+          <a:noFill/>
+        </p:spPr>
+        <p:txBody>
+          <a:bodyPr wrap="square">
+            <a:spAutoFit/>
+          </a:bodyPr>
+          <a:lstStyle/>
+          <a:p>
+            <a:pPr algn="ctr"/>
+            <a:r>
+              <a:rPr lang="en-US" sz="4400" b="1" cap="small" dirty="0">
+                <a:latin typeface="Oxygen" panose="02000503000000000000" pitchFamily="2" charset="0"/>
+              </a:rPr>
+              <a:t>Finest Teachers, Study Materials, Mock Tests, Doubt Clearing, PTM, Counselling</a:t>
+            </a:r>
+          </a:p>
+          <a:p>
+            <a:pPr algn="ctr"/>
+            <a:r>
+              <a:rPr lang="en-US" sz="4400" b="1" cap="small" dirty="0">
+                <a:latin typeface="Oxygen" panose="02000503000000000000" pitchFamily="2" charset="0"/>
+              </a:rPr>
+              <a:t>400+ Courses, 20 Smart Classrooms, AC, CCTV</a:t>
+            </a:r>
+          </a:p>
+          <a:p>
+            <a:pPr algn="ctr"/>
+            <a:r>
+              <a:rPr lang="en-US" sz="4400" b="1" cap="small" dirty="0">
+                <a:latin typeface="Oxygen" panose="02000503000000000000" pitchFamily="2" charset="0"/>
+              </a:rPr>
+              <a:t>Professional Courses are Proj-Based, Certification Oriented &amp; Career Focused</a:t>
+            </a:r>
+            <a:endParaRPr lang="en-US" sz="4400" dirty="0"/>
+          </a:p>
+        </p:txBody>
+      </p:sp>
+    </p:spTree>
+    <p:extLst>
+      <p:ext uri="{BB962C8B-B14F-4D97-AF65-F5344CB8AC3E}">
+        <p14:creationId xmlns:p14="http://schemas.microsoft.com/office/powerpoint/2010/main" val="1163593327"/>
+      </p:ext>
+    </p:extLst>
+  </p:cSld>
+  <p:clrMapOvr>
+    <a:masterClrMapping/>
+  </p:clrMapOvr>
+</p:sld>
+</file>
+
+<file path=ppt/slides/slide2.xml><?xml version="1.0" encoding="utf-8"?>
+<p:sld xmlns:a="http://schemas.openxmlformats.org/drawingml/2006/main" xmlns:r="http://schemas.openxmlformats.org/officeDocument/2006/relationships" xmlns:p="http://schemas.openxmlformats.org/presentationml/2006/main">
+  <p:cSld>
+    <p:spTree>
+      <p:nvGrpSpPr>
+        <p:cNvPr id="1" name=""/>
+        <p:cNvGrpSpPr/>
+        <p:nvPr/>
+      </p:nvGrpSpPr>
+      <p:grpSpPr>
+        <a:xfrm>
+          <a:off x="0" y="0"/>
+          <a:ext cx="0" cy="0"/>
+          <a:chOff x="0" y="0"/>
+          <a:chExt cx="0" cy="0"/>
+        </a:xfrm>
+      </p:grpSpPr>
+      <p:pic>
+        <p:nvPicPr>
+          <p:cNvPr id="4" name="Picture 3">
+            <a:extLst>
+              <a:ext uri="{FF2B5EF4-FFF2-40B4-BE49-F238E27FC236}">
+                <a16:creationId xmlns:a16="http://schemas.microsoft.com/office/drawing/2014/main" id="{63E5B9F4-C828-452F-C751-5F9AF64C2AE9}"/>
+              </a:ext>
+            </a:extLst>
+          </p:cNvPr>
+          <p:cNvPicPr>
+            <a:picLocks noChangeAspect="1"/>
+          </p:cNvPicPr>
+          <p:nvPr/>
+        </p:nvPicPr>
+        <p:blipFill>
+          <a:blip r:embed="rId2"/>
+          <a:stretch>
+            <a:fillRect/>
+          </a:stretch>
+        </p:blipFill>
+        <p:spPr>
+          <a:xfrm>
+            <a:off x="6939" y="22989"/>
+            <a:ext cx="25603742" cy="24718388"/>
+          </a:xfrm>
+          <a:prstGeom prst="rect">
+            <a:avLst/>
+          </a:prstGeom>
+        </p:spPr>
+      </p:pic>
+      <p:pic>
+        <p:nvPicPr>
+          <p:cNvPr id="27" name="Picture 26">
+            <a:extLst>
+              <a:ext uri="{FF2B5EF4-FFF2-40B4-BE49-F238E27FC236}">
+                <a16:creationId xmlns:a16="http://schemas.microsoft.com/office/drawing/2014/main" id="{630F8093-DFCD-9C8F-163E-96E19BF8676A}"/>
+              </a:ext>
+            </a:extLst>
+          </p:cNvPr>
+          <p:cNvPicPr>
+            <a:picLocks noChangeAspect="1"/>
+          </p:cNvPicPr>
+          <p:nvPr/>
+        </p:nvPicPr>
+        <p:blipFill>
+          <a:blip r:embed="rId3">
+            <a:extLst>
+              <a:ext uri="{28A0092B-C50C-407E-A947-70E740481C1C}">
+                <a14:useLocalDpi xmlns:a14="http://schemas.microsoft.com/office/drawing/2010/main" val="0"/>
+              </a:ext>
+            </a:extLst>
+          </a:blip>
+          <a:stretch>
+            <a:fillRect/>
+          </a:stretch>
+        </p:blipFill>
+        <p:spPr>
+          <a:xfrm>
+            <a:off x="12590209" y="11264403"/>
+            <a:ext cx="13006052" cy="19304211"/>
+          </a:xfrm>
+          <a:prstGeom prst="rect">
+            <a:avLst/>
+          </a:prstGeom>
+        </p:spPr>
+      </p:pic>
+      <p:sp>
+        <p:nvSpPr>
           <p:cNvPr id="23" name="Rectangle 22">
             <a:extLst>
               <a:ext uri="{FF2B5EF4-FFF2-40B4-BE49-F238E27FC236}">
@@ -3659,10 +5011,135 @@
       </p:sp>
       <p:pic>
         <p:nvPicPr>
-          <p:cNvPr id="2" name="Picture 2" descr="Download Google Play Icon Royalty-Free Vector Graphic - Pixabay">
+          <p:cNvPr id="13" name="Picture 12">
             <a:extLst>
               <a:ext uri="{FF2B5EF4-FFF2-40B4-BE49-F238E27FC236}">
-                <a16:creationId xmlns:a16="http://schemas.microsoft.com/office/drawing/2014/main" id="{91DDA7FB-AAED-BFBB-67EE-9C06F7C59FD9}"/>
+                <a16:creationId xmlns:a16="http://schemas.microsoft.com/office/drawing/2014/main" id="{0B8D66B7-B7EF-A10E-ACF6-180961A64482}"/>
+              </a:ext>
+            </a:extLst>
+          </p:cNvPr>
+          <p:cNvPicPr>
+            <a:picLocks noChangeAspect="1"/>
+          </p:cNvPicPr>
+          <p:nvPr/>
+        </p:nvPicPr>
+        <p:blipFill>
+          <a:blip r:embed="rId6">
+            <a:extLst>
+              <a:ext uri="{28A0092B-C50C-407E-A947-70E740481C1C}">
+                <a14:useLocalDpi xmlns:a14="http://schemas.microsoft.com/office/drawing/2010/main" val="0"/>
+              </a:ext>
+            </a:extLst>
+          </a:blip>
+          <a:stretch>
+            <a:fillRect/>
+          </a:stretch>
+        </p:blipFill>
+        <p:spPr>
+          <a:xfrm>
+            <a:off x="3237713" y="557926"/>
+            <a:ext cx="19106561" cy="9280333"/>
+          </a:xfrm>
+          <a:prstGeom prst="rect">
+            <a:avLst/>
+          </a:prstGeom>
+        </p:spPr>
+      </p:pic>
+      <p:sp>
+        <p:nvSpPr>
+          <p:cNvPr id="39" name="TextBox 38">
+            <a:extLst>
+              <a:ext uri="{FF2B5EF4-FFF2-40B4-BE49-F238E27FC236}">
+                <a16:creationId xmlns:a16="http://schemas.microsoft.com/office/drawing/2014/main" id="{F71474C8-D56F-A009-1E43-209F024854AC}"/>
+              </a:ext>
+            </a:extLst>
+          </p:cNvPr>
+          <p:cNvSpPr txBox="1"/>
+          <p:nvPr/>
+        </p:nvSpPr>
+        <p:spPr>
+          <a:xfrm>
+            <a:off x="3298479" y="11257393"/>
+            <a:ext cx="19106561" cy="1938992"/>
+          </a:xfrm>
+          <a:prstGeom prst="rect">
+            <a:avLst/>
+          </a:prstGeom>
+          <a:noFill/>
+        </p:spPr>
+        <p:txBody>
+          <a:bodyPr wrap="square">
+            <a:spAutoFit/>
+          </a:bodyPr>
+          <a:lstStyle/>
+          <a:p>
+            <a:pPr algn="ctr"/>
+            <a:r>
+              <a:rPr lang="en-US" sz="6000" b="1" cap="small" dirty="0">
+                <a:ln w="6600">
+                  <a:solidFill>
+                    <a:srgbClr val="C00000"/>
+                  </a:solidFill>
+                  <a:prstDash val="solid"/>
+                </a:ln>
+                <a:solidFill>
+                  <a:srgbClr val="C00000"/>
+                </a:solidFill>
+                <a:effectLst>
+                  <a:glow>
+                    <a:srgbClr val="C00000">
+                      <a:alpha val="40000"/>
+                    </a:srgbClr>
+                  </a:glow>
+                  <a:outerShdw dist="38100" dir="5400000" sy="-20000" rotWithShape="0">
+                    <a:prstClr val="black">
+                      <a:alpha val="0"/>
+                    </a:prstClr>
+                  </a:outerShdw>
+                </a:effectLst>
+                <a:latin typeface="Oxygen" panose="02000503000000000000" pitchFamily="2" charset="0"/>
+              </a:rPr>
+              <a:t>N-1/25 Patuli, Kol 94</a:t>
+            </a:r>
+          </a:p>
+          <a:p>
+            <a:pPr algn="ctr"/>
+            <a:r>
+              <a:rPr lang="en-US" sz="6000" b="1" cap="small" dirty="0">
+                <a:ln w="6600">
+                  <a:solidFill>
+                    <a:srgbClr val="C00000"/>
+                  </a:solidFill>
+                  <a:prstDash val="solid"/>
+                </a:ln>
+                <a:solidFill>
+                  <a:srgbClr val="C00000"/>
+                </a:solidFill>
+                <a:effectLst>
+                  <a:glow>
+                    <a:srgbClr val="C00000">
+                      <a:alpha val="40000"/>
+                    </a:srgbClr>
+                  </a:glow>
+                  <a:outerShdw dist="38100" dir="5400000" sy="-20000" rotWithShape="0">
+                    <a:prstClr val="black">
+                      <a:alpha val="0"/>
+                    </a:prstClr>
+                  </a:outerShdw>
+                </a:effectLst>
+                <a:latin typeface="Oxygen" panose="02000503000000000000" pitchFamily="2" charset="0"/>
+              </a:rPr>
+              <a:t>Near Fire Brigade &amp; Krisi Vikas</a:t>
+            </a:r>
+          </a:p>
+        </p:txBody>
+      </p:sp>
+      <p:pic>
+        <p:nvPicPr>
+          <p:cNvPr id="40" name="Picture 14" descr="Whatsapp Icon PNGs for Free Download">
+            <a:extLst>
+              <a:ext uri="{FF2B5EF4-FFF2-40B4-BE49-F238E27FC236}">
+                <a16:creationId xmlns:a16="http://schemas.microsoft.com/office/drawing/2014/main" id="{4614A863-72B5-6D79-5611-3F749E580A6C}"/>
               </a:ext>
             </a:extLst>
           </p:cNvPr>
@@ -3672,7 +5149,7 @@
           <p:nvPr/>
         </p:nvPicPr>
         <p:blipFill>
-          <a:blip r:embed="rId6">
+          <a:blip r:embed="rId7" cstate="print">
             <a:extLst>
               <a:ext uri="{28A0092B-C50C-407E-A947-70E740481C1C}">
                 <a14:useLocalDpi xmlns:a14="http://schemas.microsoft.com/office/drawing/2010/main" val="0"/>
@@ -3686,8 +5163,8 @@
         </p:blipFill>
         <p:spPr bwMode="auto">
           <a:xfrm>
-            <a:off x="19636560" y="33889364"/>
-            <a:ext cx="1305272" cy="1463682"/>
+            <a:off x="16384424" y="13403278"/>
+            <a:ext cx="1046991" cy="1046991"/>
           </a:xfrm>
           <a:prstGeom prst="rect">
             <a:avLst/>
@@ -3706,25 +5183,24 @@
       </p:pic>
       <p:sp>
         <p:nvSpPr>
-          <p:cNvPr id="7" name="TextBox 6">
+          <p:cNvPr id="41" name="Rectangle 40">
             <a:extLst>
               <a:ext uri="{FF2B5EF4-FFF2-40B4-BE49-F238E27FC236}">
-                <a16:creationId xmlns:a16="http://schemas.microsoft.com/office/drawing/2014/main" id="{7A7304C7-8DD2-31C1-E2DC-A82AB62D6A2F}"/>
+                <a16:creationId xmlns:a16="http://schemas.microsoft.com/office/drawing/2014/main" id="{F9D8F186-43FC-19CD-B884-5AEC7E1E6390}"/>
               </a:ext>
             </a:extLst>
           </p:cNvPr>
-          <p:cNvSpPr txBox="1"/>
+          <p:cNvSpPr/>
           <p:nvPr/>
         </p:nvSpPr>
         <p:spPr>
           <a:xfrm>
-            <a:off x="154984" y="37082635"/>
-            <a:ext cx="25340815" cy="8193718"/>
+            <a:off x="8307461" y="12819926"/>
+            <a:ext cx="8984380" cy="1707262"/>
           </a:xfrm>
           <a:prstGeom prst="rect">
             <a:avLst/>
           </a:prstGeom>
-          <a:noFill/>
         </p:spPr>
         <p:txBody>
           <a:bodyPr wrap="square">
@@ -3738,265 +5214,21 @@
               </a:lnSpc>
             </a:pPr>
             <a:r>
-              <a:rPr lang="en-US" sz="7200" b="1" cap="small" dirty="0">
-                <a:solidFill>
-                  <a:srgbClr val="C00000"/>
-                </a:solidFill>
-                <a:latin typeface="Oxygen" panose="02000503000000000000" pitchFamily="2" charset="0"/>
-              </a:rPr>
-              <a:t>NEET, IIT-JEE, VIII-XII - All Subjects &amp; Boards</a:t>
-            </a:r>
-          </a:p>
-          <a:p>
-            <a:pPr algn="ctr">
-              <a:lnSpc>
-                <a:spcPct val="150000"/>
-              </a:lnSpc>
-            </a:pPr>
-            <a:r>
-              <a:rPr lang="en-US" sz="7200" b="1" cap="small" dirty="0">
-                <a:solidFill>
-                  <a:srgbClr val="C00000"/>
-                </a:solidFill>
-                <a:latin typeface="Oxygen" panose="02000503000000000000" pitchFamily="2" charset="0"/>
-              </a:rPr>
-              <a:t>Artificial Intelligence, IoT, Robotics, Coding</a:t>
-            </a:r>
-          </a:p>
-          <a:p>
-            <a:pPr algn="ctr">
-              <a:lnSpc>
-                <a:spcPct val="150000"/>
-              </a:lnSpc>
-            </a:pPr>
-            <a:r>
-              <a:rPr lang="en-US" sz="7200" b="1" cap="small" dirty="0">
-                <a:solidFill>
-                  <a:srgbClr val="C00000"/>
-                </a:solidFill>
-                <a:latin typeface="Oxygen" panose="02000503000000000000" pitchFamily="2" charset="0"/>
-              </a:rPr>
-              <a:t>IT – Full-Stack Training &amp; Projects</a:t>
-            </a:r>
-          </a:p>
-          <a:p>
-            <a:pPr algn="ctr">
-              <a:lnSpc>
-                <a:spcPct val="150000"/>
-              </a:lnSpc>
-            </a:pPr>
-            <a:r>
-              <a:rPr lang="en-US" sz="7200" b="1" cap="small" dirty="0">
-                <a:solidFill>
-                  <a:srgbClr val="C00000"/>
-                </a:solidFill>
-                <a:latin typeface="Oxygen" panose="02000503000000000000" pitchFamily="2" charset="0"/>
-              </a:rPr>
-              <a:t>BCom, BBA, CA, CMA, CS, CFA, CLAT, LLB, LLM</a:t>
-            </a:r>
-          </a:p>
-          <a:p>
-            <a:pPr algn="ctr">
-              <a:lnSpc>
-                <a:spcPct val="150000"/>
-              </a:lnSpc>
-            </a:pPr>
-            <a:r>
-              <a:rPr lang="en-US" sz="7200" b="1" cap="small" dirty="0">
-                <a:solidFill>
-                  <a:srgbClr val="C00000"/>
-                </a:solidFill>
-                <a:latin typeface="Oxygen" panose="02000503000000000000" pitchFamily="2" charset="0"/>
-              </a:rPr>
-              <a:t>Grooming, Spoken Eng, Ielts, Toefl, Gre, French, German</a:t>
-            </a:r>
-            <a:endParaRPr lang="en-US" sz="8800" b="1" cap="small" dirty="0">
-              <a:solidFill>
-                <a:srgbClr val="C00000"/>
-              </a:solidFill>
-              <a:latin typeface="Oxygen" panose="02000503000000000000" pitchFamily="2" charset="0"/>
-            </a:endParaRPr>
-          </a:p>
-        </p:txBody>
-      </p:sp>
-      <p:pic>
-        <p:nvPicPr>
-          <p:cNvPr id="17" name="Picture 16">
-            <a:extLst>
-              <a:ext uri="{FF2B5EF4-FFF2-40B4-BE49-F238E27FC236}">
-                <a16:creationId xmlns:a16="http://schemas.microsoft.com/office/drawing/2014/main" id="{2A88CD58-A345-2D82-B535-B54DF3C15F5C}"/>
-              </a:ext>
-            </a:extLst>
-          </p:cNvPr>
-          <p:cNvPicPr>
-            <a:picLocks noChangeAspect="1"/>
-          </p:cNvPicPr>
-          <p:nvPr/>
-        </p:nvPicPr>
-        <p:blipFill>
-          <a:blip r:embed="rId7">
-            <a:extLst>
-              <a:ext uri="{28A0092B-C50C-407E-A947-70E740481C1C}">
-                <a14:useLocalDpi xmlns:a14="http://schemas.microsoft.com/office/drawing/2010/main" val="0"/>
-              </a:ext>
-            </a:extLst>
-          </a:blip>
-          <a:stretch>
-            <a:fillRect/>
-          </a:stretch>
-        </p:blipFill>
-        <p:spPr>
-          <a:xfrm rot="21440353">
-            <a:off x="3803132" y="16213030"/>
-            <a:ext cx="2333308" cy="2205837"/>
-          </a:xfrm>
-          <a:prstGeom prst="rect">
-            <a:avLst/>
-          </a:prstGeom>
-        </p:spPr>
-      </p:pic>
-      <p:pic>
-        <p:nvPicPr>
-          <p:cNvPr id="13" name="Picture 12">
-            <a:extLst>
-              <a:ext uri="{FF2B5EF4-FFF2-40B4-BE49-F238E27FC236}">
-                <a16:creationId xmlns:a16="http://schemas.microsoft.com/office/drawing/2014/main" id="{0B8D66B7-B7EF-A10E-ACF6-180961A64482}"/>
-              </a:ext>
-            </a:extLst>
-          </p:cNvPr>
-          <p:cNvPicPr>
-            <a:picLocks noChangeAspect="1"/>
-          </p:cNvPicPr>
-          <p:nvPr/>
-        </p:nvPicPr>
-        <p:blipFill>
-          <a:blip r:embed="rId8">
-            <a:extLst>
-              <a:ext uri="{28A0092B-C50C-407E-A947-70E740481C1C}">
-                <a14:useLocalDpi xmlns:a14="http://schemas.microsoft.com/office/drawing/2010/main" val="0"/>
-              </a:ext>
-            </a:extLst>
-          </a:blip>
-          <a:stretch>
-            <a:fillRect/>
-          </a:stretch>
-        </p:blipFill>
-        <p:spPr>
-          <a:xfrm>
-            <a:off x="613613" y="1022890"/>
-            <a:ext cx="11863671" cy="5762356"/>
-          </a:xfrm>
-          <a:prstGeom prst="rect">
-            <a:avLst/>
-          </a:prstGeom>
-        </p:spPr>
-      </p:pic>
-      <p:pic>
-        <p:nvPicPr>
-          <p:cNvPr id="29" name="Picture 28">
-            <a:extLst>
-              <a:ext uri="{FF2B5EF4-FFF2-40B4-BE49-F238E27FC236}">
-                <a16:creationId xmlns:a16="http://schemas.microsoft.com/office/drawing/2014/main" id="{A622DD28-862B-63BF-DF65-1EC2D878807E}"/>
-              </a:ext>
-            </a:extLst>
-          </p:cNvPr>
-          <p:cNvPicPr>
-            <a:picLocks noChangeAspect="1"/>
-          </p:cNvPicPr>
-          <p:nvPr/>
-        </p:nvPicPr>
-        <p:blipFill>
-          <a:blip r:embed="rId9"/>
-          <a:stretch>
-            <a:fillRect/>
-          </a:stretch>
-        </p:blipFill>
-        <p:spPr>
-          <a:xfrm>
-            <a:off x="5665" y="23300705"/>
-            <a:ext cx="6368596" cy="1532659"/>
-          </a:xfrm>
-          <a:prstGeom prst="rect">
-            <a:avLst/>
-          </a:prstGeom>
-        </p:spPr>
-      </p:pic>
-      <p:pic>
-        <p:nvPicPr>
-          <p:cNvPr id="31" name="Picture 30">
-            <a:extLst>
-              <a:ext uri="{FF2B5EF4-FFF2-40B4-BE49-F238E27FC236}">
-                <a16:creationId xmlns:a16="http://schemas.microsoft.com/office/drawing/2014/main" id="{E43E14B3-49BF-2BFE-5BE3-B58E9F8EDE18}"/>
-              </a:ext>
-            </a:extLst>
-          </p:cNvPr>
-          <p:cNvPicPr>
-            <a:picLocks noChangeAspect="1"/>
-          </p:cNvPicPr>
-          <p:nvPr/>
-        </p:nvPicPr>
-        <p:blipFill>
-          <a:blip r:embed="rId10"/>
-          <a:stretch>
-            <a:fillRect/>
-          </a:stretch>
-        </p:blipFill>
-        <p:spPr>
-          <a:xfrm>
-            <a:off x="329635" y="25635437"/>
-            <a:ext cx="9871142" cy="1532660"/>
-          </a:xfrm>
-          <a:prstGeom prst="rect">
-            <a:avLst/>
-          </a:prstGeom>
-        </p:spPr>
-      </p:pic>
-      <p:sp>
-        <p:nvSpPr>
-          <p:cNvPr id="37" name="TextBox 36">
-            <a:extLst>
-              <a:ext uri="{FF2B5EF4-FFF2-40B4-BE49-F238E27FC236}">
-                <a16:creationId xmlns:a16="http://schemas.microsoft.com/office/drawing/2014/main" id="{D8F4ED22-01EC-7429-671A-220A0C689694}"/>
-              </a:ext>
-            </a:extLst>
-          </p:cNvPr>
-          <p:cNvSpPr txBox="1"/>
-          <p:nvPr/>
-        </p:nvSpPr>
-        <p:spPr>
-          <a:xfrm>
-            <a:off x="271389" y="7202823"/>
-            <a:ext cx="12530211" cy="1785104"/>
-          </a:xfrm>
-          <a:prstGeom prst="rect">
-            <a:avLst/>
-          </a:prstGeom>
-          <a:noFill/>
-        </p:spPr>
-        <p:txBody>
-          <a:bodyPr wrap="square" rtlCol="0">
-            <a:spAutoFit/>
-          </a:bodyPr>
-          <a:lstStyle/>
-          <a:p>
-            <a:pPr algn="ctr"/>
-            <a:r>
-              <a:rPr lang="en-US" sz="11000" b="1" cap="small" dirty="0">
+              <a:rPr lang="en-US" sz="8000" b="1" cap="small" dirty="0">
                 <a:ln w="6600">
                   <a:solidFill>
-                    <a:srgbClr val="00FF00"/>
+                    <a:srgbClr val="C00000"/>
                   </a:solidFill>
                   <a:prstDash val="solid"/>
                 </a:ln>
                 <a:solidFill>
-                  <a:schemeClr val="bg1"/>
+                  <a:srgbClr val="C00000"/>
                 </a:solidFill>
                 <a:effectLst>
-                  <a:glow rad="139700">
-                    <a:schemeClr val="accent6">
-                      <a:satMod val="175000"/>
+                  <a:glow rad="63500">
+                    <a:srgbClr val="C00000">
                       <a:alpha val="40000"/>
-                    </a:schemeClr>
+                    </a:srgbClr>
                   </a:glow>
                   <a:outerShdw dist="38100" dir="5400000" sy="-20000" rotWithShape="0">
                     <a:prstClr val="black">
@@ -4006,24 +5238,23 @@
                 </a:effectLst>
                 <a:latin typeface="Oxygen" panose="02000503000000000000" pitchFamily="2" charset="0"/>
               </a:rPr>
-              <a:t>Coaching Classes</a:t>
-            </a:r>
-            <a:endParaRPr lang="en-AU" sz="11000" b="1" cap="small" dirty="0">
+              <a:t>9073 700094</a:t>
+            </a:r>
+            <a:endParaRPr lang="en-AU" sz="8000" b="1" cap="small" dirty="0">
               <a:ln w="6600">
                 <a:solidFill>
-                  <a:srgbClr val="00FF00"/>
+                  <a:srgbClr val="C00000"/>
                 </a:solidFill>
                 <a:prstDash val="solid"/>
               </a:ln>
               <a:solidFill>
-                <a:schemeClr val="bg1"/>
+                <a:srgbClr val="C00000"/>
               </a:solidFill>
               <a:effectLst>
-                <a:glow rad="139700">
-                  <a:schemeClr val="accent6">
-                    <a:satMod val="175000"/>
+                <a:glow rad="63500">
+                  <a:srgbClr val="C00000">
                     <a:alpha val="40000"/>
-                  </a:schemeClr>
+                  </a:srgbClr>
                 </a:glow>
                 <a:outerShdw dist="38100" dir="5400000" sy="-20000" rotWithShape="0">
                   <a:prstClr val="black">
@@ -4036,94 +5267,12 @@
           </a:p>
         </p:txBody>
       </p:sp>
-      <p:sp>
-        <p:nvSpPr>
-          <p:cNvPr id="39" name="TextBox 38">
-            <a:extLst>
-              <a:ext uri="{FF2B5EF4-FFF2-40B4-BE49-F238E27FC236}">
-                <a16:creationId xmlns:a16="http://schemas.microsoft.com/office/drawing/2014/main" id="{F71474C8-D56F-A009-1E43-209F024854AC}"/>
-              </a:ext>
-            </a:extLst>
-          </p:cNvPr>
-          <p:cNvSpPr txBox="1"/>
-          <p:nvPr/>
-        </p:nvSpPr>
-        <p:spPr>
-          <a:xfrm>
-            <a:off x="1488773" y="8982085"/>
-            <a:ext cx="10095442" cy="2308324"/>
-          </a:xfrm>
-          <a:prstGeom prst="rect">
-            <a:avLst/>
-          </a:prstGeom>
-          <a:noFill/>
-        </p:spPr>
-        <p:txBody>
-          <a:bodyPr wrap="square">
-            <a:spAutoFit/>
-          </a:bodyPr>
-          <a:lstStyle/>
-          <a:p>
-            <a:pPr algn="ctr"/>
-            <a:r>
-              <a:rPr lang="en-US" sz="4800" b="1" dirty="0">
-                <a:solidFill>
-                  <a:srgbClr val="002060"/>
-                </a:solidFill>
-                <a:latin typeface="Oxygen" panose="02000503000000000000" pitchFamily="2" charset="0"/>
-              </a:rPr>
-              <a:t>N-1/25</a:t>
-            </a:r>
-            <a:r>
-              <a:rPr lang="en-US" sz="5400" b="1" dirty="0">
-                <a:solidFill>
-                  <a:srgbClr val="002060"/>
-                </a:solidFill>
-                <a:latin typeface="Oxygen" panose="02000503000000000000" pitchFamily="2" charset="0"/>
-              </a:rPr>
-              <a:t> </a:t>
-            </a:r>
-            <a:r>
-              <a:rPr lang="en-US" sz="9600" b="1" dirty="0">
-                <a:solidFill>
-                  <a:srgbClr val="002060"/>
-                </a:solidFill>
-                <a:latin typeface="Oxygen" panose="02000503000000000000" pitchFamily="2" charset="0"/>
-              </a:rPr>
-              <a:t>Patuli</a:t>
-            </a:r>
-            <a:r>
-              <a:rPr lang="en-US" sz="4800" b="1" dirty="0">
-                <a:solidFill>
-                  <a:srgbClr val="002060"/>
-                </a:solidFill>
-                <a:latin typeface="Oxygen" panose="02000503000000000000" pitchFamily="2" charset="0"/>
-              </a:rPr>
-              <a:t>, Kol 94</a:t>
-            </a:r>
-          </a:p>
-          <a:p>
-            <a:pPr algn="ctr"/>
-            <a:r>
-              <a:rPr lang="en-US" sz="4800" b="1" dirty="0">
-                <a:solidFill>
-                  <a:schemeClr val="accent1">
-                    <a:lumMod val="50000"/>
-                  </a:schemeClr>
-                </a:solidFill>
-                <a:latin typeface="Oxygen" panose="02000503000000000000" pitchFamily="2" charset="0"/>
-              </a:rPr>
-              <a:t>Near Fire Brigade &amp; Krishi Vikas</a:t>
-            </a:r>
-          </a:p>
-        </p:txBody>
-      </p:sp>
       <p:pic>
         <p:nvPicPr>
-          <p:cNvPr id="40" name="Picture 14" descr="Whatsapp Icon PNGs for Free Download">
+          <p:cNvPr id="42" name="Picture 18" descr="Page 2 | Phone Icon Png Images - Free Download on Freepik">
             <a:extLst>
               <a:ext uri="{FF2B5EF4-FFF2-40B4-BE49-F238E27FC236}">
-                <a16:creationId xmlns:a16="http://schemas.microsoft.com/office/drawing/2014/main" id="{4614A863-72B5-6D79-5611-3F749E580A6C}"/>
+                <a16:creationId xmlns:a16="http://schemas.microsoft.com/office/drawing/2014/main" id="{0AE7602C-AB89-8DF9-830B-C813846C2C66}"/>
               </a:ext>
             </a:extLst>
           </p:cNvPr>
@@ -4133,7 +5282,7 @@
           <p:nvPr/>
         </p:nvPicPr>
         <p:blipFill>
-          <a:blip r:embed="rId11" cstate="print">
+          <a:blip r:embed="rId8" cstate="print">
             <a:extLst>
               <a:ext uri="{28A0092B-C50C-407E-A947-70E740481C1C}">
                 <a14:useLocalDpi xmlns:a14="http://schemas.microsoft.com/office/drawing/2010/main" val="0"/>
@@ -4147,8 +5296,8 @@
         </p:blipFill>
         <p:spPr bwMode="auto">
           <a:xfrm>
-            <a:off x="10785865" y="11640760"/>
-            <a:ext cx="1532900" cy="1532900"/>
+            <a:off x="8406248" y="13377132"/>
+            <a:ext cx="964851" cy="964851"/>
           </a:xfrm>
           <a:prstGeom prst="rect">
             <a:avLst/>
@@ -4167,157 +5316,116 @@
       </p:pic>
       <p:sp>
         <p:nvSpPr>
-          <p:cNvPr id="41" name="Rectangle 40">
+          <p:cNvPr id="49" name="TextBox 48">
             <a:extLst>
               <a:ext uri="{FF2B5EF4-FFF2-40B4-BE49-F238E27FC236}">
-                <a16:creationId xmlns:a16="http://schemas.microsoft.com/office/drawing/2014/main" id="{F9D8F186-43FC-19CD-B884-5AEC7E1E6390}"/>
+                <a16:creationId xmlns:a16="http://schemas.microsoft.com/office/drawing/2014/main" id="{A78A26A3-6E03-D16E-D6B2-4CE07FC77059}"/>
               </a:ext>
             </a:extLst>
           </p:cNvPr>
-          <p:cNvSpPr/>
+          <p:cNvSpPr txBox="1"/>
           <p:nvPr/>
         </p:nvSpPr>
         <p:spPr>
           <a:xfrm>
-            <a:off x="2409463" y="11098330"/>
-            <a:ext cx="8376402" cy="2030236"/>
-          </a:xfrm>
-          <a:prstGeom prst="rect">
-            <a:avLst/>
-          </a:prstGeom>
-        </p:spPr>
-        <p:txBody>
-          <a:bodyPr wrap="square">
-            <a:spAutoFit/>
-          </a:bodyPr>
-          <a:lstStyle/>
-          <a:p>
-            <a:pPr algn="ctr">
-              <a:lnSpc>
-                <a:spcPct val="150000"/>
-              </a:lnSpc>
-            </a:pPr>
-            <a:r>
-              <a:rPr lang="en-US" sz="9600" b="1" dirty="0">
-                <a:solidFill>
-                  <a:schemeClr val="bg1"/>
-                </a:solidFill>
-                <a:latin typeface="Oxygen" panose="02000503000000000000" pitchFamily="2" charset="0"/>
-              </a:rPr>
-              <a:t>9073 700094</a:t>
-            </a:r>
-            <a:endParaRPr lang="en-AU" sz="9600" b="1" dirty="0">
-              <a:solidFill>
-                <a:schemeClr val="bg1"/>
-              </a:solidFill>
-              <a:latin typeface="Oxygen" panose="02000503000000000000" pitchFamily="2" charset="0"/>
-            </a:endParaRPr>
-          </a:p>
-        </p:txBody>
-      </p:sp>
-      <p:pic>
-        <p:nvPicPr>
-          <p:cNvPr id="42" name="Picture 18" descr="Page 2 | Phone Icon Png Images - Free Download on Freepik">
-            <a:extLst>
-              <a:ext uri="{FF2B5EF4-FFF2-40B4-BE49-F238E27FC236}">
-                <a16:creationId xmlns:a16="http://schemas.microsoft.com/office/drawing/2014/main" id="{0AE7602C-AB89-8DF9-830B-C813846C2C66}"/>
-              </a:ext>
-            </a:extLst>
-          </p:cNvPr>
-          <p:cNvPicPr>
-            <a:picLocks noChangeAspect="1" noChangeArrowheads="1"/>
-          </p:cNvPicPr>
-          <p:nvPr/>
-        </p:nvPicPr>
-        <p:blipFill>
-          <a:blip r:embed="rId12" cstate="print">
-            <a:extLst>
-              <a:ext uri="{28A0092B-C50C-407E-A947-70E740481C1C}">
-                <a14:useLocalDpi xmlns:a14="http://schemas.microsoft.com/office/drawing/2010/main" val="0"/>
-              </a:ext>
-            </a:extLst>
-          </a:blip>
-          <a:srcRect/>
-          <a:stretch>
-            <a:fillRect/>
-          </a:stretch>
-        </p:blipFill>
-        <p:spPr bwMode="auto">
-          <a:xfrm>
-            <a:off x="996824" y="11590669"/>
-            <a:ext cx="1412639" cy="1412639"/>
+            <a:off x="0" y="46793497"/>
+            <a:ext cx="25603742" cy="1446550"/>
           </a:xfrm>
           <a:prstGeom prst="rect">
             <a:avLst/>
           </a:prstGeom>
           <a:noFill/>
-          <a:extLst>
-            <a:ext uri="{909E8E84-426E-40DD-AFC4-6F175D3DCCD1}">
-              <a14:hiddenFill xmlns:a14="http://schemas.microsoft.com/office/drawing/2010/main">
-                <a:solidFill>
-                  <a:srgbClr val="FFFFFF"/>
-                </a:solidFill>
-              </a14:hiddenFill>
-            </a:ext>
-          </a:extLst>
-        </p:spPr>
-      </p:pic>
-      <p:sp>
-        <p:nvSpPr>
-          <p:cNvPr id="44" name="Rectangle 43">
+        </p:spPr>
+        <p:txBody>
+          <a:bodyPr wrap="square">
+            <a:spAutoFit/>
+          </a:bodyPr>
+          <a:lstStyle/>
+          <a:p>
+            <a:pPr algn="ctr"/>
+            <a:r>
+              <a:rPr lang="en-US" sz="4400" b="1" cap="small" dirty="0">
+                <a:latin typeface="Oxygen" panose="02000503000000000000" pitchFamily="2" charset="0"/>
+              </a:rPr>
+              <a:t>Globally experienced faculty from prestigious organizations, fun &amp; easy learning</a:t>
+            </a:r>
+          </a:p>
+          <a:p>
+            <a:pPr algn="ctr"/>
+            <a:r>
+              <a:rPr lang="en-US" sz="4400" b="1" cap="small" dirty="0">
+                <a:latin typeface="Oxygen" panose="02000503000000000000" pitchFamily="2" charset="0"/>
+              </a:rPr>
+              <a:t>Project based, Career Focused, Certification Help, Smart Classrooms, AC, CCTV</a:t>
+            </a:r>
+          </a:p>
+        </p:txBody>
+      </p:sp>
+      <p:sp>
+        <p:nvSpPr>
+          <p:cNvPr id="3" name="TextBox 2">
             <a:extLst>
               <a:ext uri="{FF2B5EF4-FFF2-40B4-BE49-F238E27FC236}">
-                <a16:creationId xmlns:a16="http://schemas.microsoft.com/office/drawing/2014/main" id="{A5955199-A9C1-A9D5-AEFF-7380D6EB791D}"/>
+                <a16:creationId xmlns:a16="http://schemas.microsoft.com/office/drawing/2014/main" id="{C8E5D79E-9D08-2548-4F0B-DDA06A2DBD1F}"/>
               </a:ext>
             </a:extLst>
           </p:cNvPr>
-          <p:cNvSpPr/>
+          <p:cNvSpPr txBox="1"/>
           <p:nvPr/>
         </p:nvSpPr>
         <p:spPr>
           <a:xfrm>
-            <a:off x="12193302" y="34389483"/>
-            <a:ext cx="8298149" cy="1938992"/>
+            <a:off x="2827244" y="9960129"/>
+            <a:ext cx="19577796" cy="1323439"/>
           </a:xfrm>
           <a:prstGeom prst="rect">
             <a:avLst/>
           </a:prstGeom>
-        </p:spPr>
-        <p:txBody>
-          <a:bodyPr wrap="square">
+          <a:noFill/>
+        </p:spPr>
+        <p:txBody>
+          <a:bodyPr wrap="square" rtlCol="0">
             <a:spAutoFit/>
           </a:bodyPr>
           <a:lstStyle/>
           <a:p>
-            <a:r>
-              <a:rPr lang="en-AU" sz="6000" b="1" dirty="0">
+            <a:pPr algn="ctr"/>
+            <a:r>
+              <a:rPr lang="en-US" sz="8000" b="1" cap="small" dirty="0">
+                <a:ln w="6600">
+                  <a:solidFill>
+                    <a:srgbClr val="C00000"/>
+                  </a:solidFill>
+                  <a:prstDash val="solid"/>
+                </a:ln>
                 <a:solidFill>
-                  <a:srgbClr val="002060"/>
+                  <a:srgbClr val="C00000"/>
                 </a:solidFill>
+                <a:effectLst>
+                  <a:glow rad="63500">
+                    <a:srgbClr val="C00000">
+                      <a:alpha val="40000"/>
+                    </a:srgbClr>
+                  </a:glow>
+                  <a:outerShdw dist="38100" dir="5400000" sy="-20000" rotWithShape="0">
+                    <a:prstClr val="black">
+                      <a:alpha val="0"/>
+                    </a:prstClr>
+                  </a:outerShdw>
+                </a:effectLst>
                 <a:latin typeface="Oxygen" panose="02000503000000000000" pitchFamily="2" charset="0"/>
               </a:rPr>
-              <a:t>Follow </a:t>
-            </a:r>
-          </a:p>
-          <a:p>
-            <a:r>
-              <a:rPr lang="en-AU" sz="6000" b="1" dirty="0">
-                <a:solidFill>
-                  <a:srgbClr val="002060"/>
-                </a:solidFill>
-                <a:latin typeface="Oxygen" panose="02000503000000000000" pitchFamily="2" charset="0"/>
-              </a:rPr>
-              <a:t>for Discounts</a:t>
+              <a:t>Artificial Intelligence</a:t>
             </a:r>
           </a:p>
         </p:txBody>
       </p:sp>
       <p:pic>
         <p:nvPicPr>
-          <p:cNvPr id="45" name="Picture 44">
+          <p:cNvPr id="10" name="Picture 9">
             <a:extLst>
               <a:ext uri="{FF2B5EF4-FFF2-40B4-BE49-F238E27FC236}">
-                <a16:creationId xmlns:a16="http://schemas.microsoft.com/office/drawing/2014/main" id="{E9BF914C-767B-4A9B-B892-9FE9D722EEE7}"/>
+                <a16:creationId xmlns:a16="http://schemas.microsoft.com/office/drawing/2014/main" id="{27AEA0E6-AFA8-3AF8-6E68-4C7CD1F8BB73}"/>
               </a:ext>
             </a:extLst>
           </p:cNvPr>
@@ -4327,8 +5435,17 @@
           <p:nvPr/>
         </p:nvPicPr>
         <p:blipFill>
-          <a:blip r:embed="rId7">
-            <a:extLst>
+          <a:blip r:embed="rId9">
+            <a:extLst>
+              <a:ext uri="{BEBA8EAE-BF5A-486C-A8C5-ECC9F3942E4B}">
+                <a14:imgProps xmlns:a14="http://schemas.microsoft.com/office/drawing/2010/main">
+                  <a14:imgLayer r:embed="rId10">
+                    <a14:imgEffect>
+                      <a14:brightnessContrast bright="20000" contrast="16000"/>
+                    </a14:imgEffect>
+                  </a14:imgLayer>
+                </a14:imgProps>
+              </a:ext>
               <a:ext uri="{28A0092B-C50C-407E-A947-70E740481C1C}">
                 <a14:useLocalDpi xmlns:a14="http://schemas.microsoft.com/office/drawing/2010/main" val="0"/>
               </a:ext>
@@ -4340,8 +5457,8 @@
         </p:blipFill>
         <p:spPr>
           <a:xfrm>
-            <a:off x="19607880" y="32411904"/>
-            <a:ext cx="1305272" cy="1233962"/>
+            <a:off x="-660912" y="10115331"/>
+            <a:ext cx="15662123" cy="20834598"/>
           </a:xfrm>
           <a:prstGeom prst="rect">
             <a:avLst/>
@@ -4350,10 +5467,128 @@
       </p:pic>
       <p:pic>
         <p:nvPicPr>
-          <p:cNvPr id="47" name="Picture 46">
+          <p:cNvPr id="17" name="Picture 16">
             <a:extLst>
               <a:ext uri="{FF2B5EF4-FFF2-40B4-BE49-F238E27FC236}">
-                <a16:creationId xmlns:a16="http://schemas.microsoft.com/office/drawing/2014/main" id="{D7D981AE-9BFA-FFAC-76C9-3617EFBC8B04}"/>
+                <a16:creationId xmlns:a16="http://schemas.microsoft.com/office/drawing/2014/main" id="{2A88CD58-A345-2D82-B535-B54DF3C15F5C}"/>
+              </a:ext>
+            </a:extLst>
+          </p:cNvPr>
+          <p:cNvPicPr>
+            <a:picLocks noChangeAspect="1"/>
+          </p:cNvPicPr>
+          <p:nvPr/>
+        </p:nvPicPr>
+        <p:blipFill>
+          <a:blip r:embed="rId11">
+            <a:extLst>
+              <a:ext uri="{28A0092B-C50C-407E-A947-70E740481C1C}">
+                <a14:useLocalDpi xmlns:a14="http://schemas.microsoft.com/office/drawing/2010/main" val="0"/>
+              </a:ext>
+            </a:extLst>
+          </a:blip>
+          <a:stretch>
+            <a:fillRect/>
+          </a:stretch>
+        </p:blipFill>
+        <p:spPr>
+          <a:xfrm rot="21440353">
+            <a:off x="14521841" y="20220469"/>
+            <a:ext cx="1197356" cy="1131942"/>
+          </a:xfrm>
+          <a:prstGeom prst="rect">
+            <a:avLst/>
+          </a:prstGeom>
+        </p:spPr>
+      </p:pic>
+      <p:sp>
+        <p:nvSpPr>
+          <p:cNvPr id="11" name="Rectangle 10">
+            <a:extLst>
+              <a:ext uri="{FF2B5EF4-FFF2-40B4-BE49-F238E27FC236}">
+                <a16:creationId xmlns:a16="http://schemas.microsoft.com/office/drawing/2014/main" id="{119463C9-234E-E885-5699-32205E3F5A37}"/>
+              </a:ext>
+            </a:extLst>
+          </p:cNvPr>
+          <p:cNvSpPr/>
+          <p:nvPr/>
+        </p:nvSpPr>
+        <p:spPr>
+          <a:xfrm>
+            <a:off x="-53900" y="24120551"/>
+            <a:ext cx="15392540" cy="9835339"/>
+          </a:xfrm>
+          <a:prstGeom prst="rect">
+            <a:avLst/>
+          </a:prstGeom>
+          <a:solidFill>
+            <a:schemeClr val="bg1"/>
+          </a:solidFill>
+          <a:ln>
+            <a:noFill/>
+          </a:ln>
+        </p:spPr>
+        <p:style>
+          <a:lnRef idx="2">
+            <a:schemeClr val="accent1">
+              <a:shade val="15000"/>
+            </a:schemeClr>
+          </a:lnRef>
+          <a:fillRef idx="1">
+            <a:schemeClr val="accent1"/>
+          </a:fillRef>
+          <a:effectRef idx="0">
+            <a:schemeClr val="accent1"/>
+          </a:effectRef>
+          <a:fontRef idx="minor">
+            <a:schemeClr val="lt1"/>
+          </a:fontRef>
+        </p:style>
+        <p:txBody>
+          <a:bodyPr rtlCol="0" anchor="ctr"/>
+          <a:lstStyle/>
+          <a:p>
+            <a:pPr algn="ctr"/>
+            <a:endParaRPr lang="en-US"/>
+          </a:p>
+        </p:txBody>
+      </p:sp>
+      <p:pic>
+        <p:nvPicPr>
+          <p:cNvPr id="31" name="Picture 30">
+            <a:extLst>
+              <a:ext uri="{FF2B5EF4-FFF2-40B4-BE49-F238E27FC236}">
+                <a16:creationId xmlns:a16="http://schemas.microsoft.com/office/drawing/2014/main" id="{E43E14B3-49BF-2BFE-5BE3-B58E9F8EDE18}"/>
+              </a:ext>
+            </a:extLst>
+          </p:cNvPr>
+          <p:cNvPicPr>
+            <a:picLocks noChangeAspect="1"/>
+          </p:cNvPicPr>
+          <p:nvPr/>
+        </p:nvPicPr>
+        <p:blipFill>
+          <a:blip r:embed="rId12"/>
+          <a:stretch>
+            <a:fillRect/>
+          </a:stretch>
+        </p:blipFill>
+        <p:spPr>
+          <a:xfrm>
+            <a:off x="69795" y="24335512"/>
+            <a:ext cx="12820572" cy="1990608"/>
+          </a:xfrm>
+          <a:prstGeom prst="rect">
+            <a:avLst/>
+          </a:prstGeom>
+        </p:spPr>
+      </p:pic>
+      <p:pic>
+        <p:nvPicPr>
+          <p:cNvPr id="26" name="Picture 25">
+            <a:extLst>
+              <a:ext uri="{FF2B5EF4-FFF2-40B4-BE49-F238E27FC236}">
+                <a16:creationId xmlns:a16="http://schemas.microsoft.com/office/drawing/2014/main" id="{40B5BD0E-27AF-1848-9DB4-89CEFD0A700E}"/>
               </a:ext>
             </a:extLst>
           </p:cNvPr>
@@ -4376,20 +5611,86 @@
         </p:blipFill>
         <p:spPr>
           <a:xfrm>
-            <a:off x="21154329" y="32088121"/>
-            <a:ext cx="3481975" cy="3481975"/>
+            <a:off x="8387450" y="18081667"/>
+            <a:ext cx="7744546" cy="5811765"/>
           </a:xfrm>
           <a:prstGeom prst="rect">
             <a:avLst/>
           </a:prstGeom>
         </p:spPr>
       </p:pic>
-      <p:sp>
-        <p:nvSpPr>
-          <p:cNvPr id="21" name="32-Point Star 20">
+      <p:pic>
+        <p:nvPicPr>
+          <p:cNvPr id="28" name="Picture 27">
             <a:extLst>
               <a:ext uri="{FF2B5EF4-FFF2-40B4-BE49-F238E27FC236}">
-                <a16:creationId xmlns:a16="http://schemas.microsoft.com/office/drawing/2014/main" id="{7CB66069-D8E9-F2C7-9AD3-5AA7D196038D}"/>
+                <a16:creationId xmlns:a16="http://schemas.microsoft.com/office/drawing/2014/main" id="{BB4E11D7-E18B-A672-A882-F19BAC3646FD}"/>
+              </a:ext>
+            </a:extLst>
+          </p:cNvPr>
+          <p:cNvPicPr>
+            <a:picLocks noChangeAspect="1"/>
+          </p:cNvPicPr>
+          <p:nvPr/>
+        </p:nvPicPr>
+        <p:blipFill>
+          <a:blip r:embed="rId13">
+            <a:extLst>
+              <a:ext uri="{28A0092B-C50C-407E-A947-70E740481C1C}">
+                <a14:useLocalDpi xmlns:a14="http://schemas.microsoft.com/office/drawing/2010/main" val="0"/>
+              </a:ext>
+            </a:extLst>
+          </a:blip>
+          <a:stretch>
+            <a:fillRect/>
+          </a:stretch>
+        </p:blipFill>
+        <p:spPr>
+          <a:xfrm flipH="1">
+            <a:off x="-2028192" y="18042970"/>
+            <a:ext cx="7358184" cy="5811765"/>
+          </a:xfrm>
+          <a:prstGeom prst="rect">
+            <a:avLst/>
+          </a:prstGeom>
+        </p:spPr>
+      </p:pic>
+      <p:pic>
+        <p:nvPicPr>
+          <p:cNvPr id="29" name="Picture 28">
+            <a:extLst>
+              <a:ext uri="{FF2B5EF4-FFF2-40B4-BE49-F238E27FC236}">
+                <a16:creationId xmlns:a16="http://schemas.microsoft.com/office/drawing/2014/main" id="{A622DD28-862B-63BF-DF65-1EC2D878807E}"/>
+              </a:ext>
+            </a:extLst>
+          </p:cNvPr>
+          <p:cNvPicPr>
+            <a:picLocks noChangeAspect="1"/>
+          </p:cNvPicPr>
+          <p:nvPr/>
+        </p:nvPicPr>
+        <p:blipFill>
+          <a:blip r:embed="rId14"/>
+          <a:stretch>
+            <a:fillRect/>
+          </a:stretch>
+        </p:blipFill>
+        <p:spPr>
+          <a:xfrm>
+            <a:off x="-542" y="21478810"/>
+            <a:ext cx="9895043" cy="2381331"/>
+          </a:xfrm>
+          <a:prstGeom prst="rect">
+            <a:avLst/>
+          </a:prstGeom>
+        </p:spPr>
+      </p:pic>
+      <p:sp>
+        <p:nvSpPr>
+          <p:cNvPr id="9" name="32-Point Star 20">
+            <a:extLst>
+              <a:ext uri="{FF2B5EF4-FFF2-40B4-BE49-F238E27FC236}">
+                <a16:creationId xmlns:a16="http://schemas.microsoft.com/office/drawing/2014/main" id="{013D7344-D51C-35DC-9DCB-9528C8A4AFF7}"/>
               </a:ext>
             </a:extLst>
           </p:cNvPr>
@@ -4398,8 +5699,8 @@
         </p:nvSpPr>
         <p:spPr>
           <a:xfrm rot="21243013">
-            <a:off x="717084" y="27233532"/>
-            <a:ext cx="12961024" cy="8704974"/>
+            <a:off x="1103469" y="26539404"/>
+            <a:ext cx="11821320" cy="5292665"/>
           </a:xfrm>
           <a:prstGeom prst="star32">
             <a:avLst/>
@@ -4435,58 +5736,31 @@
           <a:p>
             <a:pPr algn="ctr"/>
             <a:r>
-              <a:rPr lang="en-US" sz="4400" b="1" cap="small" dirty="0">
+              <a:rPr lang="en-US" sz="3600" b="1" cap="small" dirty="0">
                 <a:solidFill>
                   <a:schemeClr val="bg1"/>
                 </a:solidFill>
                 <a:latin typeface="Oxygen" panose="02000503000000000000" pitchFamily="2" charset="0"/>
               </a:rPr>
-              <a:t>Bring in a Friend </a:t>
-            </a:r>
-          </a:p>
-          <a:p>
-            <a:pPr algn="ctr"/>
-            <a:r>
-              <a:rPr lang="en-US" sz="2800" b="1" cap="small" dirty="0">
-                <a:solidFill>
-                  <a:schemeClr val="bg1"/>
-                </a:solidFill>
-                <a:latin typeface="Oxygen" panose="02000503000000000000" pitchFamily="2" charset="0"/>
-              </a:rPr>
-              <a:t>OR</a:t>
-            </a:r>
-          </a:p>
-          <a:p>
-            <a:pPr algn="ctr"/>
-            <a:r>
-              <a:rPr lang="en-US" sz="4400" b="1" cap="small" dirty="0">
-                <a:solidFill>
-                  <a:schemeClr val="bg1"/>
-                </a:solidFill>
-                <a:latin typeface="Oxygen" panose="02000503000000000000" pitchFamily="2" charset="0"/>
-              </a:rPr>
-              <a:t>Study Multiple Subjects</a:t>
-            </a:r>
-          </a:p>
-          <a:p>
-            <a:pPr algn="ctr"/>
-            <a:r>
-              <a:rPr lang="en-US" sz="4400" b="1" cap="small" dirty="0">
-                <a:solidFill>
-                  <a:schemeClr val="bg1"/>
-                </a:solidFill>
-                <a:latin typeface="Oxygen" panose="02000503000000000000" pitchFamily="2" charset="0"/>
-              </a:rPr>
-              <a:t> </a:t>
-            </a:r>
-            <a:r>
-              <a:rPr lang="en-US" sz="18000" b="1" cap="small" dirty="0">
+              <a:t>Upto </a:t>
+            </a:r>
+            <a:r>
+              <a:rPr lang="en-US" sz="15000" b="1" cap="small" dirty="0">
                 <a:solidFill>
                   <a:schemeClr val="bg1"/>
                 </a:solidFill>
                 <a:latin typeface="Oxygen" panose="02000503000000000000" pitchFamily="2" charset="0"/>
               </a:rPr>
               <a:t>50%</a:t>
+            </a:r>
+            <a:r>
+              <a:rPr lang="en-US" sz="3600" b="1" cap="small" dirty="0">
+                <a:solidFill>
+                  <a:schemeClr val="bg1"/>
+                </a:solidFill>
+                <a:latin typeface="Oxygen" panose="02000503000000000000" pitchFamily="2" charset="0"/>
+              </a:rPr>
+              <a:t> Off</a:t>
             </a:r>
             <a:r>
               <a:rPr lang="en-US" sz="5400" b="1" cap="small" dirty="0">
@@ -4497,33 +5771,27 @@
               </a:rPr>
               <a:t> </a:t>
             </a:r>
-            <a:r>
-              <a:rPr lang="en-US" sz="4400" b="1" cap="small" dirty="0">
+          </a:p>
+          <a:p>
+            <a:pPr algn="ctr"/>
+            <a:r>
+              <a:rPr lang="en-US" sz="3600" b="1" cap="small" dirty="0">
                 <a:solidFill>
                   <a:schemeClr val="bg1"/>
                 </a:solidFill>
                 <a:latin typeface="Oxygen" panose="02000503000000000000" pitchFamily="2" charset="0"/>
               </a:rPr>
-              <a:t>OFF</a:t>
-            </a:r>
-            <a:r>
-              <a:rPr lang="en-US" sz="5400" b="1" cap="small" dirty="0">
-                <a:solidFill>
-                  <a:schemeClr val="bg1"/>
-                </a:solidFill>
-                <a:latin typeface="Oxygen" panose="02000503000000000000" pitchFamily="2" charset="0"/>
-              </a:rPr>
-              <a:t> </a:t>
-            </a:r>
-          </a:p>
-        </p:txBody>
-      </p:sp>
-      <p:sp>
-        <p:nvSpPr>
-          <p:cNvPr id="49" name="TextBox 48">
+              <a:t>T&amp;C Applies</a:t>
+            </a:r>
+          </a:p>
+        </p:txBody>
+      </p:sp>
+      <p:sp>
+        <p:nvSpPr>
+          <p:cNvPr id="43" name="TextBox 42">
             <a:extLst>
               <a:ext uri="{FF2B5EF4-FFF2-40B4-BE49-F238E27FC236}">
-                <a16:creationId xmlns:a16="http://schemas.microsoft.com/office/drawing/2014/main" id="{A78A26A3-6E03-D16E-D6B2-4CE07FC77059}"/>
+                <a16:creationId xmlns:a16="http://schemas.microsoft.com/office/drawing/2014/main" id="{40B9BBFF-109F-7FAD-CF9E-14C885B1D1BA}"/>
               </a:ext>
             </a:extLst>
           </p:cNvPr>
@@ -4532,8 +5800,8 @@
         </p:nvSpPr>
         <p:spPr>
           <a:xfrm>
-            <a:off x="0" y="46328272"/>
-            <a:ext cx="25603742" cy="2123658"/>
+            <a:off x="37110" y="32293068"/>
+            <a:ext cx="25507765" cy="13342114"/>
           </a:xfrm>
           <a:prstGeom prst="rect">
             <a:avLst/>
@@ -4546,95 +5814,221 @@
           </a:bodyPr>
           <a:lstStyle/>
           <a:p>
-            <a:pPr algn="ctr"/>
-            <a:r>
-              <a:rPr lang="en-US" sz="4400" b="1" cap="small" dirty="0">
+            <a:pPr algn="ctr">
+              <a:lnSpc>
+                <a:spcPct val="250000"/>
+              </a:lnSpc>
+            </a:pPr>
+            <a:r>
+              <a:rPr lang="en-US" sz="9800" b="1" cap="small" dirty="0">
+                <a:solidFill>
+                  <a:srgbClr val="C00000"/>
+                </a:solidFill>
                 <a:latin typeface="Oxygen" panose="02000503000000000000" pitchFamily="2" charset="0"/>
               </a:rPr>
-              <a:t>Finest Teachers, Study Materials</a:t>
-            </a:r>
-            <a:r>
-              <a:rPr lang="en-US" sz="4400" b="1" cap="small">
+              <a:t>Artificial Intelligence ICSE/CBSE/WB III-XII</a:t>
+            </a:r>
+          </a:p>
+          <a:p>
+            <a:pPr algn="ctr"/>
+            <a:r>
+              <a:rPr lang="en-US" sz="10000" b="1" cap="small" dirty="0">
+                <a:solidFill>
+                  <a:schemeClr val="accent1">
+                    <a:lumMod val="50000"/>
+                  </a:schemeClr>
+                </a:solidFill>
                 <a:latin typeface="Oxygen" panose="02000503000000000000" pitchFamily="2" charset="0"/>
               </a:rPr>
-              <a:t>, Mock </a:t>
-            </a:r>
-            <a:r>
-              <a:rPr lang="en-US" sz="4400" b="1" cap="small" dirty="0">
+              <a:t>Professional AI &amp; IT Training and Projects </a:t>
+            </a:r>
+            <a:r>
+              <a:rPr lang="en-US" sz="9600" b="1" cap="small" dirty="0">
+                <a:solidFill>
+                  <a:schemeClr val="accent1">
+                    <a:lumMod val="75000"/>
+                  </a:schemeClr>
+                </a:solidFill>
                 <a:latin typeface="Oxygen" panose="02000503000000000000" pitchFamily="2" charset="0"/>
               </a:rPr>
-              <a:t>Tests</a:t>
-            </a:r>
-            <a:r>
-              <a:rPr lang="en-US" sz="4400" b="1" cap="small">
+              <a:t>Data Science, </a:t>
+            </a:r>
+            <a:r>
+              <a:rPr lang="en-US" sz="8400" b="1" cap="small" dirty="0">
+                <a:solidFill>
+                  <a:schemeClr val="accent1">
+                    <a:lumMod val="75000"/>
+                  </a:schemeClr>
+                </a:solidFill>
                 <a:latin typeface="Oxygen" panose="02000503000000000000" pitchFamily="2" charset="0"/>
               </a:rPr>
-              <a:t>, Doubt Clearing, PTM</a:t>
-            </a:r>
-            <a:r>
-              <a:rPr lang="en-US" sz="4400" b="1" cap="small" dirty="0">
+              <a:t>Comp Vision, NLP, DSP</a:t>
+            </a:r>
+          </a:p>
+          <a:p>
+            <a:pPr algn="ctr"/>
+            <a:r>
+              <a:rPr lang="en-US" sz="8400" b="1" cap="small" dirty="0">
+                <a:solidFill>
+                  <a:schemeClr val="accent1">
+                    <a:lumMod val="75000"/>
+                  </a:schemeClr>
+                </a:solidFill>
                 <a:latin typeface="Oxygen" panose="02000503000000000000" pitchFamily="2" charset="0"/>
               </a:rPr>
-              <a:t>, Counselling</a:t>
+              <a:t>Python, Data Analytics, C, C++, IoT, Robotics</a:t>
             </a:r>
           </a:p>
           <a:p>
             <a:pPr algn="ctr"/>
             <a:r>
-              <a:rPr lang="en-US" sz="4400" b="1" cap="small" dirty="0">
+              <a:rPr lang="en-US" sz="8400" b="1" cap="small" dirty="0">
+                <a:solidFill>
+                  <a:schemeClr val="accent1">
+                    <a:lumMod val="75000"/>
+                  </a:schemeClr>
+                </a:solidFill>
                 <a:latin typeface="Oxygen" panose="02000503000000000000" pitchFamily="2" charset="0"/>
               </a:rPr>
-              <a:t>400+ Courses, 20 Smart Classrooms, AC, CCTV</a:t>
+              <a:t>Java, .NET, JavaScript, ReactJS, Native, PHP</a:t>
             </a:r>
           </a:p>
           <a:p>
             <a:pPr algn="ctr"/>
             <a:r>
-              <a:rPr lang="en-US" sz="4400" b="1" cap="small" dirty="0">
+              <a:rPr lang="en-US" sz="8400" b="1" cap="small" dirty="0">
+                <a:solidFill>
+                  <a:schemeClr val="accent1">
+                    <a:lumMod val="75000"/>
+                  </a:schemeClr>
+                </a:solidFill>
                 <a:latin typeface="Oxygen" panose="02000503000000000000" pitchFamily="2" charset="0"/>
               </a:rPr>
-              <a:t>Professional Courses are Proj-Based, Certification Oriented &amp; Career Focused</a:t>
-            </a:r>
-            <a:endParaRPr lang="en-US" sz="4400" dirty="0"/>
-          </a:p>
-        </p:txBody>
-      </p:sp>
-    </p:spTree>
-    <p:extLst>
-      <p:ext uri="{BB962C8B-B14F-4D97-AF65-F5344CB8AC3E}">
-        <p14:creationId xmlns:p14="http://schemas.microsoft.com/office/powerpoint/2010/main" val="1163593327"/>
-      </p:ext>
-    </p:extLst>
-  </p:cSld>
-  <p:clrMapOvr>
-    <a:masterClrMapping/>
-  </p:clrMapOvr>
-</p:sld>
-</file>
-
-<file path=ppt/slides/slide2.xml><?xml version="1.0" encoding="utf-8"?>
-<p:sld xmlns:a="http://schemas.openxmlformats.org/drawingml/2006/main" xmlns:r="http://schemas.openxmlformats.org/officeDocument/2006/relationships" xmlns:p="http://schemas.openxmlformats.org/presentationml/2006/main">
-  <p:cSld>
-    <p:spTree>
-      <p:nvGrpSpPr>
-        <p:cNvPr id="1" name=""/>
-        <p:cNvGrpSpPr/>
-        <p:nvPr/>
-      </p:nvGrpSpPr>
-      <p:grpSpPr>
-        <a:xfrm>
-          <a:off x="0" y="0"/>
-          <a:ext cx="0" cy="0"/>
-          <a:chOff x="0" y="0"/>
-          <a:chExt cx="0" cy="0"/>
-        </a:xfrm>
-      </p:grpSpPr>
+              <a:t>DevOps, Docker, Kubernetes, Cloud</a:t>
+            </a:r>
+          </a:p>
+          <a:p>
+            <a:pPr algn="ctr"/>
+            <a:r>
+              <a:rPr lang="en-US" sz="8400" b="1" cap="small" dirty="0">
+                <a:solidFill>
+                  <a:schemeClr val="accent1">
+                    <a:lumMod val="75000"/>
+                  </a:schemeClr>
+                </a:solidFill>
+                <a:latin typeface="Oxygen" panose="02000503000000000000" pitchFamily="2" charset="0"/>
+              </a:rPr>
+              <a:t>Database, NoSQL, Cyber Sec, Automation Test</a:t>
+            </a:r>
+          </a:p>
+          <a:p>
+            <a:pPr algn="ctr"/>
+            <a:r>
+              <a:rPr lang="en-US" sz="8400" b="1" cap="small" dirty="0">
+                <a:solidFill>
+                  <a:schemeClr val="accent1">
+                    <a:lumMod val="75000"/>
+                  </a:schemeClr>
+                </a:solidFill>
+                <a:latin typeface="Oxygen" panose="02000503000000000000" pitchFamily="2" charset="0"/>
+              </a:rPr>
+              <a:t>Pmp, Agile, Office, Adv Excel, Tally, Html, Css</a:t>
+            </a:r>
+          </a:p>
+        </p:txBody>
+      </p:sp>
+      <p:sp>
+        <p:nvSpPr>
+          <p:cNvPr id="18" name="Rectangle 17">
+            <a:extLst>
+              <a:ext uri="{FF2B5EF4-FFF2-40B4-BE49-F238E27FC236}">
+                <a16:creationId xmlns:a16="http://schemas.microsoft.com/office/drawing/2014/main" id="{57E38920-CFB2-95B6-5E80-A46054D7F0C4}"/>
+              </a:ext>
+            </a:extLst>
+          </p:cNvPr>
+          <p:cNvSpPr/>
+          <p:nvPr/>
+        </p:nvSpPr>
+        <p:spPr>
+          <a:xfrm>
+            <a:off x="19479695" y="30902051"/>
+            <a:ext cx="5877879" cy="1015663"/>
+          </a:xfrm>
+          <a:prstGeom prst="rect">
+            <a:avLst/>
+          </a:prstGeom>
+        </p:spPr>
+        <p:txBody>
+          <a:bodyPr wrap="square">
+            <a:spAutoFit/>
+          </a:bodyPr>
+          <a:lstStyle/>
+          <a:p>
+            <a:r>
+              <a:rPr lang="en-AU" sz="6000" b="1" dirty="0">
+                <a:solidFill>
+                  <a:srgbClr val="002060"/>
+                </a:solidFill>
+                <a:latin typeface="Oxygen" panose="02000503000000000000" pitchFamily="2" charset="0"/>
+              </a:rPr>
+              <a:t>App Download</a:t>
+            </a:r>
+          </a:p>
+        </p:txBody>
+      </p:sp>
       <p:pic>
         <p:nvPicPr>
-          <p:cNvPr id="27" name="Picture 26">
+          <p:cNvPr id="2" name="Picture 2" descr="Download Google Play Icon Royalty-Free Vector Graphic - Pixabay">
             <a:extLst>
               <a:ext uri="{FF2B5EF4-FFF2-40B4-BE49-F238E27FC236}">
-                <a16:creationId xmlns:a16="http://schemas.microsoft.com/office/drawing/2014/main" id="{630F8093-DFCD-9C8F-163E-96E19BF8676A}"/>
+                <a16:creationId xmlns:a16="http://schemas.microsoft.com/office/drawing/2014/main" id="{91DDA7FB-AAED-BFBB-67EE-9C06F7C59FD9}"/>
+              </a:ext>
+            </a:extLst>
+          </p:cNvPr>
+          <p:cNvPicPr>
+            <a:picLocks noChangeAspect="1" noChangeArrowheads="1"/>
+          </p:cNvPicPr>
+          <p:nvPr/>
+        </p:nvPicPr>
+        <p:blipFill>
+          <a:blip r:embed="rId15">
+            <a:extLst>
+              <a:ext uri="{28A0092B-C50C-407E-A947-70E740481C1C}">
+                <a14:useLocalDpi xmlns:a14="http://schemas.microsoft.com/office/drawing/2010/main" val="0"/>
+              </a:ext>
+            </a:extLst>
+          </a:blip>
+          <a:srcRect/>
+          <a:stretch>
+            <a:fillRect/>
+          </a:stretch>
+        </p:blipFill>
+        <p:spPr bwMode="auto">
+          <a:xfrm>
+            <a:off x="19896260" y="29438369"/>
+            <a:ext cx="1305272" cy="1463682"/>
+          </a:xfrm>
+          <a:prstGeom prst="rect">
+            <a:avLst/>
+          </a:prstGeom>
+          <a:noFill/>
+          <a:extLst>
+            <a:ext uri="{909E8E84-426E-40DD-AFC4-6F175D3DCCD1}">
+              <a14:hiddenFill xmlns:a14="http://schemas.microsoft.com/office/drawing/2010/main">
+                <a:solidFill>
+                  <a:srgbClr val="FFFFFF"/>
+                </a:solidFill>
+              </a14:hiddenFill>
+            </a:ext>
+          </a:extLst>
+        </p:spPr>
+      </p:pic>
+      <p:pic>
+        <p:nvPicPr>
+          <p:cNvPr id="45" name="Picture 44">
+            <a:extLst>
+              <a:ext uri="{FF2B5EF4-FFF2-40B4-BE49-F238E27FC236}">
+                <a16:creationId xmlns:a16="http://schemas.microsoft.com/office/drawing/2014/main" id="{E9BF914C-767B-4A9B-B892-9FE9D722EEE7}"/>
               </a:ext>
             </a:extLst>
           </p:cNvPr>
@@ -4644,7 +6038,7 @@
           <p:nvPr/>
         </p:nvPicPr>
         <p:blipFill>
-          <a:blip r:embed="rId2">
+          <a:blip r:embed="rId11">
             <a:extLst>
               <a:ext uri="{28A0092B-C50C-407E-A947-70E740481C1C}">
                 <a14:useLocalDpi xmlns:a14="http://schemas.microsoft.com/office/drawing/2010/main" val="0"/>
@@ -4657,59 +6051,20 @@
         </p:blipFill>
         <p:spPr>
           <a:xfrm>
-            <a:off x="891" y="-2134"/>
-            <a:ext cx="25603200" cy="38001509"/>
+            <a:off x="19867580" y="27960909"/>
+            <a:ext cx="1305272" cy="1233962"/>
           </a:xfrm>
           <a:prstGeom prst="rect">
             <a:avLst/>
           </a:prstGeom>
         </p:spPr>
       </p:pic>
-      <p:sp>
-        <p:nvSpPr>
-          <p:cNvPr id="18" name="Rectangle 17">
-            <a:extLst>
-              <a:ext uri="{FF2B5EF4-FFF2-40B4-BE49-F238E27FC236}">
-                <a16:creationId xmlns:a16="http://schemas.microsoft.com/office/drawing/2014/main" id="{57E38920-CFB2-95B6-5E80-A46054D7F0C4}"/>
-              </a:ext>
-            </a:extLst>
-          </p:cNvPr>
-          <p:cNvSpPr/>
-          <p:nvPr/>
-        </p:nvSpPr>
-        <p:spPr>
-          <a:xfrm>
-            <a:off x="19219995" y="35353046"/>
-            <a:ext cx="5877879" cy="1015663"/>
-          </a:xfrm>
-          <a:prstGeom prst="rect">
-            <a:avLst/>
-          </a:prstGeom>
-        </p:spPr>
-        <p:txBody>
-          <a:bodyPr wrap="square">
-            <a:spAutoFit/>
-          </a:bodyPr>
-          <a:lstStyle/>
-          <a:p>
-            <a:r>
-              <a:rPr lang="en-AU" sz="6000" b="1" dirty="0">
-                <a:solidFill>
-                  <a:srgbClr val="002060"/>
-                </a:solidFill>
-                <a:latin typeface="Oxygen" panose="02000503000000000000" pitchFamily="2" charset="0"/>
-              </a:rPr>
-              <a:t>App Download</a:t>
-            </a:r>
-          </a:p>
-        </p:txBody>
-      </p:sp>
       <p:pic>
         <p:nvPicPr>
-          <p:cNvPr id="19" name="Picture 18">
+          <p:cNvPr id="47" name="Picture 46">
             <a:extLst>
               <a:ext uri="{FF2B5EF4-FFF2-40B4-BE49-F238E27FC236}">
-                <a16:creationId xmlns:a16="http://schemas.microsoft.com/office/drawing/2014/main" id="{FAE414E8-03DC-F42E-8E46-D9BF256B8455}"/>
+                <a16:creationId xmlns:a16="http://schemas.microsoft.com/office/drawing/2014/main" id="{D7D981AE-9BFA-FFAC-76C9-3617EFBC8B04}"/>
               </a:ext>
             </a:extLst>
           </p:cNvPr>
@@ -4719,7 +6074,7 @@
           <p:nvPr/>
         </p:nvPicPr>
         <p:blipFill>
-          <a:blip r:embed="rId3">
+          <a:blip r:embed="rId16">
             <a:extLst>
               <a:ext uri="{28A0092B-C50C-407E-A947-70E740481C1C}">
                 <a14:useLocalDpi xmlns:a14="http://schemas.microsoft.com/office/drawing/2010/main" val="0"/>
@@ -4732,14 +6087,50 @@
         </p:blipFill>
         <p:spPr>
           <a:xfrm>
-            <a:off x="14662593" y="32088121"/>
-            <a:ext cx="3481974" cy="3481974"/>
+            <a:off x="21414029" y="27637126"/>
+            <a:ext cx="3481975" cy="3481975"/>
           </a:xfrm>
           <a:prstGeom prst="rect">
             <a:avLst/>
           </a:prstGeom>
         </p:spPr>
       </p:pic>
+      <p:pic>
+        <p:nvPicPr>
+          <p:cNvPr id="19" name="Picture 18">
+            <a:extLst>
+              <a:ext uri="{FF2B5EF4-FFF2-40B4-BE49-F238E27FC236}">
+                <a16:creationId xmlns:a16="http://schemas.microsoft.com/office/drawing/2014/main" id="{FAE414E8-03DC-F42E-8E46-D9BF256B8455}"/>
+              </a:ext>
+            </a:extLst>
+          </p:cNvPr>
+          <p:cNvPicPr>
+            <a:picLocks noChangeAspect="1"/>
+          </p:cNvPicPr>
+          <p:nvPr/>
+        </p:nvPicPr>
+        <p:blipFill>
+          <a:blip r:embed="rId17">
+            <a:extLst>
+              <a:ext uri="{28A0092B-C50C-407E-A947-70E740481C1C}">
+                <a14:useLocalDpi xmlns:a14="http://schemas.microsoft.com/office/drawing/2010/main" val="0"/>
+              </a:ext>
+            </a:extLst>
+          </a:blip>
+          <a:stretch>
+            <a:fillRect/>
+          </a:stretch>
+        </p:blipFill>
+        <p:spPr>
+          <a:xfrm>
+            <a:off x="15677423" y="27719393"/>
+            <a:ext cx="3481974" cy="3481974"/>
+          </a:xfrm>
+          <a:prstGeom prst="rect">
+            <a:avLst/>
+          </a:prstGeom>
+        </p:spPr>
+      </p:pic>
       <p:sp>
         <p:nvSpPr>
           <p:cNvPr id="20" name="Freeform: Shape 19">
@@ -4754,7 +6145,7 @@
         </p:nvSpPr>
         <p:spPr>
           <a:xfrm>
-            <a:off x="13410270" y="32948552"/>
+            <a:off x="14425100" y="28579824"/>
             <a:ext cx="1274655" cy="1251875"/>
           </a:xfrm>
           <a:custGeom>
@@ -5099,10 +6490,10 @@
       </p:sp>
       <p:sp>
         <p:nvSpPr>
-          <p:cNvPr id="23" name="Rectangle 22">
+          <p:cNvPr id="44" name="Rectangle 43">
             <a:extLst>
               <a:ext uri="{FF2B5EF4-FFF2-40B4-BE49-F238E27FC236}">
-                <a16:creationId xmlns:a16="http://schemas.microsoft.com/office/drawing/2014/main" id="{F104C451-B23D-3708-A7DB-CDA181369D79}"/>
+                <a16:creationId xmlns:a16="http://schemas.microsoft.com/office/drawing/2014/main" id="{A5955199-A9C1-A9D5-AEFF-7380D6EB791D}"/>
               </a:ext>
             </a:extLst>
           </p:cNvPr>
@@ -5111,548 +6502,8 @@
         </p:nvSpPr>
         <p:spPr>
           <a:xfrm>
-            <a:off x="-542" y="48077702"/>
-            <a:ext cx="25603742" cy="3128698"/>
-          </a:xfrm>
-          <a:prstGeom prst="rect">
-            <a:avLst/>
-          </a:prstGeom>
-          <a:gradFill>
-            <a:gsLst>
-              <a:gs pos="0">
-                <a:schemeClr val="accent1">
-                  <a:lumMod val="5000"/>
-                  <a:lumOff val="95000"/>
-                  <a:alpha val="0"/>
-                </a:schemeClr>
-              </a:gs>
-              <a:gs pos="61000">
-                <a:srgbClr val="FF8C52"/>
-              </a:gs>
-              <a:gs pos="40260">
-                <a:srgbClr val="FF8C52"/>
-              </a:gs>
-              <a:gs pos="72000">
-                <a:srgbClr val="FF8C52"/>
-              </a:gs>
-              <a:gs pos="100000">
-                <a:schemeClr val="accent1">
-                  <a:lumMod val="45000"/>
-                  <a:lumOff val="55000"/>
-                </a:schemeClr>
-              </a:gs>
-              <a:gs pos="99000">
-                <a:srgbClr val="FF8C52"/>
-              </a:gs>
-            </a:gsLst>
-            <a:lin ang="5400000" scaled="1"/>
-          </a:gradFill>
-          <a:ln>
-            <a:noFill/>
-          </a:ln>
-        </p:spPr>
-        <p:style>
-          <a:lnRef idx="2">
-            <a:schemeClr val="accent1">
-              <a:shade val="50000"/>
-            </a:schemeClr>
-          </a:lnRef>
-          <a:fillRef idx="1">
-            <a:schemeClr val="accent1"/>
-          </a:fillRef>
-          <a:effectRef idx="0">
-            <a:schemeClr val="accent1"/>
-          </a:effectRef>
-          <a:fontRef idx="minor">
-            <a:schemeClr val="lt1"/>
-          </a:fontRef>
-        </p:style>
-        <p:txBody>
-          <a:bodyPr rtlCol="0" anchor="ctr"/>
-          <a:lstStyle/>
-          <a:p>
-            <a:pPr algn="ctr"/>
-            <a:endParaRPr lang="en-AU"/>
-          </a:p>
-        </p:txBody>
-      </p:sp>
-      <p:pic>
-        <p:nvPicPr>
-          <p:cNvPr id="32" name="Picture 10" descr="New Instagram Logo PNG Images 2023">
-            <a:extLst>
-              <a:ext uri="{FF2B5EF4-FFF2-40B4-BE49-F238E27FC236}">
-                <a16:creationId xmlns:a16="http://schemas.microsoft.com/office/drawing/2014/main" id="{2A975E25-B8BA-7B3A-B880-6D50462A7181}"/>
-              </a:ext>
-            </a:extLst>
-          </p:cNvPr>
-          <p:cNvPicPr>
-            <a:picLocks noChangeAspect="1" noChangeArrowheads="1"/>
-          </p:cNvPicPr>
-          <p:nvPr/>
-        </p:nvPicPr>
-        <p:blipFill>
-          <a:blip r:embed="rId4" cstate="print">
-            <a:extLst>
-              <a:ext uri="{28A0092B-C50C-407E-A947-70E740481C1C}">
-                <a14:useLocalDpi xmlns:a14="http://schemas.microsoft.com/office/drawing/2010/main" val="0"/>
-              </a:ext>
-            </a:extLst>
-          </a:blip>
-          <a:srcRect/>
-          <a:stretch>
-            <a:fillRect/>
-          </a:stretch>
-        </p:blipFill>
-        <p:spPr bwMode="auto">
-          <a:xfrm>
-            <a:off x="3347233" y="49174192"/>
-            <a:ext cx="1790429" cy="1790429"/>
-          </a:xfrm>
-          <a:prstGeom prst="rect">
-            <a:avLst/>
-          </a:prstGeom>
-          <a:noFill/>
-          <a:extLst>
-            <a:ext uri="{909E8E84-426E-40DD-AFC4-6F175D3DCCD1}">
-              <a14:hiddenFill xmlns:a14="http://schemas.microsoft.com/office/drawing/2010/main">
-                <a:solidFill>
-                  <a:srgbClr val="FFFFFF"/>
-                </a:solidFill>
-              </a14:hiddenFill>
-            </a:ext>
-          </a:extLst>
-        </p:spPr>
-      </p:pic>
-      <p:pic>
-        <p:nvPicPr>
-          <p:cNvPr id="34" name="Picture 16" descr="Linkedin logo png, Linkedin icon transparent png 18930587 PNG">
-            <a:extLst>
-              <a:ext uri="{FF2B5EF4-FFF2-40B4-BE49-F238E27FC236}">
-                <a16:creationId xmlns:a16="http://schemas.microsoft.com/office/drawing/2014/main" id="{3384B965-D3AF-BA2B-55AE-3685B94C1BA4}"/>
-              </a:ext>
-            </a:extLst>
-          </p:cNvPr>
-          <p:cNvPicPr>
-            <a:picLocks noChangeAspect="1" noChangeArrowheads="1"/>
-          </p:cNvPicPr>
-          <p:nvPr/>
-        </p:nvPicPr>
-        <p:blipFill>
-          <a:blip r:embed="rId5" cstate="print">
-            <a:extLst>
-              <a:ext uri="{28A0092B-C50C-407E-A947-70E740481C1C}">
-                <a14:useLocalDpi xmlns:a14="http://schemas.microsoft.com/office/drawing/2010/main" val="0"/>
-              </a:ext>
-            </a:extLst>
-          </a:blip>
-          <a:srcRect/>
-          <a:stretch>
-            <a:fillRect/>
-          </a:stretch>
-        </p:blipFill>
-        <p:spPr bwMode="auto">
-          <a:xfrm>
-            <a:off x="271390" y="48505058"/>
-            <a:ext cx="3128698" cy="3128698"/>
-          </a:xfrm>
-          <a:prstGeom prst="rect">
-            <a:avLst/>
-          </a:prstGeom>
-          <a:noFill/>
-          <a:extLst>
-            <a:ext uri="{909E8E84-426E-40DD-AFC4-6F175D3DCCD1}">
-              <a14:hiddenFill xmlns:a14="http://schemas.microsoft.com/office/drawing/2010/main">
-                <a:solidFill>
-                  <a:srgbClr val="FFFFFF"/>
-                </a:solidFill>
-              </a14:hiddenFill>
-            </a:ext>
-          </a:extLst>
-        </p:spPr>
-      </p:pic>
-      <p:sp>
-        <p:nvSpPr>
-          <p:cNvPr id="36" name="Rectangle 35">
-            <a:extLst>
-              <a:ext uri="{FF2B5EF4-FFF2-40B4-BE49-F238E27FC236}">
-                <a16:creationId xmlns:a16="http://schemas.microsoft.com/office/drawing/2014/main" id="{4E84058A-D644-5914-179D-A788DC9083CC}"/>
-              </a:ext>
-            </a:extLst>
-          </p:cNvPr>
-          <p:cNvSpPr/>
-          <p:nvPr/>
-        </p:nvSpPr>
-        <p:spPr>
-          <a:xfrm>
-            <a:off x="5667051" y="49526796"/>
-            <a:ext cx="19781377" cy="1200329"/>
-          </a:xfrm>
-          <a:prstGeom prst="rect">
-            <a:avLst/>
-          </a:prstGeom>
-        </p:spPr>
-        <p:txBody>
-          <a:bodyPr wrap="none">
-            <a:spAutoFit/>
-          </a:bodyPr>
-          <a:lstStyle/>
-          <a:p>
-            <a:r>
-              <a:rPr lang="en-US" sz="7200" b="1" dirty="0">
-                <a:solidFill>
-                  <a:srgbClr val="0000FF"/>
-                </a:solidFill>
-                <a:latin typeface="Oxygen" panose="02000503000000000000" pitchFamily="2" charset="0"/>
-              </a:rPr>
-              <a:t>www.anodiam.com || anirban@anodiam.com</a:t>
-            </a:r>
-            <a:endParaRPr lang="en-AU" sz="7200" dirty="0">
-              <a:solidFill>
-                <a:srgbClr val="0000FF"/>
-              </a:solidFill>
-            </a:endParaRPr>
-          </a:p>
-        </p:txBody>
-      </p:sp>
-      <p:pic>
-        <p:nvPicPr>
-          <p:cNvPr id="2" name="Picture 2" descr="Download Google Play Icon Royalty-Free Vector Graphic - Pixabay">
-            <a:extLst>
-              <a:ext uri="{FF2B5EF4-FFF2-40B4-BE49-F238E27FC236}">
-                <a16:creationId xmlns:a16="http://schemas.microsoft.com/office/drawing/2014/main" id="{91DDA7FB-AAED-BFBB-67EE-9C06F7C59FD9}"/>
-              </a:ext>
-            </a:extLst>
-          </p:cNvPr>
-          <p:cNvPicPr>
-            <a:picLocks noChangeAspect="1" noChangeArrowheads="1"/>
-          </p:cNvPicPr>
-          <p:nvPr/>
-        </p:nvPicPr>
-        <p:blipFill>
-          <a:blip r:embed="rId6">
-            <a:extLst>
-              <a:ext uri="{28A0092B-C50C-407E-A947-70E740481C1C}">
-                <a14:useLocalDpi xmlns:a14="http://schemas.microsoft.com/office/drawing/2010/main" val="0"/>
-              </a:ext>
-            </a:extLst>
-          </a:blip>
-          <a:srcRect/>
-          <a:stretch>
-            <a:fillRect/>
-          </a:stretch>
-        </p:blipFill>
-        <p:spPr bwMode="auto">
-          <a:xfrm>
-            <a:off x="19636560" y="33889364"/>
-            <a:ext cx="1305272" cy="1463682"/>
-          </a:xfrm>
-          <a:prstGeom prst="rect">
-            <a:avLst/>
-          </a:prstGeom>
-          <a:noFill/>
-          <a:extLst>
-            <a:ext uri="{909E8E84-426E-40DD-AFC4-6F175D3DCCD1}">
-              <a14:hiddenFill xmlns:a14="http://schemas.microsoft.com/office/drawing/2010/main">
-                <a:solidFill>
-                  <a:srgbClr val="FFFFFF"/>
-                </a:solidFill>
-              </a14:hiddenFill>
-            </a:ext>
-          </a:extLst>
-        </p:spPr>
-      </p:pic>
-      <p:pic>
-        <p:nvPicPr>
-          <p:cNvPr id="17" name="Picture 16">
-            <a:extLst>
-              <a:ext uri="{FF2B5EF4-FFF2-40B4-BE49-F238E27FC236}">
-                <a16:creationId xmlns:a16="http://schemas.microsoft.com/office/drawing/2014/main" id="{2A88CD58-A345-2D82-B535-B54DF3C15F5C}"/>
-              </a:ext>
-            </a:extLst>
-          </p:cNvPr>
-          <p:cNvPicPr>
-            <a:picLocks noChangeAspect="1"/>
-          </p:cNvPicPr>
-          <p:nvPr/>
-        </p:nvPicPr>
-        <p:blipFill>
-          <a:blip r:embed="rId7">
-            <a:extLst>
-              <a:ext uri="{28A0092B-C50C-407E-A947-70E740481C1C}">
-                <a14:useLocalDpi xmlns:a14="http://schemas.microsoft.com/office/drawing/2010/main" val="0"/>
-              </a:ext>
-            </a:extLst>
-          </a:blip>
-          <a:stretch>
-            <a:fillRect/>
-          </a:stretch>
-        </p:blipFill>
-        <p:spPr>
-          <a:xfrm rot="21440353">
-            <a:off x="3803132" y="16213030"/>
-            <a:ext cx="2333308" cy="2205837"/>
-          </a:xfrm>
-          <a:prstGeom prst="rect">
-            <a:avLst/>
-          </a:prstGeom>
-        </p:spPr>
-      </p:pic>
-      <p:pic>
-        <p:nvPicPr>
-          <p:cNvPr id="13" name="Picture 12">
-            <a:extLst>
-              <a:ext uri="{FF2B5EF4-FFF2-40B4-BE49-F238E27FC236}">
-                <a16:creationId xmlns:a16="http://schemas.microsoft.com/office/drawing/2014/main" id="{0B8D66B7-B7EF-A10E-ACF6-180961A64482}"/>
-              </a:ext>
-            </a:extLst>
-          </p:cNvPr>
-          <p:cNvPicPr>
-            <a:picLocks noChangeAspect="1"/>
-          </p:cNvPicPr>
-          <p:nvPr/>
-        </p:nvPicPr>
-        <p:blipFill>
-          <a:blip r:embed="rId8">
-            <a:extLst>
-              <a:ext uri="{28A0092B-C50C-407E-A947-70E740481C1C}">
-                <a14:useLocalDpi xmlns:a14="http://schemas.microsoft.com/office/drawing/2010/main" val="0"/>
-              </a:ext>
-            </a:extLst>
-          </a:blip>
-          <a:stretch>
-            <a:fillRect/>
-          </a:stretch>
-        </p:blipFill>
-        <p:spPr>
-          <a:xfrm>
-            <a:off x="613613" y="1022890"/>
-            <a:ext cx="11863671" cy="5762356"/>
-          </a:xfrm>
-          <a:prstGeom prst="rect">
-            <a:avLst/>
-          </a:prstGeom>
-        </p:spPr>
-      </p:pic>
-      <p:pic>
-        <p:nvPicPr>
-          <p:cNvPr id="29" name="Picture 28">
-            <a:extLst>
-              <a:ext uri="{FF2B5EF4-FFF2-40B4-BE49-F238E27FC236}">
-                <a16:creationId xmlns:a16="http://schemas.microsoft.com/office/drawing/2014/main" id="{A622DD28-862B-63BF-DF65-1EC2D878807E}"/>
-              </a:ext>
-            </a:extLst>
-          </p:cNvPr>
-          <p:cNvPicPr>
-            <a:picLocks noChangeAspect="1"/>
-          </p:cNvPicPr>
-          <p:nvPr/>
-        </p:nvPicPr>
-        <p:blipFill>
-          <a:blip r:embed="rId9"/>
-          <a:stretch>
-            <a:fillRect/>
-          </a:stretch>
-        </p:blipFill>
-        <p:spPr>
-          <a:xfrm>
-            <a:off x="5665" y="23300705"/>
-            <a:ext cx="6368596" cy="1532659"/>
-          </a:xfrm>
-          <a:prstGeom prst="rect">
-            <a:avLst/>
-          </a:prstGeom>
-        </p:spPr>
-      </p:pic>
-      <p:pic>
-        <p:nvPicPr>
-          <p:cNvPr id="31" name="Picture 30">
-            <a:extLst>
-              <a:ext uri="{FF2B5EF4-FFF2-40B4-BE49-F238E27FC236}">
-                <a16:creationId xmlns:a16="http://schemas.microsoft.com/office/drawing/2014/main" id="{E43E14B3-49BF-2BFE-5BE3-B58E9F8EDE18}"/>
-              </a:ext>
-            </a:extLst>
-          </p:cNvPr>
-          <p:cNvPicPr>
-            <a:picLocks noChangeAspect="1"/>
-          </p:cNvPicPr>
-          <p:nvPr/>
-        </p:nvPicPr>
-        <p:blipFill>
-          <a:blip r:embed="rId10"/>
-          <a:stretch>
-            <a:fillRect/>
-          </a:stretch>
-        </p:blipFill>
-        <p:spPr>
-          <a:xfrm>
-            <a:off x="329635" y="25635437"/>
-            <a:ext cx="9871142" cy="1532660"/>
-          </a:xfrm>
-          <a:prstGeom prst="rect">
-            <a:avLst/>
-          </a:prstGeom>
-        </p:spPr>
-      </p:pic>
-      <p:pic>
-        <p:nvPicPr>
-          <p:cNvPr id="40" name="Picture 14" descr="Whatsapp Icon PNGs for Free Download">
-            <a:extLst>
-              <a:ext uri="{FF2B5EF4-FFF2-40B4-BE49-F238E27FC236}">
-                <a16:creationId xmlns:a16="http://schemas.microsoft.com/office/drawing/2014/main" id="{4614A863-72B5-6D79-5611-3F749E580A6C}"/>
-              </a:ext>
-            </a:extLst>
-          </p:cNvPr>
-          <p:cNvPicPr>
-            <a:picLocks noChangeAspect="1" noChangeArrowheads="1"/>
-          </p:cNvPicPr>
-          <p:nvPr/>
-        </p:nvPicPr>
-        <p:blipFill>
-          <a:blip r:embed="rId11" cstate="print">
-            <a:extLst>
-              <a:ext uri="{28A0092B-C50C-407E-A947-70E740481C1C}">
-                <a14:useLocalDpi xmlns:a14="http://schemas.microsoft.com/office/drawing/2010/main" val="0"/>
-              </a:ext>
-            </a:extLst>
-          </a:blip>
-          <a:srcRect/>
-          <a:stretch>
-            <a:fillRect/>
-          </a:stretch>
-        </p:blipFill>
-        <p:spPr bwMode="auto">
-          <a:xfrm>
-            <a:off x="10785864" y="10894735"/>
-            <a:ext cx="1532900" cy="1532900"/>
-          </a:xfrm>
-          <a:prstGeom prst="rect">
-            <a:avLst/>
-          </a:prstGeom>
-          <a:noFill/>
-          <a:extLst>
-            <a:ext uri="{909E8E84-426E-40DD-AFC4-6F175D3DCCD1}">
-              <a14:hiddenFill xmlns:a14="http://schemas.microsoft.com/office/drawing/2010/main">
-                <a:solidFill>
-                  <a:srgbClr val="FFFFFF"/>
-                </a:solidFill>
-              </a14:hiddenFill>
-            </a:ext>
-          </a:extLst>
-        </p:spPr>
-      </p:pic>
-      <p:sp>
-        <p:nvSpPr>
-          <p:cNvPr id="41" name="Rectangle 40">
-            <a:extLst>
-              <a:ext uri="{FF2B5EF4-FFF2-40B4-BE49-F238E27FC236}">
-                <a16:creationId xmlns:a16="http://schemas.microsoft.com/office/drawing/2014/main" id="{F9D8F186-43FC-19CD-B884-5AEC7E1E6390}"/>
-              </a:ext>
-            </a:extLst>
-          </p:cNvPr>
-          <p:cNvSpPr/>
-          <p:nvPr/>
-        </p:nvSpPr>
-        <p:spPr>
-          <a:xfrm>
-            <a:off x="2409462" y="10352305"/>
-            <a:ext cx="8376402" cy="2030236"/>
-          </a:xfrm>
-          <a:prstGeom prst="rect">
-            <a:avLst/>
-          </a:prstGeom>
-        </p:spPr>
-        <p:txBody>
-          <a:bodyPr wrap="square">
-            <a:spAutoFit/>
-          </a:bodyPr>
-          <a:lstStyle/>
-          <a:p>
-            <a:pPr algn="ctr">
-              <a:lnSpc>
-                <a:spcPct val="150000"/>
-              </a:lnSpc>
-            </a:pPr>
-            <a:r>
-              <a:rPr lang="en-US" sz="9600" b="1" dirty="0">
-                <a:solidFill>
-                  <a:schemeClr val="bg1"/>
-                </a:solidFill>
-                <a:latin typeface="Oxygen" panose="02000503000000000000" pitchFamily="2" charset="0"/>
-              </a:rPr>
-              <a:t>9073 700094</a:t>
-            </a:r>
-            <a:endParaRPr lang="en-AU" sz="9600" b="1" dirty="0">
-              <a:solidFill>
-                <a:schemeClr val="bg1"/>
-              </a:solidFill>
-              <a:latin typeface="Oxygen" panose="02000503000000000000" pitchFamily="2" charset="0"/>
-            </a:endParaRPr>
-          </a:p>
-        </p:txBody>
-      </p:sp>
-      <p:pic>
-        <p:nvPicPr>
-          <p:cNvPr id="42" name="Picture 18" descr="Page 2 | Phone Icon Png Images - Free Download on Freepik">
-            <a:extLst>
-              <a:ext uri="{FF2B5EF4-FFF2-40B4-BE49-F238E27FC236}">
-                <a16:creationId xmlns:a16="http://schemas.microsoft.com/office/drawing/2014/main" id="{0AE7602C-AB89-8DF9-830B-C813846C2C66}"/>
-              </a:ext>
-            </a:extLst>
-          </p:cNvPr>
-          <p:cNvPicPr>
-            <a:picLocks noChangeAspect="1" noChangeArrowheads="1"/>
-          </p:cNvPicPr>
-          <p:nvPr/>
-        </p:nvPicPr>
-        <p:blipFill>
-          <a:blip r:embed="rId12" cstate="print">
-            <a:extLst>
-              <a:ext uri="{28A0092B-C50C-407E-A947-70E740481C1C}">
-                <a14:useLocalDpi xmlns:a14="http://schemas.microsoft.com/office/drawing/2010/main" val="0"/>
-              </a:ext>
-            </a:extLst>
-          </a:blip>
-          <a:srcRect/>
-          <a:stretch>
-            <a:fillRect/>
-          </a:stretch>
-        </p:blipFill>
-        <p:spPr bwMode="auto">
-          <a:xfrm>
-            <a:off x="996823" y="10844644"/>
-            <a:ext cx="1412639" cy="1412639"/>
-          </a:xfrm>
-          <a:prstGeom prst="rect">
-            <a:avLst/>
-          </a:prstGeom>
-          <a:noFill/>
-          <a:extLst>
-            <a:ext uri="{909E8E84-426E-40DD-AFC4-6F175D3DCCD1}">
-              <a14:hiddenFill xmlns:a14="http://schemas.microsoft.com/office/drawing/2010/main">
-                <a:solidFill>
-                  <a:srgbClr val="FFFFFF"/>
-                </a:solidFill>
-              </a14:hiddenFill>
-            </a:ext>
-          </a:extLst>
-        </p:spPr>
-      </p:pic>
-      <p:sp>
-        <p:nvSpPr>
-          <p:cNvPr id="44" name="Rectangle 43">
-            <a:extLst>
-              <a:ext uri="{FF2B5EF4-FFF2-40B4-BE49-F238E27FC236}">
-                <a16:creationId xmlns:a16="http://schemas.microsoft.com/office/drawing/2014/main" id="{A5955199-A9C1-A9D5-AEFF-7380D6EB791D}"/>
-              </a:ext>
-            </a:extLst>
-          </p:cNvPr>
-          <p:cNvSpPr/>
-          <p:nvPr/>
-        </p:nvSpPr>
-        <p:spPr>
-          <a:xfrm>
-            <a:off x="12193302" y="34389483"/>
-            <a:ext cx="8298149" cy="1938992"/>
+            <a:off x="13208132" y="30020755"/>
+            <a:ext cx="5877879" cy="1938992"/>
           </a:xfrm>
           <a:prstGeom prst="rect">
             <a:avLst/>
@@ -5687,393 +6538,10 @@
           </a:p>
         </p:txBody>
       </p:sp>
-      <p:pic>
-        <p:nvPicPr>
-          <p:cNvPr id="45" name="Picture 44">
-            <a:extLst>
-              <a:ext uri="{FF2B5EF4-FFF2-40B4-BE49-F238E27FC236}">
-                <a16:creationId xmlns:a16="http://schemas.microsoft.com/office/drawing/2014/main" id="{E9BF914C-767B-4A9B-B892-9FE9D722EEE7}"/>
-              </a:ext>
-            </a:extLst>
-          </p:cNvPr>
-          <p:cNvPicPr>
-            <a:picLocks noChangeAspect="1"/>
-          </p:cNvPicPr>
-          <p:nvPr/>
-        </p:nvPicPr>
-        <p:blipFill>
-          <a:blip r:embed="rId7">
-            <a:extLst>
-              <a:ext uri="{28A0092B-C50C-407E-A947-70E740481C1C}">
-                <a14:useLocalDpi xmlns:a14="http://schemas.microsoft.com/office/drawing/2010/main" val="0"/>
-              </a:ext>
-            </a:extLst>
-          </a:blip>
-          <a:stretch>
-            <a:fillRect/>
-          </a:stretch>
-        </p:blipFill>
-        <p:spPr>
-          <a:xfrm>
-            <a:off x="19607880" y="32411904"/>
-            <a:ext cx="1305272" cy="1233962"/>
-          </a:xfrm>
-          <a:prstGeom prst="rect">
-            <a:avLst/>
-          </a:prstGeom>
-        </p:spPr>
-      </p:pic>
-      <p:pic>
-        <p:nvPicPr>
-          <p:cNvPr id="47" name="Picture 46">
-            <a:extLst>
-              <a:ext uri="{FF2B5EF4-FFF2-40B4-BE49-F238E27FC236}">
-                <a16:creationId xmlns:a16="http://schemas.microsoft.com/office/drawing/2014/main" id="{D7D981AE-9BFA-FFAC-76C9-3617EFBC8B04}"/>
-              </a:ext>
-            </a:extLst>
-          </p:cNvPr>
-          <p:cNvPicPr>
-            <a:picLocks noChangeAspect="1"/>
-          </p:cNvPicPr>
-          <p:nvPr/>
-        </p:nvPicPr>
-        <p:blipFill>
-          <a:blip r:embed="rId13">
-            <a:extLst>
-              <a:ext uri="{28A0092B-C50C-407E-A947-70E740481C1C}">
-                <a14:useLocalDpi xmlns:a14="http://schemas.microsoft.com/office/drawing/2010/main" val="0"/>
-              </a:ext>
-            </a:extLst>
-          </a:blip>
-          <a:stretch>
-            <a:fillRect/>
-          </a:stretch>
-        </p:blipFill>
-        <p:spPr>
-          <a:xfrm>
-            <a:off x="21154329" y="32088121"/>
-            <a:ext cx="3481975" cy="3481975"/>
-          </a:xfrm>
-          <a:prstGeom prst="rect">
-            <a:avLst/>
-          </a:prstGeom>
-        </p:spPr>
-      </p:pic>
-      <p:sp>
-        <p:nvSpPr>
-          <p:cNvPr id="21" name="32-Point Star 20">
-            <a:extLst>
-              <a:ext uri="{FF2B5EF4-FFF2-40B4-BE49-F238E27FC236}">
-                <a16:creationId xmlns:a16="http://schemas.microsoft.com/office/drawing/2014/main" id="{7CB66069-D8E9-F2C7-9AD3-5AA7D196038D}"/>
-              </a:ext>
-            </a:extLst>
-          </p:cNvPr>
-          <p:cNvSpPr/>
-          <p:nvPr/>
-        </p:nvSpPr>
-        <p:spPr>
-          <a:xfrm rot="21243013">
-            <a:off x="717084" y="27233532"/>
-            <a:ext cx="12961024" cy="8704974"/>
-          </a:xfrm>
-          <a:prstGeom prst="star32">
-            <a:avLst/>
-          </a:prstGeom>
-          <a:solidFill>
-            <a:srgbClr val="002060"/>
-          </a:solidFill>
-          <a:ln w="317500">
-            <a:solidFill>
-              <a:srgbClr val="FF0000"/>
-            </a:solidFill>
-          </a:ln>
-        </p:spPr>
-        <p:style>
-          <a:lnRef idx="2">
-            <a:schemeClr val="accent1">
-              <a:shade val="50000"/>
-            </a:schemeClr>
-          </a:lnRef>
-          <a:fillRef idx="1">
-            <a:schemeClr val="accent1"/>
-          </a:fillRef>
-          <a:effectRef idx="0">
-            <a:schemeClr val="accent1"/>
-          </a:effectRef>
-          <a:fontRef idx="minor">
-            <a:schemeClr val="lt1"/>
-          </a:fontRef>
-        </p:style>
-        <p:txBody>
-          <a:bodyPr rtlCol="0" anchor="ctr"/>
-          <a:lstStyle/>
-          <a:p>
-            <a:pPr algn="ctr"/>
-            <a:r>
-              <a:rPr lang="en-US" sz="4400" b="1" cap="small" dirty="0">
-                <a:solidFill>
-                  <a:schemeClr val="bg1"/>
-                </a:solidFill>
-                <a:latin typeface="Oxygen" panose="02000503000000000000" pitchFamily="2" charset="0"/>
-              </a:rPr>
-              <a:t>Bring in a Friend </a:t>
-            </a:r>
-          </a:p>
-          <a:p>
-            <a:pPr algn="ctr"/>
-            <a:r>
-              <a:rPr lang="en-US" sz="2800" b="1" cap="small" dirty="0">
-                <a:solidFill>
-                  <a:schemeClr val="bg1"/>
-                </a:solidFill>
-                <a:latin typeface="Oxygen" panose="02000503000000000000" pitchFamily="2" charset="0"/>
-              </a:rPr>
-              <a:t>OR</a:t>
-            </a:r>
-          </a:p>
-          <a:p>
-            <a:pPr algn="ctr"/>
-            <a:r>
-              <a:rPr lang="en-US" sz="4400" b="1" cap="small" dirty="0">
-                <a:solidFill>
-                  <a:schemeClr val="bg1"/>
-                </a:solidFill>
-                <a:latin typeface="Oxygen" panose="02000503000000000000" pitchFamily="2" charset="0"/>
-              </a:rPr>
-              <a:t>Study Multiple Subjects</a:t>
-            </a:r>
-          </a:p>
-          <a:p>
-            <a:pPr algn="ctr"/>
-            <a:r>
-              <a:rPr lang="en-US" sz="4400" b="1" cap="small" dirty="0">
-                <a:solidFill>
-                  <a:schemeClr val="bg1"/>
-                </a:solidFill>
-                <a:latin typeface="Oxygen" panose="02000503000000000000" pitchFamily="2" charset="0"/>
-              </a:rPr>
-              <a:t> </a:t>
-            </a:r>
-            <a:r>
-              <a:rPr lang="en-US" sz="18000" b="1" cap="small" dirty="0">
-                <a:solidFill>
-                  <a:schemeClr val="bg1"/>
-                </a:solidFill>
-                <a:latin typeface="Oxygen" panose="02000503000000000000" pitchFamily="2" charset="0"/>
-              </a:rPr>
-              <a:t>50%</a:t>
-            </a:r>
-            <a:r>
-              <a:rPr lang="en-US" sz="5400" b="1" cap="small" dirty="0">
-                <a:solidFill>
-                  <a:schemeClr val="bg1"/>
-                </a:solidFill>
-                <a:latin typeface="Oxygen" panose="02000503000000000000" pitchFamily="2" charset="0"/>
-              </a:rPr>
-              <a:t> </a:t>
-            </a:r>
-            <a:r>
-              <a:rPr lang="en-US" sz="4400" b="1" cap="small" dirty="0">
-                <a:solidFill>
-                  <a:schemeClr val="bg1"/>
-                </a:solidFill>
-                <a:latin typeface="Oxygen" panose="02000503000000000000" pitchFamily="2" charset="0"/>
-              </a:rPr>
-              <a:t>OFF</a:t>
-            </a:r>
-            <a:r>
-              <a:rPr lang="en-US" sz="5400" b="1" cap="small" dirty="0">
-                <a:solidFill>
-                  <a:schemeClr val="bg1"/>
-                </a:solidFill>
-                <a:latin typeface="Oxygen" panose="02000503000000000000" pitchFamily="2" charset="0"/>
-              </a:rPr>
-              <a:t> </a:t>
-            </a:r>
-          </a:p>
-        </p:txBody>
-      </p:sp>
-      <p:sp>
-        <p:nvSpPr>
-          <p:cNvPr id="49" name="TextBox 48">
-            <a:extLst>
-              <a:ext uri="{FF2B5EF4-FFF2-40B4-BE49-F238E27FC236}">
-                <a16:creationId xmlns:a16="http://schemas.microsoft.com/office/drawing/2014/main" id="{A78A26A3-6E03-D16E-D6B2-4CE07FC77059}"/>
-              </a:ext>
-            </a:extLst>
-          </p:cNvPr>
-          <p:cNvSpPr txBox="1"/>
-          <p:nvPr/>
-        </p:nvSpPr>
-        <p:spPr>
-          <a:xfrm>
-            <a:off x="0" y="46328272"/>
-            <a:ext cx="25603742" cy="2123658"/>
-          </a:xfrm>
-          <a:prstGeom prst="rect">
-            <a:avLst/>
-          </a:prstGeom>
-          <a:noFill/>
-        </p:spPr>
-        <p:txBody>
-          <a:bodyPr wrap="square">
-            <a:spAutoFit/>
-          </a:bodyPr>
-          <a:lstStyle/>
-          <a:p>
-            <a:pPr algn="ctr"/>
-            <a:r>
-              <a:rPr lang="en-US" sz="4400" b="1" cap="small" dirty="0">
-                <a:latin typeface="Oxygen" panose="02000503000000000000" pitchFamily="2" charset="0"/>
-              </a:rPr>
-              <a:t>Best Teachers, Doubt Clearing, Mock Tests, PTM, Counselling</a:t>
-            </a:r>
-          </a:p>
-          <a:p>
-            <a:pPr algn="ctr"/>
-            <a:r>
-              <a:rPr lang="en-US" sz="4400" b="1" cap="small" dirty="0">
-                <a:latin typeface="Oxygen" panose="02000503000000000000" pitchFamily="2" charset="0"/>
-              </a:rPr>
-              <a:t>400+ Courses, 20 Smart Classrooms, AC, CCTV</a:t>
-            </a:r>
-          </a:p>
-          <a:p>
-            <a:pPr algn="ctr"/>
-            <a:r>
-              <a:rPr lang="en-US" sz="4400" b="1" cap="small" dirty="0">
-                <a:latin typeface="Oxygen" panose="02000503000000000000" pitchFamily="2" charset="0"/>
-              </a:rPr>
-              <a:t>Professional Courses are Proj-Based, Certification Aimed &amp; Career Focused</a:t>
-            </a:r>
-            <a:endParaRPr lang="en-US" sz="4400" dirty="0"/>
-          </a:p>
-        </p:txBody>
-      </p:sp>
-      <p:sp>
-        <p:nvSpPr>
-          <p:cNvPr id="3" name="TextBox 2">
-            <a:extLst>
-              <a:ext uri="{FF2B5EF4-FFF2-40B4-BE49-F238E27FC236}">
-                <a16:creationId xmlns:a16="http://schemas.microsoft.com/office/drawing/2014/main" id="{3689FC4A-6830-7B03-C391-F08A0D34AEE1}"/>
-              </a:ext>
-            </a:extLst>
-          </p:cNvPr>
-          <p:cNvSpPr txBox="1"/>
-          <p:nvPr/>
-        </p:nvSpPr>
-        <p:spPr>
-          <a:xfrm>
-            <a:off x="665828" y="7454380"/>
-            <a:ext cx="11863671" cy="2778902"/>
-          </a:xfrm>
-          <a:prstGeom prst="rect">
-            <a:avLst/>
-          </a:prstGeom>
-          <a:noFill/>
-        </p:spPr>
-        <p:txBody>
-          <a:bodyPr wrap="square" rtlCol="0">
-            <a:spAutoFit/>
-          </a:bodyPr>
-          <a:lstStyle/>
-          <a:p>
-            <a:pPr algn="ctr"/>
-            <a:r>
-              <a:rPr lang="en-US" sz="8800" b="1" cap="small" dirty="0">
-                <a:ln w="6600">
-                  <a:solidFill>
-                    <a:srgbClr val="00FF00"/>
-                  </a:solidFill>
-                  <a:prstDash val="solid"/>
-                </a:ln>
-                <a:solidFill>
-                  <a:schemeClr val="bg1"/>
-                </a:solidFill>
-                <a:effectLst>
-                  <a:glow rad="139700">
-                    <a:schemeClr val="accent6">
-                      <a:satMod val="175000"/>
-                      <a:alpha val="40000"/>
-                    </a:schemeClr>
-                  </a:glow>
-                  <a:outerShdw dist="38100" dir="5400000" sy="-20000" rotWithShape="0">
-                    <a:prstClr val="black">
-                      <a:alpha val="0"/>
-                    </a:prstClr>
-                  </a:outerShdw>
-                </a:effectLst>
-                <a:latin typeface="Oxygen" panose="02000503000000000000" pitchFamily="2" charset="0"/>
-              </a:rPr>
-              <a:t>Artificial Intelligence</a:t>
-            </a:r>
-          </a:p>
-          <a:p>
-            <a:pPr algn="ctr">
-              <a:lnSpc>
-                <a:spcPct val="150000"/>
-              </a:lnSpc>
-            </a:pPr>
-            <a:r>
-              <a:rPr lang="en-US" sz="6600" b="1" cap="small" dirty="0">
-                <a:ln w="6600">
-                  <a:solidFill>
-                    <a:srgbClr val="00FF00"/>
-                  </a:solidFill>
-                  <a:prstDash val="solid"/>
-                </a:ln>
-                <a:solidFill>
-                  <a:schemeClr val="bg1"/>
-                </a:solidFill>
-                <a:effectLst>
-                  <a:glow rad="139700">
-                    <a:schemeClr val="accent6">
-                      <a:satMod val="175000"/>
-                      <a:alpha val="40000"/>
-                    </a:schemeClr>
-                  </a:glow>
-                  <a:outerShdw dist="38100" dir="5400000" sy="-20000" rotWithShape="0">
-                    <a:prstClr val="black">
-                      <a:alpha val="0"/>
-                    </a:prstClr>
-                  </a:outerShdw>
-                </a:effectLst>
-                <a:latin typeface="Oxygen" panose="02000503000000000000" pitchFamily="2" charset="0"/>
-              </a:rPr>
-              <a:t>Your Time to join the Party</a:t>
-            </a:r>
-            <a:endParaRPr lang="en-AU" sz="6600" b="1" cap="small" dirty="0">
-              <a:ln w="6600">
-                <a:solidFill>
-                  <a:srgbClr val="00FF00"/>
-                </a:solidFill>
-                <a:prstDash val="solid"/>
-              </a:ln>
-              <a:solidFill>
-                <a:schemeClr val="bg1"/>
-              </a:solidFill>
-              <a:effectLst>
-                <a:glow rad="139700">
-                  <a:schemeClr val="accent6">
-                    <a:satMod val="175000"/>
-                    <a:alpha val="40000"/>
-                  </a:schemeClr>
-                </a:glow>
-                <a:outerShdw dist="38100" dir="5400000" sy="-20000" rotWithShape="0">
-                  <a:prstClr val="black">
-                    <a:alpha val="0"/>
-                  </a:prstClr>
-                </a:outerShdw>
-              </a:effectLst>
-              <a:latin typeface="Oxygen" panose="02000503000000000000" pitchFamily="2" charset="0"/>
-            </a:endParaRPr>
-          </a:p>
-        </p:txBody>
-      </p:sp>
     </p:spTree>
     <p:extLst>
       <p:ext uri="{BB962C8B-B14F-4D97-AF65-F5344CB8AC3E}">
-        <p14:creationId xmlns:p14="http://schemas.microsoft.com/office/powerpoint/2010/main" val="968336174"/>
+        <p14:creationId xmlns:p14="http://schemas.microsoft.com/office/powerpoint/2010/main" val="2224659747"/>
       </p:ext>
     </p:extLst>
   </p:cSld>

--- a/Offline/Marketing/MarketingArtworks/pptx/StandiesBrandAmbassador.pptx
+++ b/Offline/Marketing/MarketingArtworks/pptx/StandiesBrandAmbassador.pptx
@@ -4105,7 +4105,7 @@
                 </a:solidFill>
                 <a:latin typeface="Oxygen" panose="02000503000000000000" pitchFamily="2" charset="0"/>
               </a:rPr>
-              <a:t>Artificial Intelligence, Robotics, Coding - III - XII</a:t>
+              <a:t>Artificial Intelligence, Robotics – Class III - XII</a:t>
             </a:r>
           </a:p>
           <a:p>
@@ -5800,8 +5800,8 @@
         </p:nvSpPr>
         <p:spPr>
           <a:xfrm>
-            <a:off x="37110" y="32293068"/>
-            <a:ext cx="25507765" cy="13342114"/>
+            <a:off x="37110" y="32341194"/>
+            <a:ext cx="25507765" cy="13080504"/>
           </a:xfrm>
           <a:prstGeom prst="rect">
             <a:avLst/>
@@ -5820,13 +5820,13 @@
               </a:lnSpc>
             </a:pPr>
             <a:r>
-              <a:rPr lang="en-US" sz="9800" b="1" cap="small" dirty="0">
+              <a:rPr lang="en-US" sz="9600" b="1" cap="small" dirty="0">
                 <a:solidFill>
                   <a:srgbClr val="C00000"/>
                 </a:solidFill>
                 <a:latin typeface="Oxygen" panose="02000503000000000000" pitchFamily="2" charset="0"/>
               </a:rPr>
-              <a:t>Artificial Intelligence ICSE/CBSE/WB III-XII</a:t>
+              <a:t>Artificial Intelligence, Robotics - Class III-XII</a:t>
             </a:r>
           </a:p>
           <a:p>
@@ -5840,18 +5840,7 @@
                 </a:solidFill>
                 <a:latin typeface="Oxygen" panose="02000503000000000000" pitchFamily="2" charset="0"/>
               </a:rPr>
-              <a:t>Professional AI &amp; IT Training and Projects </a:t>
-            </a:r>
-            <a:r>
-              <a:rPr lang="en-US" sz="9600" b="1" cap="small" dirty="0">
-                <a:solidFill>
-                  <a:schemeClr val="accent1">
-                    <a:lumMod val="75000"/>
-                  </a:schemeClr>
-                </a:solidFill>
-                <a:latin typeface="Oxygen" panose="02000503000000000000" pitchFamily="2" charset="0"/>
-              </a:rPr>
-              <a:t>Data Science, </a:t>
+              <a:t>Professional AI &amp; IT Training &amp; Projects </a:t>
             </a:r>
             <a:r>
               <a:rPr lang="en-US" sz="8400" b="1" cap="small" dirty="0">
@@ -5862,7 +5851,7 @@
                 </a:solidFill>
                 <a:latin typeface="Oxygen" panose="02000503000000000000" pitchFamily="2" charset="0"/>
               </a:rPr>
-              <a:t>Comp Vision, NLP, DSP</a:t>
+              <a:t>Data Science, Computer Vision, NLP, DSP</a:t>
             </a:r>
           </a:p>
           <a:p>
@@ -5918,7 +5907,7 @@
                 </a:solidFill>
                 <a:latin typeface="Oxygen" panose="02000503000000000000" pitchFamily="2" charset="0"/>
               </a:rPr>
-              <a:t>Database, NoSQL, Cyber Sec, Automation Test</a:t>
+              <a:t>Database, Firebase, Cyber Sec, Automation Test</a:t>
             </a:r>
           </a:p>
           <a:p>

--- a/Offline/Marketing/MarketingArtworks/pptx/StandiesBrandAmbassador.pptx
+++ b/Offline/Marketing/MarketingArtworks/pptx/StandiesBrandAmbassador.pptx
@@ -6,7 +6,7 @@
   </p:sldMasterIdLst>
   <p:sldIdLst>
     <p:sldId id="256" r:id="rId2"/>
-    <p:sldId id="258" r:id="rId3"/>
+    <p:sldId id="260" r:id="rId3"/>
   </p:sldIdLst>
   <p:sldSz cx="25603200" cy="51206400"/>
   <p:notesSz cx="6858000" cy="9144000"/>
@@ -244,7 +244,7 @@
           <a:p>
             <a:fld id="{E3759604-EFD2-4C79-BE13-E71CA39EA512}" type="datetimeFigureOut">
               <a:rPr lang="en-US" smtClean="0"/>
-              <a:t>8/11/2023</a:t>
+              <a:t>8/13/2023</a:t>
             </a:fld>
             <a:endParaRPr lang="en-US"/>
           </a:p>
@@ -414,7 +414,7 @@
           <a:p>
             <a:fld id="{E3759604-EFD2-4C79-BE13-E71CA39EA512}" type="datetimeFigureOut">
               <a:rPr lang="en-US" smtClean="0"/>
-              <a:t>8/11/2023</a:t>
+              <a:t>8/13/2023</a:t>
             </a:fld>
             <a:endParaRPr lang="en-US"/>
           </a:p>
@@ -594,7 +594,7 @@
           <a:p>
             <a:fld id="{E3759604-EFD2-4C79-BE13-E71CA39EA512}" type="datetimeFigureOut">
               <a:rPr lang="en-US" smtClean="0"/>
-              <a:t>8/11/2023</a:t>
+              <a:t>8/13/2023</a:t>
             </a:fld>
             <a:endParaRPr lang="en-US"/>
           </a:p>
@@ -764,7 +764,7 @@
           <a:p>
             <a:fld id="{E3759604-EFD2-4C79-BE13-E71CA39EA512}" type="datetimeFigureOut">
               <a:rPr lang="en-US" smtClean="0"/>
-              <a:t>8/11/2023</a:t>
+              <a:t>8/13/2023</a:t>
             </a:fld>
             <a:endParaRPr lang="en-US"/>
           </a:p>
@@ -1008,7 +1008,7 @@
           <a:p>
             <a:fld id="{E3759604-EFD2-4C79-BE13-E71CA39EA512}" type="datetimeFigureOut">
               <a:rPr lang="en-US" smtClean="0"/>
-              <a:t>8/11/2023</a:t>
+              <a:t>8/13/2023</a:t>
             </a:fld>
             <a:endParaRPr lang="en-US"/>
           </a:p>
@@ -1240,7 +1240,7 @@
           <a:p>
             <a:fld id="{E3759604-EFD2-4C79-BE13-E71CA39EA512}" type="datetimeFigureOut">
               <a:rPr lang="en-US" smtClean="0"/>
-              <a:t>8/11/2023</a:t>
+              <a:t>8/13/2023</a:t>
             </a:fld>
             <a:endParaRPr lang="en-US"/>
           </a:p>
@@ -1607,7 +1607,7 @@
           <a:p>
             <a:fld id="{E3759604-EFD2-4C79-BE13-E71CA39EA512}" type="datetimeFigureOut">
               <a:rPr lang="en-US" smtClean="0"/>
-              <a:t>8/11/2023</a:t>
+              <a:t>8/13/2023</a:t>
             </a:fld>
             <a:endParaRPr lang="en-US"/>
           </a:p>
@@ -1725,7 +1725,7 @@
           <a:p>
             <a:fld id="{E3759604-EFD2-4C79-BE13-E71CA39EA512}" type="datetimeFigureOut">
               <a:rPr lang="en-US" smtClean="0"/>
-              <a:t>8/11/2023</a:t>
+              <a:t>8/13/2023</a:t>
             </a:fld>
             <a:endParaRPr lang="en-US"/>
           </a:p>
@@ -1820,7 +1820,7 @@
           <a:p>
             <a:fld id="{E3759604-EFD2-4C79-BE13-E71CA39EA512}" type="datetimeFigureOut">
               <a:rPr lang="en-US" smtClean="0"/>
-              <a:t>8/11/2023</a:t>
+              <a:t>8/13/2023</a:t>
             </a:fld>
             <a:endParaRPr lang="en-US"/>
           </a:p>
@@ -2097,7 +2097,7 @@
           <a:p>
             <a:fld id="{E3759604-EFD2-4C79-BE13-E71CA39EA512}" type="datetimeFigureOut">
               <a:rPr lang="en-US" smtClean="0"/>
-              <a:t>8/11/2023</a:t>
+              <a:t>8/13/2023</a:t>
             </a:fld>
             <a:endParaRPr lang="en-US"/>
           </a:p>
@@ -2354,7 +2354,7 @@
           <a:p>
             <a:fld id="{E3759604-EFD2-4C79-BE13-E71CA39EA512}" type="datetimeFigureOut">
               <a:rPr lang="en-US" smtClean="0"/>
-              <a:t>8/11/2023</a:t>
+              <a:t>8/13/2023</a:t>
             </a:fld>
             <a:endParaRPr lang="en-US"/>
           </a:p>
@@ -2567,7 +2567,7 @@
           <a:p>
             <a:fld id="{E3759604-EFD2-4C79-BE13-E71CA39EA512}" type="datetimeFigureOut">
               <a:rPr lang="en-US" smtClean="0"/>
-              <a:t>8/11/2023</a:t>
+              <a:t>8/13/2023</a:t>
             </a:fld>
             <a:endParaRPr lang="en-US"/>
           </a:p>
@@ -2974,10 +2974,10 @@
       </p:grpSpPr>
       <p:pic>
         <p:nvPicPr>
-          <p:cNvPr id="4" name="Picture 3">
+          <p:cNvPr id="3" name="Picture 2">
             <a:extLst>
               <a:ext uri="{FF2B5EF4-FFF2-40B4-BE49-F238E27FC236}">
-                <a16:creationId xmlns:a16="http://schemas.microsoft.com/office/drawing/2014/main" id="{63E5B9F4-C828-452F-C751-5F9AF64C2AE9}"/>
+                <a16:creationId xmlns:a16="http://schemas.microsoft.com/office/drawing/2014/main" id="{A0852169-4E8E-EAEE-95DF-FFD9B43012D9}"/>
               </a:ext>
             </a:extLst>
           </p:cNvPr>
@@ -2994,8 +2994,8 @@
         </p:blipFill>
         <p:spPr>
           <a:xfrm>
-            <a:off x="6939" y="22989"/>
-            <a:ext cx="25603742" cy="24718388"/>
+            <a:off x="6939" y="7452"/>
+            <a:ext cx="25603742" cy="25238696"/>
           </a:xfrm>
           <a:prstGeom prst="rect">
             <a:avLst/>
@@ -3004,10 +3004,10 @@
       </p:pic>
       <p:pic>
         <p:nvPicPr>
-          <p:cNvPr id="27" name="Picture 26">
+          <p:cNvPr id="7" name="Picture 6">
             <a:extLst>
               <a:ext uri="{FF2B5EF4-FFF2-40B4-BE49-F238E27FC236}">
-                <a16:creationId xmlns:a16="http://schemas.microsoft.com/office/drawing/2014/main" id="{630F8093-DFCD-9C8F-163E-96E19BF8676A}"/>
+                <a16:creationId xmlns:a16="http://schemas.microsoft.com/office/drawing/2014/main" id="{726F4114-8941-0FA2-23E7-41493C9A4BE2}"/>
               </a:ext>
             </a:extLst>
           </p:cNvPr>
@@ -3030,7 +3030,7 @@
         </p:blipFill>
         <p:spPr>
           <a:xfrm>
-            <a:off x="12590209" y="11890044"/>
+            <a:off x="12599071" y="12383866"/>
             <a:ext cx="13006052" cy="19304211"/>
           </a:xfrm>
           <a:prstGeom prst="rect">
@@ -3040,10 +3040,199 @@
       </p:pic>
       <p:sp>
         <p:nvSpPr>
-          <p:cNvPr id="23" name="Rectangle 22">
+          <p:cNvPr id="10" name="TextBox 9">
             <a:extLst>
               <a:ext uri="{FF2B5EF4-FFF2-40B4-BE49-F238E27FC236}">
-                <a16:creationId xmlns:a16="http://schemas.microsoft.com/office/drawing/2014/main" id="{F104C451-B23D-3708-A7DB-CDA181369D79}"/>
+                <a16:creationId xmlns:a16="http://schemas.microsoft.com/office/drawing/2014/main" id="{FEF25012-2796-0A43-F190-B28C98BBB81F}"/>
+              </a:ext>
+            </a:extLst>
+          </p:cNvPr>
+          <p:cNvSpPr txBox="1"/>
+          <p:nvPr/>
+        </p:nvSpPr>
+        <p:spPr>
+          <a:xfrm>
+            <a:off x="3278956" y="10676299"/>
+            <a:ext cx="9555039" cy="1446550"/>
+          </a:xfrm>
+          <a:prstGeom prst="rect">
+            <a:avLst/>
+          </a:prstGeom>
+          <a:noFill/>
+        </p:spPr>
+        <p:txBody>
+          <a:bodyPr wrap="square" rtlCol="0">
+            <a:spAutoFit/>
+          </a:bodyPr>
+          <a:lstStyle/>
+          <a:p>
+            <a:pPr algn="ctr"/>
+            <a:r>
+              <a:rPr lang="en-US" sz="8800" b="1" cap="small" dirty="0">
+                <a:ln w="6600">
+                  <a:solidFill>
+                    <a:srgbClr val="C00000"/>
+                  </a:solidFill>
+                  <a:prstDash val="solid"/>
+                </a:ln>
+                <a:solidFill>
+                  <a:srgbClr val="C00000"/>
+                </a:solidFill>
+                <a:effectLst>
+                  <a:glow>
+                    <a:srgbClr val="C00000">
+                      <a:alpha val="40000"/>
+                    </a:srgbClr>
+                  </a:glow>
+                  <a:outerShdw dist="38100" dir="5400000" sy="-20000" rotWithShape="0">
+                    <a:prstClr val="black">
+                      <a:alpha val="0"/>
+                    </a:prstClr>
+                  </a:outerShdw>
+                </a:effectLst>
+                <a:latin typeface="Oxygen" panose="02000503000000000000" pitchFamily="2" charset="0"/>
+              </a:rPr>
+              <a:t>Coaching Classes</a:t>
+            </a:r>
+            <a:endParaRPr lang="en-AU" sz="8800" b="1" cap="small" dirty="0">
+              <a:ln w="6600">
+                <a:solidFill>
+                  <a:srgbClr val="C00000"/>
+                </a:solidFill>
+                <a:prstDash val="solid"/>
+              </a:ln>
+              <a:solidFill>
+                <a:srgbClr val="C00000"/>
+              </a:solidFill>
+              <a:effectLst>
+                <a:glow>
+                  <a:srgbClr val="C00000">
+                    <a:alpha val="40000"/>
+                  </a:srgbClr>
+                </a:glow>
+                <a:outerShdw dist="38100" dir="5400000" sy="-20000" rotWithShape="0">
+                  <a:prstClr val="black">
+                    <a:alpha val="0"/>
+                  </a:prstClr>
+                </a:outerShdw>
+              </a:effectLst>
+              <a:latin typeface="Oxygen" panose="02000503000000000000" pitchFamily="2" charset="0"/>
+            </a:endParaRPr>
+          </a:p>
+        </p:txBody>
+      </p:sp>
+      <p:sp>
+        <p:nvSpPr>
+          <p:cNvPr id="11" name="TextBox 10">
+            <a:extLst>
+              <a:ext uri="{FF2B5EF4-FFF2-40B4-BE49-F238E27FC236}">
+                <a16:creationId xmlns:a16="http://schemas.microsoft.com/office/drawing/2014/main" id="{B5164CE8-6055-5FA3-AB9E-6FE90A7678D9}"/>
+              </a:ext>
+            </a:extLst>
+          </p:cNvPr>
+          <p:cNvSpPr txBox="1"/>
+          <p:nvPr/>
+        </p:nvSpPr>
+        <p:spPr>
+          <a:xfrm>
+            <a:off x="3298480" y="12168283"/>
+            <a:ext cx="19106561" cy="1015663"/>
+          </a:xfrm>
+          <a:prstGeom prst="rect">
+            <a:avLst/>
+          </a:prstGeom>
+          <a:noFill/>
+        </p:spPr>
+        <p:txBody>
+          <a:bodyPr wrap="square">
+            <a:spAutoFit/>
+          </a:bodyPr>
+          <a:lstStyle/>
+          <a:p>
+            <a:pPr algn="ctr"/>
+            <a:r>
+              <a:rPr lang="en-US" sz="6000" b="1" cap="small" dirty="0">
+                <a:ln w="6600">
+                  <a:solidFill>
+                    <a:srgbClr val="C00000"/>
+                  </a:solidFill>
+                  <a:prstDash val="solid"/>
+                </a:ln>
+                <a:solidFill>
+                  <a:srgbClr val="C00000"/>
+                </a:solidFill>
+                <a:effectLst>
+                  <a:glow>
+                    <a:srgbClr val="C00000">
+                      <a:alpha val="40000"/>
+                    </a:srgbClr>
+                  </a:glow>
+                  <a:outerShdw dist="38100" dir="5400000" sy="-20000" rotWithShape="0">
+                    <a:prstClr val="black">
+                      <a:alpha val="0"/>
+                    </a:prstClr>
+                  </a:outerShdw>
+                </a:effectLst>
+                <a:latin typeface="Oxygen" panose="02000503000000000000" pitchFamily="2" charset="0"/>
+              </a:rPr>
+              <a:t>N-1/25 Patuli, Kol 94, Near Fire Brigade &amp; Krisi Vikas</a:t>
+            </a:r>
+          </a:p>
+        </p:txBody>
+      </p:sp>
+      <p:pic>
+        <p:nvPicPr>
+          <p:cNvPr id="12" name="Picture 14" descr="Whatsapp Icon PNGs for Free Download">
+            <a:extLst>
+              <a:ext uri="{FF2B5EF4-FFF2-40B4-BE49-F238E27FC236}">
+                <a16:creationId xmlns:a16="http://schemas.microsoft.com/office/drawing/2014/main" id="{BBC43143-1BFD-5123-9303-A159B0546338}"/>
+              </a:ext>
+            </a:extLst>
+          </p:cNvPr>
+          <p:cNvPicPr>
+            <a:picLocks noChangeAspect="1" noChangeArrowheads="1"/>
+          </p:cNvPicPr>
+          <p:nvPr/>
+        </p:nvPicPr>
+        <p:blipFill>
+          <a:blip r:embed="rId4" cstate="print">
+            <a:extLst>
+              <a:ext uri="{28A0092B-C50C-407E-A947-70E740481C1C}">
+                <a14:useLocalDpi xmlns:a14="http://schemas.microsoft.com/office/drawing/2010/main" val="0"/>
+              </a:ext>
+            </a:extLst>
+          </a:blip>
+          <a:srcRect/>
+          <a:stretch>
+            <a:fillRect/>
+          </a:stretch>
+        </p:blipFill>
+        <p:spPr bwMode="auto">
+          <a:xfrm>
+            <a:off x="21534635" y="11040522"/>
+            <a:ext cx="1046991" cy="1046991"/>
+          </a:xfrm>
+          <a:prstGeom prst="rect">
+            <a:avLst/>
+          </a:prstGeom>
+          <a:noFill/>
+          <a:extLst>
+            <a:ext uri="{909E8E84-426E-40DD-AFC4-6F175D3DCCD1}">
+              <a14:hiddenFill xmlns:a14="http://schemas.microsoft.com/office/drawing/2010/main">
+                <a:solidFill>
+                  <a:srgbClr val="FFFFFF"/>
+                </a:solidFill>
+              </a14:hiddenFill>
+            </a:ext>
+          </a:extLst>
+        </p:spPr>
+      </p:pic>
+      <p:sp>
+        <p:nvSpPr>
+          <p:cNvPr id="14" name="Rectangle 13">
+            <a:extLst>
+              <a:ext uri="{FF2B5EF4-FFF2-40B4-BE49-F238E27FC236}">
+                <a16:creationId xmlns:a16="http://schemas.microsoft.com/office/drawing/2014/main" id="{B2FDB65B-CDD0-39C6-7BDA-3FF61CCD4AFF}"/>
               </a:ext>
             </a:extLst>
           </p:cNvPr>
@@ -3052,8 +3241,177 @@
         </p:nvSpPr>
         <p:spPr>
           <a:xfrm>
-            <a:off x="-542" y="48077702"/>
-            <a:ext cx="25603742" cy="3128698"/>
+            <a:off x="13457671" y="10457169"/>
+            <a:ext cx="8984380" cy="1707262"/>
+          </a:xfrm>
+          <a:prstGeom prst="rect">
+            <a:avLst/>
+          </a:prstGeom>
+        </p:spPr>
+        <p:txBody>
+          <a:bodyPr wrap="square">
+            <a:spAutoFit/>
+          </a:bodyPr>
+          <a:lstStyle/>
+          <a:p>
+            <a:pPr algn="ctr">
+              <a:lnSpc>
+                <a:spcPct val="150000"/>
+              </a:lnSpc>
+            </a:pPr>
+            <a:r>
+              <a:rPr lang="en-US" sz="8000" b="1" cap="small" dirty="0">
+                <a:ln w="6600">
+                  <a:solidFill>
+                    <a:srgbClr val="C00000"/>
+                  </a:solidFill>
+                  <a:prstDash val="solid"/>
+                </a:ln>
+                <a:solidFill>
+                  <a:srgbClr val="C00000"/>
+                </a:solidFill>
+                <a:effectLst>
+                  <a:glow>
+                    <a:srgbClr val="C00000">
+                      <a:alpha val="40000"/>
+                    </a:srgbClr>
+                  </a:glow>
+                  <a:outerShdw dist="38100" dir="5400000" sy="-20000" rotWithShape="0">
+                    <a:prstClr val="black">
+                      <a:alpha val="0"/>
+                    </a:prstClr>
+                  </a:outerShdw>
+                </a:effectLst>
+                <a:latin typeface="Oxygen" panose="02000503000000000000" pitchFamily="2" charset="0"/>
+              </a:rPr>
+              <a:t>9073 700094</a:t>
+            </a:r>
+            <a:endParaRPr lang="en-AU" sz="8000" b="1" cap="small" dirty="0">
+              <a:ln w="6600">
+                <a:solidFill>
+                  <a:srgbClr val="C00000"/>
+                </a:solidFill>
+                <a:prstDash val="solid"/>
+              </a:ln>
+              <a:solidFill>
+                <a:srgbClr val="C00000"/>
+              </a:solidFill>
+              <a:effectLst>
+                <a:glow>
+                  <a:srgbClr val="C00000">
+                    <a:alpha val="40000"/>
+                  </a:srgbClr>
+                </a:glow>
+                <a:outerShdw dist="38100" dir="5400000" sy="-20000" rotWithShape="0">
+                  <a:prstClr val="black">
+                    <a:alpha val="0"/>
+                  </a:prstClr>
+                </a:outerShdw>
+              </a:effectLst>
+              <a:latin typeface="Oxygen" panose="02000503000000000000" pitchFamily="2" charset="0"/>
+            </a:endParaRPr>
+          </a:p>
+        </p:txBody>
+      </p:sp>
+      <p:pic>
+        <p:nvPicPr>
+          <p:cNvPr id="15" name="Picture 18" descr="Page 2 | Phone Icon Png Images - Free Download on Freepik">
+            <a:extLst>
+              <a:ext uri="{FF2B5EF4-FFF2-40B4-BE49-F238E27FC236}">
+                <a16:creationId xmlns:a16="http://schemas.microsoft.com/office/drawing/2014/main" id="{13BD54E0-B5DB-A73C-1A84-3DAC7E98000C}"/>
+              </a:ext>
+            </a:extLst>
+          </p:cNvPr>
+          <p:cNvPicPr>
+            <a:picLocks noChangeAspect="1" noChangeArrowheads="1"/>
+          </p:cNvPicPr>
+          <p:nvPr/>
+        </p:nvPicPr>
+        <p:blipFill>
+          <a:blip r:embed="rId5" cstate="print">
+            <a:extLst>
+              <a:ext uri="{28A0092B-C50C-407E-A947-70E740481C1C}">
+                <a14:useLocalDpi xmlns:a14="http://schemas.microsoft.com/office/drawing/2010/main" val="0"/>
+              </a:ext>
+            </a:extLst>
+          </a:blip>
+          <a:srcRect/>
+          <a:stretch>
+            <a:fillRect/>
+          </a:stretch>
+        </p:blipFill>
+        <p:spPr bwMode="auto">
+          <a:xfrm>
+            <a:off x="13556459" y="11014376"/>
+            <a:ext cx="964851" cy="964851"/>
+          </a:xfrm>
+          <a:prstGeom prst="rect">
+            <a:avLst/>
+          </a:prstGeom>
+          <a:noFill/>
+          <a:extLst>
+            <a:ext uri="{909E8E84-426E-40DD-AFC4-6F175D3DCCD1}">
+              <a14:hiddenFill xmlns:a14="http://schemas.microsoft.com/office/drawing/2010/main">
+                <a:solidFill>
+                  <a:srgbClr val="FFFFFF"/>
+                </a:solidFill>
+              </a14:hiddenFill>
+            </a:ext>
+          </a:extLst>
+        </p:spPr>
+      </p:pic>
+      <p:pic>
+        <p:nvPicPr>
+          <p:cNvPr id="16" name="Picture 15">
+            <a:extLst>
+              <a:ext uri="{FF2B5EF4-FFF2-40B4-BE49-F238E27FC236}">
+                <a16:creationId xmlns:a16="http://schemas.microsoft.com/office/drawing/2014/main" id="{4A6D219C-8E9F-92E9-01F9-875297BF7169}"/>
+              </a:ext>
+            </a:extLst>
+          </p:cNvPr>
+          <p:cNvPicPr>
+            <a:picLocks noChangeAspect="1"/>
+          </p:cNvPicPr>
+          <p:nvPr/>
+        </p:nvPicPr>
+        <p:blipFill>
+          <a:blip r:embed="rId6">
+            <a:extLst>
+              <a:ext uri="{28A0092B-C50C-407E-A947-70E740481C1C}">
+                <a14:useLocalDpi xmlns:a14="http://schemas.microsoft.com/office/drawing/2010/main" val="0"/>
+              </a:ext>
+            </a:extLst>
+          </a:blip>
+          <a:stretch>
+            <a:fillRect/>
+          </a:stretch>
+        </p:blipFill>
+        <p:spPr>
+          <a:xfrm>
+            <a:off x="3475065" y="655247"/>
+            <a:ext cx="19106561" cy="9280333"/>
+          </a:xfrm>
+          <a:prstGeom prst="rect">
+            <a:avLst/>
+          </a:prstGeom>
+        </p:spPr>
+      </p:pic>
+      <p:sp>
+        <p:nvSpPr>
+          <p:cNvPr id="48" name="Rectangle 47">
+            <a:extLst>
+              <a:ext uri="{FF2B5EF4-FFF2-40B4-BE49-F238E27FC236}">
+                <a16:creationId xmlns:a16="http://schemas.microsoft.com/office/drawing/2014/main" id="{0A0D93F2-9FEC-AC3E-8F24-DB63286BF467}"/>
+              </a:ext>
+            </a:extLst>
+          </p:cNvPr>
+          <p:cNvSpPr/>
+          <p:nvPr/>
+        </p:nvSpPr>
+        <p:spPr>
+          <a:xfrm>
+            <a:off x="-542" y="49759272"/>
+            <a:ext cx="25603742" cy="1399970"/>
           </a:xfrm>
           <a:prstGeom prst="rect">
             <a:avLst/>
@@ -3117,120 +3475,26 @@
           </a:p>
         </p:txBody>
       </p:sp>
-      <p:pic>
-        <p:nvPicPr>
-          <p:cNvPr id="32" name="Picture 10" descr="New Instagram Logo PNG Images 2023">
+      <p:sp>
+        <p:nvSpPr>
+          <p:cNvPr id="50" name="Rectangle 49">
             <a:extLst>
               <a:ext uri="{FF2B5EF4-FFF2-40B4-BE49-F238E27FC236}">
-                <a16:creationId xmlns:a16="http://schemas.microsoft.com/office/drawing/2014/main" id="{2A975E25-B8BA-7B3A-B880-6D50462A7181}"/>
+                <a16:creationId xmlns:a16="http://schemas.microsoft.com/office/drawing/2014/main" id="{E8CA54F8-9014-8F2D-032A-56C6F6989BC5}"/>
               </a:ext>
             </a:extLst>
           </p:cNvPr>
-          <p:cNvPicPr>
-            <a:picLocks noChangeAspect="1" noChangeArrowheads="1"/>
-          </p:cNvPicPr>
+          <p:cNvSpPr/>
           <p:nvPr/>
-        </p:nvPicPr>
-        <p:blipFill>
-          <a:blip r:embed="rId4" cstate="print">
-            <a:extLst>
-              <a:ext uri="{28A0092B-C50C-407E-A947-70E740481C1C}">
-                <a14:useLocalDpi xmlns:a14="http://schemas.microsoft.com/office/drawing/2010/main" val="0"/>
-              </a:ext>
-            </a:extLst>
-          </a:blip>
-          <a:srcRect/>
-          <a:stretch>
-            <a:fillRect/>
-          </a:stretch>
-        </p:blipFill>
-        <p:spPr bwMode="auto">
-          <a:xfrm>
-            <a:off x="3347233" y="49174192"/>
-            <a:ext cx="1790429" cy="1790429"/>
+        </p:nvSpPr>
+        <p:spPr>
+          <a:xfrm>
+            <a:off x="5769414" y="50256056"/>
+            <a:ext cx="14214148" cy="830997"/>
           </a:xfrm>
           <a:prstGeom prst="rect">
             <a:avLst/>
           </a:prstGeom>
-          <a:noFill/>
-          <a:extLst>
-            <a:ext uri="{909E8E84-426E-40DD-AFC4-6F175D3DCCD1}">
-              <a14:hiddenFill xmlns:a14="http://schemas.microsoft.com/office/drawing/2010/main">
-                <a:solidFill>
-                  <a:srgbClr val="FFFFFF"/>
-                </a:solidFill>
-              </a14:hiddenFill>
-            </a:ext>
-          </a:extLst>
-        </p:spPr>
-      </p:pic>
-      <p:pic>
-        <p:nvPicPr>
-          <p:cNvPr id="34" name="Picture 16" descr="Linkedin logo png, Linkedin icon transparent png 18930587 PNG">
-            <a:extLst>
-              <a:ext uri="{FF2B5EF4-FFF2-40B4-BE49-F238E27FC236}">
-                <a16:creationId xmlns:a16="http://schemas.microsoft.com/office/drawing/2014/main" id="{3384B965-D3AF-BA2B-55AE-3685B94C1BA4}"/>
-              </a:ext>
-            </a:extLst>
-          </p:cNvPr>
-          <p:cNvPicPr>
-            <a:picLocks noChangeAspect="1" noChangeArrowheads="1"/>
-          </p:cNvPicPr>
-          <p:nvPr/>
-        </p:nvPicPr>
-        <p:blipFill>
-          <a:blip r:embed="rId5" cstate="print">
-            <a:extLst>
-              <a:ext uri="{28A0092B-C50C-407E-A947-70E740481C1C}">
-                <a14:useLocalDpi xmlns:a14="http://schemas.microsoft.com/office/drawing/2010/main" val="0"/>
-              </a:ext>
-            </a:extLst>
-          </a:blip>
-          <a:srcRect/>
-          <a:stretch>
-            <a:fillRect/>
-          </a:stretch>
-        </p:blipFill>
-        <p:spPr bwMode="auto">
-          <a:xfrm>
-            <a:off x="271390" y="48505058"/>
-            <a:ext cx="3128698" cy="3128698"/>
-          </a:xfrm>
-          <a:prstGeom prst="rect">
-            <a:avLst/>
-          </a:prstGeom>
-          <a:noFill/>
-          <a:extLst>
-            <a:ext uri="{909E8E84-426E-40DD-AFC4-6F175D3DCCD1}">
-              <a14:hiddenFill xmlns:a14="http://schemas.microsoft.com/office/drawing/2010/main">
-                <a:solidFill>
-                  <a:srgbClr val="FFFFFF"/>
-                </a:solidFill>
-              </a14:hiddenFill>
-            </a:ext>
-          </a:extLst>
-        </p:spPr>
-      </p:pic>
-      <p:sp>
-        <p:nvSpPr>
-          <p:cNvPr id="36" name="Rectangle 35">
-            <a:extLst>
-              <a:ext uri="{FF2B5EF4-FFF2-40B4-BE49-F238E27FC236}">
-                <a16:creationId xmlns:a16="http://schemas.microsoft.com/office/drawing/2014/main" id="{4E84058A-D644-5914-179D-A788DC9083CC}"/>
-              </a:ext>
-            </a:extLst>
-          </p:cNvPr>
-          <p:cNvSpPr/>
-          <p:nvPr/>
-        </p:nvSpPr>
-        <p:spPr>
-          <a:xfrm>
-            <a:off x="5667051" y="49526796"/>
-            <a:ext cx="19781377" cy="1200329"/>
-          </a:xfrm>
-          <a:prstGeom prst="rect">
-            <a:avLst/>
-          </a:prstGeom>
         </p:spPr>
         <p:txBody>
           <a:bodyPr wrap="none">
@@ -3238,16 +3502,17 @@
           </a:bodyPr>
           <a:lstStyle/>
           <a:p>
-            <a:r>
-              <a:rPr lang="en-US" sz="7200" b="1" dirty="0">
+            <a:pPr algn="ctr"/>
+            <a:r>
+              <a:rPr lang="en-US" sz="4800" b="1" dirty="0">
                 <a:solidFill>
                   <a:srgbClr val="0000FF"/>
                 </a:solidFill>
                 <a:latin typeface="Oxygen" panose="02000503000000000000" pitchFamily="2" charset="0"/>
               </a:rPr>
-              <a:t>www.anodiam.com || anirban@anodiam.com</a:t>
-            </a:r>
-            <a:endParaRPr lang="en-AU" sz="7200" dirty="0">
+              <a:t>www.anodiam.com    ||    anirban@anodiam.com</a:t>
+            </a:r>
+            <a:endParaRPr lang="en-AU" sz="4800" dirty="0">
               <a:solidFill>
                 <a:srgbClr val="0000FF"/>
               </a:solidFill>
@@ -3255,12 +3520,69 @@
           </a:p>
         </p:txBody>
       </p:sp>
+      <p:sp>
+        <p:nvSpPr>
+          <p:cNvPr id="51" name="TextBox 50">
+            <a:extLst>
+              <a:ext uri="{FF2B5EF4-FFF2-40B4-BE49-F238E27FC236}">
+                <a16:creationId xmlns:a16="http://schemas.microsoft.com/office/drawing/2014/main" id="{F336A432-4B2A-6F80-B6AC-2A59CF2F669B}"/>
+              </a:ext>
+            </a:extLst>
+          </p:cNvPr>
+          <p:cNvSpPr txBox="1"/>
+          <p:nvPr/>
+        </p:nvSpPr>
+        <p:spPr>
+          <a:xfrm>
+            <a:off x="2474" y="46392086"/>
+            <a:ext cx="25603742" cy="2585323"/>
+          </a:xfrm>
+          <a:prstGeom prst="rect">
+            <a:avLst/>
+          </a:prstGeom>
+          <a:noFill/>
+        </p:spPr>
+        <p:txBody>
+          <a:bodyPr wrap="square">
+            <a:spAutoFit/>
+          </a:bodyPr>
+          <a:lstStyle/>
+          <a:p>
+            <a:pPr algn="ctr"/>
+            <a:r>
+              <a:rPr lang="en-US" sz="5400" b="1" cap="small" dirty="0">
+                <a:latin typeface="Oxygen" panose="02000503000000000000" pitchFamily="2" charset="0"/>
+              </a:rPr>
+              <a:t>Finest Teachers, Study Mats, Mock Tests, Doubt Clearing, PTM, Counselling</a:t>
+            </a:r>
+          </a:p>
+          <a:p>
+            <a:pPr algn="ctr"/>
+            <a:r>
+              <a:rPr lang="en-US" sz="5400" b="1" cap="small" dirty="0">
+                <a:latin typeface="Oxygen" panose="02000503000000000000" pitchFamily="2" charset="0"/>
+              </a:rPr>
+              <a:t>20 Smart Classrooms, 400+ Courses, CCTV</a:t>
+            </a:r>
+          </a:p>
+          <a:p>
+            <a:pPr algn="ctr"/>
+            <a:r>
+              <a:rPr lang="en-US" sz="5400" b="1" cap="small" dirty="0">
+                <a:latin typeface="Oxygen" panose="02000503000000000000" pitchFamily="2" charset="0"/>
+              </a:rPr>
+              <a:t>Professional Courses are Proj-Based, Certification Oriented &amp; Career Focused</a:t>
+            </a:r>
+            <a:endParaRPr lang="en-US" sz="5400" dirty="0"/>
+          </a:p>
+        </p:txBody>
+      </p:sp>
       <p:pic>
         <p:nvPicPr>
-          <p:cNvPr id="13" name="Picture 12">
+          <p:cNvPr id="2" name="Picture 1">
             <a:extLst>
               <a:ext uri="{FF2B5EF4-FFF2-40B4-BE49-F238E27FC236}">
-                <a16:creationId xmlns:a16="http://schemas.microsoft.com/office/drawing/2014/main" id="{0B8D66B7-B7EF-A10E-ACF6-180961A64482}"/>
+                <a16:creationId xmlns:a16="http://schemas.microsoft.com/office/drawing/2014/main" id="{29BE11B1-E516-A327-5554-9E07DB7E0A6E}"/>
               </a:ext>
             </a:extLst>
           </p:cNvPr>
@@ -3270,7 +3592,7 @@
           <p:nvPr/>
         </p:nvPicPr>
         <p:blipFill>
-          <a:blip r:embed="rId6">
+          <a:blip r:embed="rId7">
             <a:extLst>
               <a:ext uri="{28A0092B-C50C-407E-A947-70E740481C1C}">
                 <a14:useLocalDpi xmlns:a14="http://schemas.microsoft.com/office/drawing/2010/main" val="0"/>
@@ -3282,9 +3604,9 @@
           </a:stretch>
         </p:blipFill>
         <p:spPr>
-          <a:xfrm>
-            <a:off x="3237713" y="557926"/>
-            <a:ext cx="19106561" cy="9280333"/>
+          <a:xfrm rot="21440353">
+            <a:off x="14514854" y="20666475"/>
+            <a:ext cx="1197356" cy="1131942"/>
           </a:xfrm>
           <a:prstGeom prst="rect">
             <a:avLst/>
@@ -3293,199 +3615,10 @@
       </p:pic>
       <p:sp>
         <p:nvSpPr>
-          <p:cNvPr id="37" name="TextBox 36">
+          <p:cNvPr id="4" name="32-Point Star 20">
             <a:extLst>
               <a:ext uri="{FF2B5EF4-FFF2-40B4-BE49-F238E27FC236}">
-                <a16:creationId xmlns:a16="http://schemas.microsoft.com/office/drawing/2014/main" id="{D8F4ED22-01EC-7429-671A-220A0C689694}"/>
-              </a:ext>
-            </a:extLst>
-          </p:cNvPr>
-          <p:cNvSpPr txBox="1"/>
-          <p:nvPr/>
-        </p:nvSpPr>
-        <p:spPr>
-          <a:xfrm>
-            <a:off x="3278955" y="9957918"/>
-            <a:ext cx="9555039" cy="1446550"/>
-          </a:xfrm>
-          <a:prstGeom prst="rect">
-            <a:avLst/>
-          </a:prstGeom>
-          <a:noFill/>
-        </p:spPr>
-        <p:txBody>
-          <a:bodyPr wrap="square" rtlCol="0">
-            <a:spAutoFit/>
-          </a:bodyPr>
-          <a:lstStyle/>
-          <a:p>
-            <a:pPr algn="ctr"/>
-            <a:r>
-              <a:rPr lang="en-US" sz="8800" b="1" cap="small" dirty="0">
-                <a:ln w="6600">
-                  <a:solidFill>
-                    <a:srgbClr val="C00000"/>
-                  </a:solidFill>
-                  <a:prstDash val="solid"/>
-                </a:ln>
-                <a:solidFill>
-                  <a:srgbClr val="C00000"/>
-                </a:solidFill>
-                <a:effectLst>
-                  <a:glow rad="50800">
-                    <a:srgbClr val="C00000">
-                      <a:alpha val="40000"/>
-                    </a:srgbClr>
-                  </a:glow>
-                  <a:outerShdw dist="38100" dir="5400000" sy="-20000" rotWithShape="0">
-                    <a:prstClr val="black">
-                      <a:alpha val="0"/>
-                    </a:prstClr>
-                  </a:outerShdw>
-                </a:effectLst>
-                <a:latin typeface="Oxygen" panose="02000503000000000000" pitchFamily="2" charset="0"/>
-              </a:rPr>
-              <a:t>Coaching Classes</a:t>
-            </a:r>
-            <a:endParaRPr lang="en-AU" sz="8800" b="1" cap="small" dirty="0">
-              <a:ln w="6600">
-                <a:solidFill>
-                  <a:srgbClr val="C00000"/>
-                </a:solidFill>
-                <a:prstDash val="solid"/>
-              </a:ln>
-              <a:solidFill>
-                <a:srgbClr val="C00000"/>
-              </a:solidFill>
-              <a:effectLst>
-                <a:glow rad="50800">
-                  <a:srgbClr val="C00000">
-                    <a:alpha val="40000"/>
-                  </a:srgbClr>
-                </a:glow>
-                <a:outerShdw dist="38100" dir="5400000" sy="-20000" rotWithShape="0">
-                  <a:prstClr val="black">
-                    <a:alpha val="0"/>
-                  </a:prstClr>
-                </a:outerShdw>
-              </a:effectLst>
-              <a:latin typeface="Oxygen" panose="02000503000000000000" pitchFamily="2" charset="0"/>
-            </a:endParaRPr>
-          </a:p>
-        </p:txBody>
-      </p:sp>
-      <p:sp>
-        <p:nvSpPr>
-          <p:cNvPr id="39" name="TextBox 38">
-            <a:extLst>
-              <a:ext uri="{FF2B5EF4-FFF2-40B4-BE49-F238E27FC236}">
-                <a16:creationId xmlns:a16="http://schemas.microsoft.com/office/drawing/2014/main" id="{F71474C8-D56F-A009-1E43-209F024854AC}"/>
-              </a:ext>
-            </a:extLst>
-          </p:cNvPr>
-          <p:cNvSpPr txBox="1"/>
-          <p:nvPr/>
-        </p:nvSpPr>
-        <p:spPr>
-          <a:xfrm>
-            <a:off x="3298479" y="11449901"/>
-            <a:ext cx="19106561" cy="1015663"/>
-          </a:xfrm>
-          <a:prstGeom prst="rect">
-            <a:avLst/>
-          </a:prstGeom>
-          <a:noFill/>
-        </p:spPr>
-        <p:txBody>
-          <a:bodyPr wrap="square">
-            <a:spAutoFit/>
-          </a:bodyPr>
-          <a:lstStyle/>
-          <a:p>
-            <a:pPr algn="ctr"/>
-            <a:r>
-              <a:rPr lang="en-US" sz="6000" b="1" cap="small" dirty="0">
-                <a:ln w="6600">
-                  <a:solidFill>
-                    <a:srgbClr val="C00000"/>
-                  </a:solidFill>
-                  <a:prstDash val="solid"/>
-                </a:ln>
-                <a:solidFill>
-                  <a:srgbClr val="C00000"/>
-                </a:solidFill>
-                <a:effectLst>
-                  <a:glow>
-                    <a:srgbClr val="C00000">
-                      <a:alpha val="40000"/>
-                    </a:srgbClr>
-                  </a:glow>
-                  <a:outerShdw dist="38100" dir="5400000" sy="-20000" rotWithShape="0">
-                    <a:prstClr val="black">
-                      <a:alpha val="0"/>
-                    </a:prstClr>
-                  </a:outerShdw>
-                </a:effectLst>
-                <a:latin typeface="Oxygen" panose="02000503000000000000" pitchFamily="2" charset="0"/>
-              </a:rPr>
-              <a:t>N-1/25 Patuli, Kol 94, Near Fire Brigade &amp; Krisi Vikas</a:t>
-            </a:r>
-          </a:p>
-        </p:txBody>
-      </p:sp>
-      <p:pic>
-        <p:nvPicPr>
-          <p:cNvPr id="40" name="Picture 14" descr="Whatsapp Icon PNGs for Free Download">
-            <a:extLst>
-              <a:ext uri="{FF2B5EF4-FFF2-40B4-BE49-F238E27FC236}">
-                <a16:creationId xmlns:a16="http://schemas.microsoft.com/office/drawing/2014/main" id="{4614A863-72B5-6D79-5611-3F749E580A6C}"/>
-              </a:ext>
-            </a:extLst>
-          </p:cNvPr>
-          <p:cNvPicPr>
-            <a:picLocks noChangeAspect="1" noChangeArrowheads="1"/>
-          </p:cNvPicPr>
-          <p:nvPr/>
-        </p:nvPicPr>
-        <p:blipFill>
-          <a:blip r:embed="rId7" cstate="print">
-            <a:extLst>
-              <a:ext uri="{28A0092B-C50C-407E-A947-70E740481C1C}">
-                <a14:useLocalDpi xmlns:a14="http://schemas.microsoft.com/office/drawing/2010/main" val="0"/>
-              </a:ext>
-            </a:extLst>
-          </a:blip>
-          <a:srcRect/>
-          <a:stretch>
-            <a:fillRect/>
-          </a:stretch>
-        </p:blipFill>
-        <p:spPr bwMode="auto">
-          <a:xfrm>
-            <a:off x="21534634" y="10322140"/>
-            <a:ext cx="1046991" cy="1046991"/>
-          </a:xfrm>
-          <a:prstGeom prst="rect">
-            <a:avLst/>
-          </a:prstGeom>
-          <a:noFill/>
-          <a:extLst>
-            <a:ext uri="{909E8E84-426E-40DD-AFC4-6F175D3DCCD1}">
-              <a14:hiddenFill xmlns:a14="http://schemas.microsoft.com/office/drawing/2010/main">
-                <a:solidFill>
-                  <a:srgbClr val="FFFFFF"/>
-                </a:solidFill>
-              </a14:hiddenFill>
-            </a:ext>
-          </a:extLst>
-        </p:spPr>
-      </p:pic>
-      <p:sp>
-        <p:nvSpPr>
-          <p:cNvPr id="41" name="Rectangle 40">
-            <a:extLst>
-              <a:ext uri="{FF2B5EF4-FFF2-40B4-BE49-F238E27FC236}">
-                <a16:creationId xmlns:a16="http://schemas.microsoft.com/office/drawing/2014/main" id="{F9D8F186-43FC-19CD-B884-5AEC7E1E6390}"/>
+                <a16:creationId xmlns:a16="http://schemas.microsoft.com/office/drawing/2014/main" id="{874E5768-74C7-409F-056A-421B078E946A}"/>
               </a:ext>
             </a:extLst>
           </p:cNvPr>
@@ -3493,346 +3626,19 @@
           <p:nvPr/>
         </p:nvSpPr>
         <p:spPr>
-          <a:xfrm>
-            <a:off x="13457671" y="9738788"/>
-            <a:ext cx="8984380" cy="1707262"/>
-          </a:xfrm>
-          <a:prstGeom prst="rect">
-            <a:avLst/>
-          </a:prstGeom>
-        </p:spPr>
-        <p:txBody>
-          <a:bodyPr wrap="square">
-            <a:spAutoFit/>
-          </a:bodyPr>
-          <a:lstStyle/>
-          <a:p>
-            <a:pPr algn="ctr">
-              <a:lnSpc>
-                <a:spcPct val="150000"/>
-              </a:lnSpc>
-            </a:pPr>
-            <a:r>
-              <a:rPr lang="en-US" sz="8000" b="1" cap="small" dirty="0">
-                <a:ln w="6600">
-                  <a:solidFill>
-                    <a:srgbClr val="C00000"/>
-                  </a:solidFill>
-                  <a:prstDash val="solid"/>
-                </a:ln>
-                <a:solidFill>
-                  <a:srgbClr val="C00000"/>
-                </a:solidFill>
-                <a:effectLst>
-                  <a:glow rad="63500">
-                    <a:srgbClr val="C00000">
-                      <a:alpha val="40000"/>
-                    </a:srgbClr>
-                  </a:glow>
-                  <a:outerShdw dist="38100" dir="5400000" sy="-20000" rotWithShape="0">
-                    <a:prstClr val="black">
-                      <a:alpha val="0"/>
-                    </a:prstClr>
-                  </a:outerShdw>
-                </a:effectLst>
-                <a:latin typeface="Oxygen" panose="02000503000000000000" pitchFamily="2" charset="0"/>
-              </a:rPr>
-              <a:t>9073 700094</a:t>
-            </a:r>
-            <a:endParaRPr lang="en-AU" sz="8000" b="1" cap="small" dirty="0">
-              <a:ln w="6600">
-                <a:solidFill>
-                  <a:srgbClr val="C00000"/>
-                </a:solidFill>
-                <a:prstDash val="solid"/>
-              </a:ln>
-              <a:solidFill>
-                <a:srgbClr val="C00000"/>
-              </a:solidFill>
-              <a:effectLst>
-                <a:glow rad="63500">
-                  <a:srgbClr val="C00000">
-                    <a:alpha val="40000"/>
-                  </a:srgbClr>
-                </a:glow>
-                <a:outerShdw dist="38100" dir="5400000" sy="-20000" rotWithShape="0">
-                  <a:prstClr val="black">
-                    <a:alpha val="0"/>
-                  </a:prstClr>
-                </a:outerShdw>
-              </a:effectLst>
-              <a:latin typeface="Oxygen" panose="02000503000000000000" pitchFamily="2" charset="0"/>
-            </a:endParaRPr>
-          </a:p>
-        </p:txBody>
-      </p:sp>
-      <p:pic>
-        <p:nvPicPr>
-          <p:cNvPr id="42" name="Picture 18" descr="Page 2 | Phone Icon Png Images - Free Download on Freepik">
-            <a:extLst>
-              <a:ext uri="{FF2B5EF4-FFF2-40B4-BE49-F238E27FC236}">
-                <a16:creationId xmlns:a16="http://schemas.microsoft.com/office/drawing/2014/main" id="{0AE7602C-AB89-8DF9-830B-C813846C2C66}"/>
-              </a:ext>
-            </a:extLst>
-          </p:cNvPr>
-          <p:cNvPicPr>
-            <a:picLocks noChangeAspect="1" noChangeArrowheads="1"/>
-          </p:cNvPicPr>
-          <p:nvPr/>
-        </p:nvPicPr>
-        <p:blipFill>
-          <a:blip r:embed="rId8" cstate="print">
-            <a:extLst>
-              <a:ext uri="{28A0092B-C50C-407E-A947-70E740481C1C}">
-                <a14:useLocalDpi xmlns:a14="http://schemas.microsoft.com/office/drawing/2010/main" val="0"/>
-              </a:ext>
-            </a:extLst>
-          </a:blip>
-          <a:srcRect/>
-          <a:stretch>
-            <a:fillRect/>
-          </a:stretch>
-        </p:blipFill>
-        <p:spPr bwMode="auto">
-          <a:xfrm>
-            <a:off x="13556458" y="10295994"/>
-            <a:ext cx="964851" cy="964851"/>
-          </a:xfrm>
-          <a:prstGeom prst="rect">
-            <a:avLst/>
-          </a:prstGeom>
-          <a:noFill/>
-          <a:extLst>
-            <a:ext uri="{909E8E84-426E-40DD-AFC4-6F175D3DCCD1}">
-              <a14:hiddenFill xmlns:a14="http://schemas.microsoft.com/office/drawing/2010/main">
-                <a:solidFill>
-                  <a:srgbClr val="FFFFFF"/>
-                </a:solidFill>
-              </a14:hiddenFill>
-            </a:ext>
-          </a:extLst>
-        </p:spPr>
-      </p:pic>
-      <p:sp>
-        <p:nvSpPr>
-          <p:cNvPr id="18" name="Rectangle 17">
-            <a:extLst>
-              <a:ext uri="{FF2B5EF4-FFF2-40B4-BE49-F238E27FC236}">
-                <a16:creationId xmlns:a16="http://schemas.microsoft.com/office/drawing/2014/main" id="{57E38920-CFB2-95B6-5E80-A46054D7F0C4}"/>
-              </a:ext>
-            </a:extLst>
-          </p:cNvPr>
-          <p:cNvSpPr/>
-          <p:nvPr/>
-        </p:nvSpPr>
-        <p:spPr>
-          <a:xfrm>
-            <a:off x="15437084" y="31720195"/>
-            <a:ext cx="5877879" cy="1015663"/>
-          </a:xfrm>
-          <a:prstGeom prst="rect">
-            <a:avLst/>
-          </a:prstGeom>
-        </p:spPr>
-        <p:txBody>
-          <a:bodyPr wrap="square">
-            <a:spAutoFit/>
-          </a:bodyPr>
-          <a:lstStyle/>
-          <a:p>
-            <a:r>
-              <a:rPr lang="en-AU" sz="6000" b="1" dirty="0">
-                <a:solidFill>
-                  <a:srgbClr val="002060"/>
-                </a:solidFill>
-                <a:latin typeface="Oxygen" panose="02000503000000000000" pitchFamily="2" charset="0"/>
-              </a:rPr>
-              <a:t>App Download</a:t>
-            </a:r>
-          </a:p>
-        </p:txBody>
-      </p:sp>
-      <p:pic>
-        <p:nvPicPr>
-          <p:cNvPr id="2" name="Picture 2" descr="Download Google Play Icon Royalty-Free Vector Graphic - Pixabay">
-            <a:extLst>
-              <a:ext uri="{FF2B5EF4-FFF2-40B4-BE49-F238E27FC236}">
-                <a16:creationId xmlns:a16="http://schemas.microsoft.com/office/drawing/2014/main" id="{91DDA7FB-AAED-BFBB-67EE-9C06F7C59FD9}"/>
-              </a:ext>
-            </a:extLst>
-          </p:cNvPr>
-          <p:cNvPicPr>
-            <a:picLocks noChangeAspect="1" noChangeArrowheads="1"/>
-          </p:cNvPicPr>
-          <p:nvPr/>
-        </p:nvPicPr>
-        <p:blipFill>
-          <a:blip r:embed="rId9">
-            <a:extLst>
-              <a:ext uri="{28A0092B-C50C-407E-A947-70E740481C1C}">
-                <a14:useLocalDpi xmlns:a14="http://schemas.microsoft.com/office/drawing/2010/main" val="0"/>
-              </a:ext>
-            </a:extLst>
-          </a:blip>
-          <a:srcRect/>
-          <a:stretch>
-            <a:fillRect/>
-          </a:stretch>
-        </p:blipFill>
-        <p:spPr bwMode="auto">
-          <a:xfrm>
-            <a:off x="15853649" y="30256513"/>
-            <a:ext cx="1305272" cy="1463682"/>
-          </a:xfrm>
-          <a:prstGeom prst="rect">
-            <a:avLst/>
-          </a:prstGeom>
-          <a:noFill/>
-          <a:extLst>
-            <a:ext uri="{909E8E84-426E-40DD-AFC4-6F175D3DCCD1}">
-              <a14:hiddenFill xmlns:a14="http://schemas.microsoft.com/office/drawing/2010/main">
-                <a:solidFill>
-                  <a:srgbClr val="FFFFFF"/>
-                </a:solidFill>
-              </a14:hiddenFill>
-            </a:ext>
-          </a:extLst>
-        </p:spPr>
-      </p:pic>
-      <p:pic>
-        <p:nvPicPr>
-          <p:cNvPr id="17" name="Picture 16">
-            <a:extLst>
-              <a:ext uri="{FF2B5EF4-FFF2-40B4-BE49-F238E27FC236}">
-                <a16:creationId xmlns:a16="http://schemas.microsoft.com/office/drawing/2014/main" id="{2A88CD58-A345-2D82-B535-B54DF3C15F5C}"/>
-              </a:ext>
-            </a:extLst>
-          </p:cNvPr>
-          <p:cNvPicPr>
-            <a:picLocks noChangeAspect="1"/>
-          </p:cNvPicPr>
-          <p:nvPr/>
-        </p:nvPicPr>
-        <p:blipFill>
-          <a:blip r:embed="rId10">
-            <a:extLst>
-              <a:ext uri="{28A0092B-C50C-407E-A947-70E740481C1C}">
-                <a14:useLocalDpi xmlns:a14="http://schemas.microsoft.com/office/drawing/2010/main" val="0"/>
-              </a:ext>
-            </a:extLst>
-          </a:blip>
-          <a:stretch>
-            <a:fillRect/>
-          </a:stretch>
-        </p:blipFill>
-        <p:spPr>
-          <a:xfrm rot="21440353">
-            <a:off x="14521841" y="20220469"/>
-            <a:ext cx="1197356" cy="1131942"/>
-          </a:xfrm>
-          <a:prstGeom prst="rect">
-            <a:avLst/>
-          </a:prstGeom>
-        </p:spPr>
-      </p:pic>
-      <p:pic>
-        <p:nvPicPr>
-          <p:cNvPr id="45" name="Picture 44">
-            <a:extLst>
-              <a:ext uri="{FF2B5EF4-FFF2-40B4-BE49-F238E27FC236}">
-                <a16:creationId xmlns:a16="http://schemas.microsoft.com/office/drawing/2014/main" id="{E9BF914C-767B-4A9B-B892-9FE9D722EEE7}"/>
-              </a:ext>
-            </a:extLst>
-          </p:cNvPr>
-          <p:cNvPicPr>
-            <a:picLocks noChangeAspect="1"/>
-          </p:cNvPicPr>
-          <p:nvPr/>
-        </p:nvPicPr>
-        <p:blipFill>
-          <a:blip r:embed="rId10">
-            <a:extLst>
-              <a:ext uri="{28A0092B-C50C-407E-A947-70E740481C1C}">
-                <a14:useLocalDpi xmlns:a14="http://schemas.microsoft.com/office/drawing/2010/main" val="0"/>
-              </a:ext>
-            </a:extLst>
-          </a:blip>
-          <a:stretch>
-            <a:fillRect/>
-          </a:stretch>
-        </p:blipFill>
-        <p:spPr>
-          <a:xfrm>
-            <a:off x="15824969" y="28779053"/>
-            <a:ext cx="1305272" cy="1233962"/>
-          </a:xfrm>
-          <a:prstGeom prst="rect">
-            <a:avLst/>
-          </a:prstGeom>
-        </p:spPr>
-      </p:pic>
-      <p:pic>
-        <p:nvPicPr>
-          <p:cNvPr id="47" name="Picture 46">
-            <a:extLst>
-              <a:ext uri="{FF2B5EF4-FFF2-40B4-BE49-F238E27FC236}">
-                <a16:creationId xmlns:a16="http://schemas.microsoft.com/office/drawing/2014/main" id="{D7D981AE-9BFA-FFAC-76C9-3617EFBC8B04}"/>
-              </a:ext>
-            </a:extLst>
-          </p:cNvPr>
-          <p:cNvPicPr>
-            <a:picLocks noChangeAspect="1"/>
-          </p:cNvPicPr>
-          <p:nvPr/>
-        </p:nvPicPr>
-        <p:blipFill>
-          <a:blip r:embed="rId11">
-            <a:extLst>
-              <a:ext uri="{28A0092B-C50C-407E-A947-70E740481C1C}">
-                <a14:useLocalDpi xmlns:a14="http://schemas.microsoft.com/office/drawing/2010/main" val="0"/>
-              </a:ext>
-            </a:extLst>
-          </a:blip>
-          <a:stretch>
-            <a:fillRect/>
-          </a:stretch>
-        </p:blipFill>
-        <p:spPr>
-          <a:xfrm>
-            <a:off x="17371418" y="28455270"/>
-            <a:ext cx="3481975" cy="3481975"/>
-          </a:xfrm>
-          <a:prstGeom prst="rect">
-            <a:avLst/>
-          </a:prstGeom>
-        </p:spPr>
-      </p:pic>
-      <p:sp>
-        <p:nvSpPr>
-          <p:cNvPr id="9" name="32-Point Star 20">
-            <a:extLst>
-              <a:ext uri="{FF2B5EF4-FFF2-40B4-BE49-F238E27FC236}">
-                <a16:creationId xmlns:a16="http://schemas.microsoft.com/office/drawing/2014/main" id="{013D7344-D51C-35DC-9DCB-9528C8A4AFF7}"/>
-              </a:ext>
-            </a:extLst>
-          </p:cNvPr>
-          <p:cNvSpPr/>
-          <p:nvPr/>
-        </p:nvSpPr>
-        <p:spPr>
           <a:xfrm rot="21243013">
-            <a:off x="8218968" y="12897609"/>
-            <a:ext cx="9704255" cy="6077043"/>
+            <a:off x="7756438" y="13637726"/>
+            <a:ext cx="10815524" cy="6012258"/>
           </a:xfrm>
           <a:prstGeom prst="star32">
             <a:avLst/>
           </a:prstGeom>
           <a:solidFill>
-            <a:srgbClr val="002060"/>
+            <a:srgbClr val="FF0000"/>
           </a:solidFill>
-          <a:ln w="317500">
+          <a:ln w="254000">
             <a:solidFill>
-              <a:srgbClr val="FF0000"/>
+              <a:srgbClr val="0066FF"/>
             </a:solidFill>
           </a:ln>
         </p:spPr>
@@ -3858,16 +3664,25 @@
           <a:p>
             <a:pPr algn="ctr"/>
             <a:r>
-              <a:rPr lang="en-US" sz="3600" b="1" cap="small" dirty="0">
+              <a:rPr lang="en-US" sz="4400" b="1" cap="small" dirty="0">
                 <a:solidFill>
                   <a:schemeClr val="bg1"/>
                 </a:solidFill>
                 <a:latin typeface="Oxygen" panose="02000503000000000000" pitchFamily="2" charset="0"/>
               </a:rPr>
-              <a:t>Upto </a:t>
-            </a:r>
-            <a:r>
-              <a:rPr lang="en-US" sz="15000" b="1" cap="small" dirty="0">
+              <a:t>Upto</a:t>
+            </a:r>
+            <a:r>
+              <a:rPr lang="en-US" sz="3200" b="1" cap="small" dirty="0">
+                <a:solidFill>
+                  <a:schemeClr val="bg1"/>
+                </a:solidFill>
+                <a:latin typeface="Oxygen" panose="02000503000000000000" pitchFamily="2" charset="0"/>
+              </a:rPr>
+              <a:t> </a:t>
+            </a:r>
+            <a:r>
+              <a:rPr lang="en-US" sz="11600" b="1" cap="small" dirty="0">
                 <a:solidFill>
                   <a:schemeClr val="bg1"/>
                 </a:solidFill>
@@ -3876,16 +3691,7 @@
               <a:t>50%</a:t>
             </a:r>
             <a:r>
-              <a:rPr lang="en-US" sz="3600" b="1" cap="small" dirty="0">
-                <a:solidFill>
-                  <a:schemeClr val="bg1"/>
-                </a:solidFill>
-                <a:latin typeface="Oxygen" panose="02000503000000000000" pitchFamily="2" charset="0"/>
-              </a:rPr>
-              <a:t> Off</a:t>
-            </a:r>
-            <a:r>
-              <a:rPr lang="en-US" sz="5400" b="1" cap="small" dirty="0">
+              <a:rPr lang="en-US" sz="3200" b="1" cap="small" dirty="0">
                 <a:solidFill>
                   <a:schemeClr val="bg1"/>
                 </a:solidFill>
@@ -3893,18 +3699,42 @@
               </a:rPr>
               <a:t> </a:t>
             </a:r>
-          </a:p>
-          <a:p>
-            <a:pPr algn="ctr"/>
-            <a:r>
-              <a:rPr lang="en-US" sz="3600" b="1" cap="small" dirty="0">
+            <a:r>
+              <a:rPr lang="en-US" sz="4400" b="1" cap="small" dirty="0">
                 <a:solidFill>
                   <a:schemeClr val="bg1"/>
                 </a:solidFill>
                 <a:latin typeface="Oxygen" panose="02000503000000000000" pitchFamily="2" charset="0"/>
               </a:rPr>
-              <a:t>T&amp;C Applies</a:t>
-            </a:r>
+              <a:t>Off</a:t>
+            </a:r>
+            <a:r>
+              <a:rPr lang="en-US" sz="6000" b="1" cap="small" dirty="0">
+                <a:solidFill>
+                  <a:schemeClr val="bg1"/>
+                </a:solidFill>
+                <a:latin typeface="Oxygen" panose="02000503000000000000" pitchFamily="2" charset="0"/>
+              </a:rPr>
+              <a:t> </a:t>
+            </a:r>
+          </a:p>
+          <a:p>
+            <a:pPr algn="ctr"/>
+            <a:r>
+              <a:rPr lang="en-US" sz="4400" b="1" cap="small" dirty="0">
+                <a:solidFill>
+                  <a:schemeClr val="bg1"/>
+                </a:solidFill>
+                <a:latin typeface="Oxygen" panose="02000503000000000000" pitchFamily="2" charset="0"/>
+              </a:rPr>
+              <a:t>T&amp;C Apply</a:t>
+            </a:r>
+            <a:endParaRPr lang="en-US" sz="2800" b="1" cap="small" dirty="0">
+              <a:solidFill>
+                <a:schemeClr val="bg1"/>
+              </a:solidFill>
+              <a:latin typeface="Oxygen" panose="02000503000000000000" pitchFamily="2" charset="0"/>
+            </a:endParaRPr>
           </a:p>
         </p:txBody>
       </p:sp>
@@ -3913,7 +3743,7 @@
           <p:cNvPr id="5" name="Picture 4">
             <a:extLst>
               <a:ext uri="{FF2B5EF4-FFF2-40B4-BE49-F238E27FC236}">
-                <a16:creationId xmlns:a16="http://schemas.microsoft.com/office/drawing/2014/main" id="{AC73743A-F8AA-2C8D-2E19-037F2BC146F7}"/>
+                <a16:creationId xmlns:a16="http://schemas.microsoft.com/office/drawing/2014/main" id="{928333F9-D19A-E299-B474-875EF4842887}"/>
               </a:ext>
             </a:extLst>
           </p:cNvPr>
@@ -3923,13 +3753,13 @@
           <p:nvPr/>
         </p:nvPicPr>
         <p:blipFill>
-          <a:blip r:embed="rId12">
+          <a:blip r:embed="rId8">
             <a:extLst>
               <a:ext uri="{BEBA8EAE-BF5A-486C-A8C5-ECC9F3942E4B}">
                 <a14:imgProps xmlns:a14="http://schemas.microsoft.com/office/drawing/2010/main">
-                  <a14:imgLayer r:embed="rId13">
+                  <a14:imgLayer r:embed="rId9">
                     <a14:imgEffect>
-                      <a14:brightnessContrast bright="20000" contrast="20000"/>
+                      <a14:brightnessContrast bright="30000" contrast="30000"/>
                     </a14:imgEffect>
                   </a14:imgLayer>
                 </a14:imgProps>
@@ -3944,51 +3774,21 @@
           </a:stretch>
         </p:blipFill>
         <p:spPr>
-          <a:xfrm rot="21326279">
-            <a:off x="-7650074" y="5460751"/>
-            <a:ext cx="24035614" cy="33612587"/>
+          <a:xfrm>
+            <a:off x="832265" y="13083134"/>
+            <a:ext cx="8775366" cy="13611678"/>
           </a:xfrm>
           <a:prstGeom prst="rect">
             <a:avLst/>
           </a:prstGeom>
         </p:spPr>
       </p:pic>
-      <p:pic>
-        <p:nvPicPr>
-          <p:cNvPr id="29" name="Picture 28">
+      <p:sp>
+        <p:nvSpPr>
+          <p:cNvPr id="25" name="Rectangle 24">
             <a:extLst>
               <a:ext uri="{FF2B5EF4-FFF2-40B4-BE49-F238E27FC236}">
-                <a16:creationId xmlns:a16="http://schemas.microsoft.com/office/drawing/2014/main" id="{A622DD28-862B-63BF-DF65-1EC2D878807E}"/>
-              </a:ext>
-            </a:extLst>
-          </p:cNvPr>
-          <p:cNvPicPr>
-            <a:picLocks noChangeAspect="1"/>
-          </p:cNvPicPr>
-          <p:nvPr/>
-        </p:nvPicPr>
-        <p:blipFill>
-          <a:blip r:embed="rId14"/>
-          <a:stretch>
-            <a:fillRect/>
-          </a:stretch>
-        </p:blipFill>
-        <p:spPr>
-          <a:xfrm>
-            <a:off x="6939" y="21240153"/>
-            <a:ext cx="11973002" cy="2881410"/>
-          </a:xfrm>
-          <a:prstGeom prst="rect">
-            <a:avLst/>
-          </a:prstGeom>
-        </p:spPr>
-      </p:pic>
-      <p:sp>
-        <p:nvSpPr>
-          <p:cNvPr id="22" name="Rectangle 21">
-            <a:extLst>
-              <a:ext uri="{FF2B5EF4-FFF2-40B4-BE49-F238E27FC236}">
-                <a16:creationId xmlns:a16="http://schemas.microsoft.com/office/drawing/2014/main" id="{BF1947EF-B294-98B3-67D8-8C8A26F971AF}"/>
+                <a16:creationId xmlns:a16="http://schemas.microsoft.com/office/drawing/2014/main" id="{14B15FD4-C580-D8F1-3655-0D373BF7E6E0}"/>
               </a:ext>
             </a:extLst>
           </p:cNvPr>
@@ -3997,8 +3797,8 @@
         </p:nvSpPr>
         <p:spPr>
           <a:xfrm>
-            <a:off x="-7481" y="24795755"/>
-            <a:ext cx="8750428" cy="12341721"/>
+            <a:off x="-7481" y="25294941"/>
+            <a:ext cx="14345754" cy="15305157"/>
           </a:xfrm>
           <a:prstGeom prst="rect">
             <a:avLst/>
@@ -4035,12 +3835,51 @@
           </a:p>
         </p:txBody>
       </p:sp>
+      <p:sp>
+        <p:nvSpPr>
+          <p:cNvPr id="26" name="Rectangle 25">
+            <a:extLst>
+              <a:ext uri="{FF2B5EF4-FFF2-40B4-BE49-F238E27FC236}">
+                <a16:creationId xmlns:a16="http://schemas.microsoft.com/office/drawing/2014/main" id="{EB461A65-85BE-D075-3CED-577C5FC18EDC}"/>
+              </a:ext>
+            </a:extLst>
+          </p:cNvPr>
+          <p:cNvSpPr/>
+          <p:nvPr/>
+        </p:nvSpPr>
+        <p:spPr>
+          <a:xfrm>
+            <a:off x="13994526" y="27260954"/>
+            <a:ext cx="3465394" cy="646331"/>
+          </a:xfrm>
+          <a:prstGeom prst="rect">
+            <a:avLst/>
+          </a:prstGeom>
+        </p:spPr>
+        <p:txBody>
+          <a:bodyPr wrap="square">
+            <a:spAutoFit/>
+          </a:bodyPr>
+          <a:lstStyle/>
+          <a:p>
+            <a:r>
+              <a:rPr lang="en-AU" sz="3600" b="1" dirty="0">
+                <a:solidFill>
+                  <a:srgbClr val="002060"/>
+                </a:solidFill>
+                <a:latin typeface="Oxygen" panose="02000503000000000000" pitchFamily="2" charset="0"/>
+              </a:rPr>
+              <a:t>App Download</a:t>
+            </a:r>
+          </a:p>
+        </p:txBody>
+      </p:sp>
       <p:pic>
         <p:nvPicPr>
-          <p:cNvPr id="31" name="Picture 30">
+          <p:cNvPr id="28" name="Picture 27">
             <a:extLst>
               <a:ext uri="{FF2B5EF4-FFF2-40B4-BE49-F238E27FC236}">
-                <a16:creationId xmlns:a16="http://schemas.microsoft.com/office/drawing/2014/main" id="{E43E14B3-49BF-2BFE-5BE3-B58E9F8EDE18}"/>
+                <a16:creationId xmlns:a16="http://schemas.microsoft.com/office/drawing/2014/main" id="{5C5D06D2-E5FA-D1C5-B900-35C73F4E2187}"/>
               </a:ext>
             </a:extLst>
           </p:cNvPr>
@@ -4050,168 +3889,7 @@
           <p:nvPr/>
         </p:nvPicPr>
         <p:blipFill>
-          <a:blip r:embed="rId15"/>
-          <a:stretch>
-            <a:fillRect/>
-          </a:stretch>
-        </p:blipFill>
-        <p:spPr>
-          <a:xfrm>
-            <a:off x="93527" y="25062152"/>
-            <a:ext cx="17064180" cy="2649500"/>
-          </a:xfrm>
-          <a:prstGeom prst="rect">
-            <a:avLst/>
-          </a:prstGeom>
-        </p:spPr>
-      </p:pic>
-      <p:sp>
-        <p:nvSpPr>
-          <p:cNvPr id="24" name="TextBox 23">
-            <a:extLst>
-              <a:ext uri="{FF2B5EF4-FFF2-40B4-BE49-F238E27FC236}">
-                <a16:creationId xmlns:a16="http://schemas.microsoft.com/office/drawing/2014/main" id="{E8FDE4AC-06D7-40A5-3B56-9AC82D0DC8E9}"/>
-              </a:ext>
-            </a:extLst>
-          </p:cNvPr>
-          <p:cNvSpPr txBox="1"/>
-          <p:nvPr/>
-        </p:nvSpPr>
-        <p:spPr>
-          <a:xfrm>
-            <a:off x="-60074" y="33310202"/>
-            <a:ext cx="25589322" cy="12025408"/>
-          </a:xfrm>
-          <a:prstGeom prst="rect">
-            <a:avLst/>
-          </a:prstGeom>
-          <a:noFill/>
-        </p:spPr>
-        <p:txBody>
-          <a:bodyPr wrap="square">
-            <a:spAutoFit/>
-          </a:bodyPr>
-          <a:lstStyle/>
-          <a:p>
-            <a:pPr algn="ctr">
-              <a:lnSpc>
-                <a:spcPct val="150000"/>
-              </a:lnSpc>
-            </a:pPr>
-            <a:r>
-              <a:rPr lang="en-US" sz="8800" b="1" cap="small" dirty="0">
-                <a:solidFill>
-                  <a:srgbClr val="C00000"/>
-                </a:solidFill>
-                <a:latin typeface="Oxygen" panose="02000503000000000000" pitchFamily="2" charset="0"/>
-              </a:rPr>
-              <a:t>Artificial Intelligence, Robotics – Class III - XII</a:t>
-            </a:r>
-          </a:p>
-          <a:p>
-            <a:pPr algn="ctr">
-              <a:lnSpc>
-                <a:spcPct val="150000"/>
-              </a:lnSpc>
-            </a:pPr>
-            <a:r>
-              <a:rPr lang="en-US" sz="8800" b="1" cap="small" dirty="0">
-                <a:solidFill>
-                  <a:srgbClr val="C00000"/>
-                </a:solidFill>
-                <a:latin typeface="Oxygen" panose="02000503000000000000" pitchFamily="2" charset="0"/>
-              </a:rPr>
-              <a:t>Professional AI &amp; IT Training &amp; Projects</a:t>
-            </a:r>
-          </a:p>
-          <a:p>
-            <a:pPr algn="ctr">
-              <a:lnSpc>
-                <a:spcPct val="150000"/>
-              </a:lnSpc>
-            </a:pPr>
-            <a:r>
-              <a:rPr lang="en-US" sz="8800" b="1" cap="small" dirty="0">
-                <a:solidFill>
-                  <a:srgbClr val="C00000"/>
-                </a:solidFill>
-                <a:latin typeface="Oxygen" panose="02000503000000000000" pitchFamily="2" charset="0"/>
-              </a:rPr>
-              <a:t>VIII-XII - All Subjects &amp; Boards</a:t>
-            </a:r>
-          </a:p>
-          <a:p>
-            <a:pPr algn="ctr">
-              <a:lnSpc>
-                <a:spcPct val="150000"/>
-              </a:lnSpc>
-            </a:pPr>
-            <a:r>
-              <a:rPr lang="en-US" sz="8800" b="1" cap="small" dirty="0">
-                <a:solidFill>
-                  <a:srgbClr val="C00000"/>
-                </a:solidFill>
-                <a:latin typeface="Oxygen" panose="02000503000000000000" pitchFamily="2" charset="0"/>
-              </a:rPr>
-              <a:t>NEET, IIT-JEE (Mains &amp; Advanced)</a:t>
-            </a:r>
-          </a:p>
-          <a:p>
-            <a:pPr algn="ctr">
-              <a:lnSpc>
-                <a:spcPct val="150000"/>
-              </a:lnSpc>
-            </a:pPr>
-            <a:r>
-              <a:rPr lang="en-US" sz="8800" b="1" cap="small" dirty="0">
-                <a:solidFill>
-                  <a:srgbClr val="C00000"/>
-                </a:solidFill>
-                <a:latin typeface="Oxygen" panose="02000503000000000000" pitchFamily="2" charset="0"/>
-              </a:rPr>
-              <a:t>BCom, BBA, CA, CMA, CS, CFA, CLAT, LLB, LLM</a:t>
-            </a:r>
-          </a:p>
-          <a:p>
-            <a:pPr algn="ctr">
-              <a:lnSpc>
-                <a:spcPct val="150000"/>
-              </a:lnSpc>
-            </a:pPr>
-            <a:r>
-              <a:rPr lang="en-US" sz="8800" b="1" cap="small" dirty="0">
-                <a:solidFill>
-                  <a:srgbClr val="C00000"/>
-                </a:solidFill>
-                <a:latin typeface="Oxygen" panose="02000503000000000000" pitchFamily="2" charset="0"/>
-              </a:rPr>
-              <a:t>Grooming, Ielts, Toefl, Foreign Languages</a:t>
-            </a:r>
-            <a:endParaRPr lang="en-US" sz="11500" b="1" cap="small" dirty="0">
-              <a:solidFill>
-                <a:srgbClr val="C00000"/>
-              </a:solidFill>
-              <a:latin typeface="Oxygen" panose="02000503000000000000" pitchFamily="2" charset="0"/>
-            </a:endParaRPr>
-          </a:p>
-        </p:txBody>
-      </p:sp>
-      <p:pic>
-        <p:nvPicPr>
-          <p:cNvPr id="19" name="Picture 18">
-            <a:extLst>
-              <a:ext uri="{FF2B5EF4-FFF2-40B4-BE49-F238E27FC236}">
-                <a16:creationId xmlns:a16="http://schemas.microsoft.com/office/drawing/2014/main" id="{FAE414E8-03DC-F42E-8E46-D9BF256B8455}"/>
-              </a:ext>
-            </a:extLst>
-          </p:cNvPr>
-          <p:cNvPicPr>
-            <a:picLocks noChangeAspect="1"/>
-          </p:cNvPicPr>
-          <p:nvPr/>
-        </p:nvPicPr>
-        <p:blipFill>
-          <a:blip r:embed="rId16">
+          <a:blip r:embed="rId10">
             <a:extLst>
               <a:ext uri="{28A0092B-C50C-407E-A947-70E740481C1C}">
                 <a14:useLocalDpi xmlns:a14="http://schemas.microsoft.com/office/drawing/2010/main" val="0"/>
@@ -4224,8 +3902,8 @@
         </p:blipFill>
         <p:spPr>
           <a:xfrm>
-            <a:off x="6244664" y="28537537"/>
-            <a:ext cx="3481974" cy="3481974"/>
+            <a:off x="11846967" y="25453189"/>
+            <a:ext cx="1786804" cy="1786804"/>
           </a:xfrm>
           <a:prstGeom prst="rect">
             <a:avLst/>
@@ -4234,10 +3912,10 @@
       </p:pic>
       <p:sp>
         <p:nvSpPr>
-          <p:cNvPr id="20" name="Freeform: Shape 19">
+          <p:cNvPr id="30" name="Freeform: Shape 29">
             <a:extLst>
               <a:ext uri="{FF2B5EF4-FFF2-40B4-BE49-F238E27FC236}">
-                <a16:creationId xmlns:a16="http://schemas.microsoft.com/office/drawing/2014/main" id="{8F014AEB-8434-DEF4-8A98-78FDC58D2678}"/>
+                <a16:creationId xmlns:a16="http://schemas.microsoft.com/office/drawing/2014/main" id="{63622090-3B5D-108B-7918-79698C8EA544}"/>
               </a:ext>
             </a:extLst>
           </p:cNvPr>
@@ -4246,8 +3924,8 @@
         </p:nvSpPr>
         <p:spPr>
           <a:xfrm>
-            <a:off x="4992341" y="29397968"/>
-            <a:ext cx="1274655" cy="1251875"/>
+            <a:off x="10707958" y="25682899"/>
+            <a:ext cx="870606" cy="777315"/>
           </a:xfrm>
           <a:custGeom>
             <a:avLst/>
@@ -4589,12 +4267,89 @@
           </a:p>
         </p:txBody>
       </p:sp>
-      <p:sp>
-        <p:nvSpPr>
-          <p:cNvPr id="44" name="Rectangle 43">
+      <p:pic>
+        <p:nvPicPr>
+          <p:cNvPr id="33" name="Picture 2" descr="Download Google Play Icon Royalty-Free Vector Graphic - Pixabay">
             <a:extLst>
               <a:ext uri="{FF2B5EF4-FFF2-40B4-BE49-F238E27FC236}">
-                <a16:creationId xmlns:a16="http://schemas.microsoft.com/office/drawing/2014/main" id="{A5955199-A9C1-A9D5-AEFF-7380D6EB791D}"/>
+                <a16:creationId xmlns:a16="http://schemas.microsoft.com/office/drawing/2014/main" id="{83E94DB3-A1E5-A57C-8C05-43746283D423}"/>
+              </a:ext>
+            </a:extLst>
+          </p:cNvPr>
+          <p:cNvPicPr>
+            <a:picLocks noChangeAspect="1" noChangeArrowheads="1"/>
+          </p:cNvPicPr>
+          <p:nvPr/>
+        </p:nvPicPr>
+        <p:blipFill>
+          <a:blip r:embed="rId11">
+            <a:extLst>
+              <a:ext uri="{28A0092B-C50C-407E-A947-70E740481C1C}">
+                <a14:useLocalDpi xmlns:a14="http://schemas.microsoft.com/office/drawing/2010/main" val="0"/>
+              </a:ext>
+            </a:extLst>
+          </a:blip>
+          <a:srcRect/>
+          <a:stretch>
+            <a:fillRect/>
+          </a:stretch>
+        </p:blipFill>
+        <p:spPr bwMode="auto">
+          <a:xfrm>
+            <a:off x="14258316" y="26498445"/>
+            <a:ext cx="669811" cy="751101"/>
+          </a:xfrm>
+          <a:prstGeom prst="rect">
+            <a:avLst/>
+          </a:prstGeom>
+          <a:noFill/>
+          <a:extLst>
+            <a:ext uri="{909E8E84-426E-40DD-AFC4-6F175D3DCCD1}">
+              <a14:hiddenFill xmlns:a14="http://schemas.microsoft.com/office/drawing/2010/main">
+                <a:solidFill>
+                  <a:srgbClr val="FFFFFF"/>
+                </a:solidFill>
+              </a14:hiddenFill>
+            </a:ext>
+          </a:extLst>
+        </p:spPr>
+      </p:pic>
+      <p:pic>
+        <p:nvPicPr>
+          <p:cNvPr id="35" name="Picture 34">
+            <a:extLst>
+              <a:ext uri="{FF2B5EF4-FFF2-40B4-BE49-F238E27FC236}">
+                <a16:creationId xmlns:a16="http://schemas.microsoft.com/office/drawing/2014/main" id="{3622D1FF-24D8-EB49-5CD4-7138D389015D}"/>
+              </a:ext>
+            </a:extLst>
+          </p:cNvPr>
+          <p:cNvPicPr>
+            <a:picLocks noChangeAspect="1"/>
+          </p:cNvPicPr>
+          <p:nvPr/>
+        </p:nvPicPr>
+        <p:blipFill>
+          <a:blip r:embed="rId12"/>
+          <a:stretch>
+            <a:fillRect/>
+          </a:stretch>
+        </p:blipFill>
+        <p:spPr>
+          <a:xfrm>
+            <a:off x="116437" y="25580814"/>
+            <a:ext cx="9871142" cy="1532660"/>
+          </a:xfrm>
+          <a:prstGeom prst="rect">
+            <a:avLst/>
+          </a:prstGeom>
+        </p:spPr>
+      </p:pic>
+      <p:sp>
+        <p:nvSpPr>
+          <p:cNvPr id="38" name="Rectangle 37">
+            <a:extLst>
+              <a:ext uri="{FF2B5EF4-FFF2-40B4-BE49-F238E27FC236}">
+                <a16:creationId xmlns:a16="http://schemas.microsoft.com/office/drawing/2014/main" id="{51E0CF3A-802C-FC28-C0A0-B594E42D0513}"/>
               </a:ext>
             </a:extLst>
           </p:cNvPr>
@@ -4603,8 +4358,8 @@
         </p:nvSpPr>
         <p:spPr>
           <a:xfrm>
-            <a:off x="3775373" y="30838899"/>
-            <a:ext cx="5877879" cy="1938992"/>
+            <a:off x="10097078" y="26715554"/>
+            <a:ext cx="3536694" cy="1200329"/>
           </a:xfrm>
           <a:prstGeom prst="rect">
             <a:avLst/>
@@ -4617,49 +4372,198 @@
           <a:lstStyle/>
           <a:p>
             <a:r>
-              <a:rPr lang="en-AU" sz="6000" b="1" dirty="0">
+              <a:rPr lang="en-AU" sz="3600" b="1" dirty="0">
                 <a:solidFill>
                   <a:srgbClr val="002060"/>
                 </a:solidFill>
                 <a:latin typeface="Oxygen" panose="02000503000000000000" pitchFamily="2" charset="0"/>
               </a:rPr>
-              <a:t>Follow </a:t>
-            </a:r>
-          </a:p>
-          <a:p>
-            <a:r>
-              <a:rPr lang="en-AU" sz="6000" b="1" dirty="0">
+              <a:t>Follow</a:t>
+            </a:r>
+          </a:p>
+          <a:p>
+            <a:r>
+              <a:rPr lang="en-AU" sz="3600" b="1" dirty="0">
                 <a:solidFill>
                   <a:srgbClr val="002060"/>
                 </a:solidFill>
                 <a:latin typeface="Oxygen" panose="02000503000000000000" pitchFamily="2" charset="0"/>
               </a:rPr>
-              <a:t>for Discounts</a:t>
-            </a:r>
-          </a:p>
-        </p:txBody>
-      </p:sp>
-      <p:sp>
-        <p:nvSpPr>
-          <p:cNvPr id="6" name="TextBox 5">
+              <a:t>for Discount</a:t>
+            </a:r>
+          </a:p>
+        </p:txBody>
+      </p:sp>
+      <p:pic>
+        <p:nvPicPr>
+          <p:cNvPr id="43" name="Picture 42">
             <a:extLst>
               <a:ext uri="{FF2B5EF4-FFF2-40B4-BE49-F238E27FC236}">
-                <a16:creationId xmlns:a16="http://schemas.microsoft.com/office/drawing/2014/main" id="{B905E1B0-4C47-2150-52A2-4A94407F3709}"/>
+                <a16:creationId xmlns:a16="http://schemas.microsoft.com/office/drawing/2014/main" id="{86CF6B5C-2548-0842-E25E-AE312073DDA9}"/>
               </a:ext>
             </a:extLst>
           </p:cNvPr>
-          <p:cNvSpPr txBox="1"/>
+          <p:cNvPicPr>
+            <a:picLocks noChangeAspect="1"/>
+          </p:cNvPicPr>
           <p:nvPr/>
-        </p:nvSpPr>
-        <p:spPr>
-          <a:xfrm>
-            <a:off x="0" y="46087642"/>
-            <a:ext cx="25603742" cy="2123658"/>
+        </p:nvPicPr>
+        <p:blipFill>
+          <a:blip r:embed="rId7">
+            <a:extLst>
+              <a:ext uri="{28A0092B-C50C-407E-A947-70E740481C1C}">
+                <a14:useLocalDpi xmlns:a14="http://schemas.microsoft.com/office/drawing/2010/main" val="0"/>
+              </a:ext>
+            </a:extLst>
+          </a:blip>
+          <a:stretch>
+            <a:fillRect/>
+          </a:stretch>
+        </p:blipFill>
+        <p:spPr>
+          <a:xfrm>
+            <a:off x="14207432" y="25476090"/>
+            <a:ext cx="810471" cy="766195"/>
+          </a:xfrm>
+          <a:prstGeom prst="rect">
+            <a:avLst/>
+          </a:prstGeom>
+        </p:spPr>
+      </p:pic>
+      <p:pic>
+        <p:nvPicPr>
+          <p:cNvPr id="46" name="Picture 45">
+            <a:extLst>
+              <a:ext uri="{FF2B5EF4-FFF2-40B4-BE49-F238E27FC236}">
+                <a16:creationId xmlns:a16="http://schemas.microsoft.com/office/drawing/2014/main" id="{0DE3E2C6-D13C-99A8-2A0C-0B35337CF925}"/>
+              </a:ext>
+            </a:extLst>
+          </p:cNvPr>
+          <p:cNvPicPr>
+            <a:picLocks noChangeAspect="1"/>
+          </p:cNvPicPr>
+          <p:nvPr/>
+        </p:nvPicPr>
+        <p:blipFill>
+          <a:blip r:embed="rId13">
+            <a:extLst>
+              <a:ext uri="{28A0092B-C50C-407E-A947-70E740481C1C}">
+                <a14:useLocalDpi xmlns:a14="http://schemas.microsoft.com/office/drawing/2010/main" val="0"/>
+              </a:ext>
+            </a:extLst>
+          </a:blip>
+          <a:stretch>
+            <a:fillRect/>
+          </a:stretch>
+        </p:blipFill>
+        <p:spPr>
+          <a:xfrm>
+            <a:off x="15367483" y="25453190"/>
+            <a:ext cx="1786804" cy="1786804"/>
+          </a:xfrm>
+          <a:prstGeom prst="rect">
+            <a:avLst/>
+          </a:prstGeom>
+        </p:spPr>
+      </p:pic>
+      <p:pic>
+        <p:nvPicPr>
+          <p:cNvPr id="49" name="Picture 10" descr="New Instagram Logo PNG Images 2023">
+            <a:extLst>
+              <a:ext uri="{FF2B5EF4-FFF2-40B4-BE49-F238E27FC236}">
+                <a16:creationId xmlns:a16="http://schemas.microsoft.com/office/drawing/2014/main" id="{FB252EDF-F328-8B2F-4ADE-AC512229AD65}"/>
+              </a:ext>
+            </a:extLst>
+          </p:cNvPr>
+          <p:cNvPicPr>
+            <a:picLocks noChangeAspect="1" noChangeArrowheads="1"/>
+          </p:cNvPicPr>
+          <p:nvPr/>
+        </p:nvPicPr>
+        <p:blipFill>
+          <a:blip r:embed="rId14" cstate="print">
+            <a:extLst>
+              <a:ext uri="{28A0092B-C50C-407E-A947-70E740481C1C}">
+                <a14:useLocalDpi xmlns:a14="http://schemas.microsoft.com/office/drawing/2010/main" val="0"/>
+              </a:ext>
+            </a:extLst>
+          </a:blip>
+          <a:srcRect/>
+          <a:stretch>
+            <a:fillRect/>
+          </a:stretch>
+        </p:blipFill>
+        <p:spPr bwMode="auto">
+          <a:xfrm>
+            <a:off x="8299890" y="26849772"/>
+            <a:ext cx="918773" cy="918773"/>
           </a:xfrm>
           <a:prstGeom prst="rect">
             <a:avLst/>
           </a:prstGeom>
           <a:noFill/>
+          <a:extLst>
+            <a:ext uri="{909E8E84-426E-40DD-AFC4-6F175D3DCCD1}">
+              <a14:hiddenFill xmlns:a14="http://schemas.microsoft.com/office/drawing/2010/main">
+                <a:solidFill>
+                  <a:srgbClr val="FFFFFF"/>
+                </a:solidFill>
+              </a14:hiddenFill>
+            </a:ext>
+          </a:extLst>
+        </p:spPr>
+      </p:pic>
+      <p:pic>
+        <p:nvPicPr>
+          <p:cNvPr id="52" name="Picture 51">
+            <a:extLst>
+              <a:ext uri="{FF2B5EF4-FFF2-40B4-BE49-F238E27FC236}">
+                <a16:creationId xmlns:a16="http://schemas.microsoft.com/office/drawing/2014/main" id="{89A95B42-3762-71DB-620B-5C4FF7451A96}"/>
+              </a:ext>
+            </a:extLst>
+          </p:cNvPr>
+          <p:cNvPicPr>
+            <a:picLocks noChangeAspect="1"/>
+          </p:cNvPicPr>
+          <p:nvPr/>
+        </p:nvPicPr>
+        <p:blipFill>
+          <a:blip r:embed="rId15"/>
+          <a:stretch>
+            <a:fillRect/>
+          </a:stretch>
+        </p:blipFill>
+        <p:spPr>
+          <a:xfrm>
+            <a:off x="8484" y="23442598"/>
+            <a:ext cx="8463920" cy="2036285"/>
+          </a:xfrm>
+          <a:prstGeom prst="rect">
+            <a:avLst/>
+          </a:prstGeom>
+        </p:spPr>
+      </p:pic>
+      <p:sp>
+        <p:nvSpPr>
+          <p:cNvPr id="54" name="TextBox 53">
+            <a:extLst>
+              <a:ext uri="{FF2B5EF4-FFF2-40B4-BE49-F238E27FC236}">
+                <a16:creationId xmlns:a16="http://schemas.microsoft.com/office/drawing/2014/main" id="{D4D664E6-7C94-BD9E-D822-85E6F01C0F61}"/>
+              </a:ext>
+            </a:extLst>
+          </p:cNvPr>
+          <p:cNvSpPr txBox="1"/>
+          <p:nvPr/>
+        </p:nvSpPr>
+        <p:spPr>
+          <a:xfrm>
+            <a:off x="-61501" y="29801574"/>
+            <a:ext cx="25681044" cy="15326183"/>
+          </a:xfrm>
+          <a:prstGeom prst="rect">
+            <a:avLst/>
+          </a:prstGeom>
+          <a:noFill/>
         </p:spPr>
         <p:txBody>
           <a:bodyPr wrap="square">
@@ -4667,32 +4571,122 @@
           </a:bodyPr>
           <a:lstStyle/>
           <a:p>
-            <a:pPr algn="ctr"/>
-            <a:r>
-              <a:rPr lang="en-US" sz="4400" b="1" cap="small" dirty="0">
+            <a:pPr algn="ctr">
+              <a:lnSpc>
+                <a:spcPct val="150000"/>
+              </a:lnSpc>
+            </a:pPr>
+            <a:r>
+              <a:rPr lang="en-US" sz="9600" b="1" cap="small" dirty="0">
+                <a:solidFill>
+                  <a:srgbClr val="C00000"/>
+                </a:solidFill>
                 <a:latin typeface="Oxygen" panose="02000503000000000000" pitchFamily="2" charset="0"/>
               </a:rPr>
-              <a:t>Finest Teachers, Study Materials, Mock Tests, Doubt Clearing, PTM, Counselling</a:t>
-            </a:r>
-          </a:p>
-          <a:p>
-            <a:pPr algn="ctr"/>
-            <a:r>
-              <a:rPr lang="en-US" sz="4400" b="1" cap="small" dirty="0">
+              <a:t>ARTIFICIAL INTELLIGENCE – Class III – XII</a:t>
+            </a:r>
+          </a:p>
+          <a:p>
+            <a:pPr algn="ctr">
+              <a:lnSpc>
+                <a:spcPct val="150000"/>
+              </a:lnSpc>
+            </a:pPr>
+            <a:r>
+              <a:rPr lang="en-US" sz="9600" b="1" cap="small" dirty="0">
+                <a:solidFill>
+                  <a:srgbClr val="C00000"/>
+                </a:solidFill>
                 <a:latin typeface="Oxygen" panose="02000503000000000000" pitchFamily="2" charset="0"/>
               </a:rPr>
-              <a:t>400+ Courses, 20 Smart Classrooms, AC, CCTV</a:t>
-            </a:r>
-          </a:p>
-          <a:p>
-            <a:pPr algn="ctr"/>
-            <a:r>
-              <a:rPr lang="en-US" sz="4400" b="1" cap="small" dirty="0">
+              <a:t>IT &amp; AI Professional Training &amp; Projects</a:t>
+            </a:r>
+          </a:p>
+          <a:p>
+            <a:pPr algn="ctr">
+              <a:lnSpc>
+                <a:spcPct val="150000"/>
+              </a:lnSpc>
+            </a:pPr>
+            <a:r>
+              <a:rPr lang="en-US" sz="9600" b="1" cap="small" dirty="0">
+                <a:solidFill>
+                  <a:srgbClr val="C00000"/>
+                </a:solidFill>
                 <a:latin typeface="Oxygen" panose="02000503000000000000" pitchFamily="2" charset="0"/>
               </a:rPr>
-              <a:t>Professional Courses are Proj-Based, Certification Oriented &amp; Career Focused</a:t>
-            </a:r>
-            <a:endParaRPr lang="en-US" sz="4400" dirty="0"/>
+              <a:t>VIII-XII - All Subjects &amp; Boards</a:t>
+            </a:r>
+          </a:p>
+          <a:p>
+            <a:pPr algn="ctr">
+              <a:lnSpc>
+                <a:spcPct val="150000"/>
+              </a:lnSpc>
+            </a:pPr>
+            <a:r>
+              <a:rPr lang="en-US" sz="9600" b="1" cap="small" dirty="0">
+                <a:solidFill>
+                  <a:srgbClr val="C00000"/>
+                </a:solidFill>
+                <a:latin typeface="Oxygen" panose="02000503000000000000" pitchFamily="2" charset="0"/>
+              </a:rPr>
+              <a:t>NEET, IIT-JEE (Mains &amp; Advanced)</a:t>
+            </a:r>
+          </a:p>
+          <a:p>
+            <a:pPr algn="ctr">
+              <a:lnSpc>
+                <a:spcPct val="150000"/>
+              </a:lnSpc>
+            </a:pPr>
+            <a:r>
+              <a:rPr lang="en-US" sz="9600" b="1" cap="small" dirty="0">
+                <a:solidFill>
+                  <a:srgbClr val="C00000"/>
+                </a:solidFill>
+                <a:latin typeface="Oxygen" panose="02000503000000000000" pitchFamily="2" charset="0"/>
+              </a:rPr>
+              <a:t>BCom, BBA, CA, CMA, CS, CFA</a:t>
+            </a:r>
+          </a:p>
+          <a:p>
+            <a:pPr algn="ctr">
+              <a:lnSpc>
+                <a:spcPct val="150000"/>
+              </a:lnSpc>
+            </a:pPr>
+            <a:r>
+              <a:rPr lang="en-US" sz="9600" b="1" cap="small" dirty="0">
+                <a:solidFill>
+                  <a:srgbClr val="C00000"/>
+                </a:solidFill>
+                <a:latin typeface="Oxygen" panose="02000503000000000000" pitchFamily="2" charset="0"/>
+              </a:rPr>
+              <a:t>CLAT, LLB, LLM</a:t>
+            </a:r>
+          </a:p>
+          <a:p>
+            <a:pPr algn="ctr">
+              <a:lnSpc>
+                <a:spcPct val="150000"/>
+              </a:lnSpc>
+            </a:pPr>
+            <a:r>
+              <a:rPr lang="en-US" sz="9600" b="1" cap="small" dirty="0">
+                <a:solidFill>
+                  <a:srgbClr val="C00000"/>
+                </a:solidFill>
+                <a:latin typeface="Oxygen" panose="02000503000000000000" pitchFamily="2" charset="0"/>
+              </a:rPr>
+              <a:t>Grooming, IELTS, TOEFL, Foreign Languages</a:t>
+            </a:r>
+            <a:endParaRPr lang="en-US" sz="16600" b="1" cap="small" dirty="0">
+              <a:solidFill>
+                <a:srgbClr val="C00000"/>
+              </a:solidFill>
+              <a:latin typeface="Oxygen" panose="02000503000000000000" pitchFamily="2" charset="0"/>
+            </a:endParaRPr>
           </a:p>
         </p:txBody>
       </p:sp>
@@ -4728,10 +4722,10 @@
       </p:grpSpPr>
       <p:pic>
         <p:nvPicPr>
-          <p:cNvPr id="4" name="Picture 3">
+          <p:cNvPr id="3" name="Picture 2">
             <a:extLst>
               <a:ext uri="{FF2B5EF4-FFF2-40B4-BE49-F238E27FC236}">
-                <a16:creationId xmlns:a16="http://schemas.microsoft.com/office/drawing/2014/main" id="{63E5B9F4-C828-452F-C751-5F9AF64C2AE9}"/>
+                <a16:creationId xmlns:a16="http://schemas.microsoft.com/office/drawing/2014/main" id="{A0852169-4E8E-EAEE-95DF-FFD9B43012D9}"/>
               </a:ext>
             </a:extLst>
           </p:cNvPr>
@@ -4748,8 +4742,8 @@
         </p:blipFill>
         <p:spPr>
           <a:xfrm>
-            <a:off x="6939" y="22989"/>
-            <a:ext cx="25603742" cy="24718388"/>
+            <a:off x="6939" y="-4580"/>
+            <a:ext cx="25603742" cy="25238696"/>
           </a:xfrm>
           <a:prstGeom prst="rect">
             <a:avLst/>
@@ -4758,10 +4752,10 @@
       </p:pic>
       <p:pic>
         <p:nvPicPr>
-          <p:cNvPr id="27" name="Picture 26">
+          <p:cNvPr id="7" name="Picture 6">
             <a:extLst>
               <a:ext uri="{FF2B5EF4-FFF2-40B4-BE49-F238E27FC236}">
-                <a16:creationId xmlns:a16="http://schemas.microsoft.com/office/drawing/2014/main" id="{630F8093-DFCD-9C8F-163E-96E19BF8676A}"/>
+                <a16:creationId xmlns:a16="http://schemas.microsoft.com/office/drawing/2014/main" id="{726F4114-8941-0FA2-23E7-41493C9A4BE2}"/>
               </a:ext>
             </a:extLst>
           </p:cNvPr>
@@ -4784,7 +4778,7 @@
         </p:blipFill>
         <p:spPr>
           <a:xfrm>
-            <a:off x="12590209" y="11264403"/>
+            <a:off x="12599071" y="12383866"/>
             <a:ext cx="13006052" cy="19304211"/>
           </a:xfrm>
           <a:prstGeom prst="rect">
@@ -4792,12 +4786,84 @@
           </a:prstGeom>
         </p:spPr>
       </p:pic>
-      <p:sp>
-        <p:nvSpPr>
-          <p:cNvPr id="23" name="Rectangle 22">
+      <p:pic>
+        <p:nvPicPr>
+          <p:cNvPr id="8" name="Picture 7">
             <a:extLst>
               <a:ext uri="{FF2B5EF4-FFF2-40B4-BE49-F238E27FC236}">
-                <a16:creationId xmlns:a16="http://schemas.microsoft.com/office/drawing/2014/main" id="{F104C451-B23D-3708-A7DB-CDA181369D79}"/>
+                <a16:creationId xmlns:a16="http://schemas.microsoft.com/office/drawing/2014/main" id="{8C92C2E6-3442-7681-CB08-7A3CECD5BE08}"/>
+              </a:ext>
+            </a:extLst>
+          </p:cNvPr>
+          <p:cNvPicPr>
+            <a:picLocks noChangeAspect="1"/>
+          </p:cNvPicPr>
+          <p:nvPr/>
+        </p:nvPicPr>
+        <p:blipFill>
+          <a:blip r:embed="rId4">
+            <a:extLst>
+              <a:ext uri="{28A0092B-C50C-407E-A947-70E740481C1C}">
+                <a14:useLocalDpi xmlns:a14="http://schemas.microsoft.com/office/drawing/2010/main" val="0"/>
+              </a:ext>
+            </a:extLst>
+          </a:blip>
+          <a:stretch>
+            <a:fillRect/>
+          </a:stretch>
+        </p:blipFill>
+        <p:spPr>
+          <a:xfrm rot="21440353">
+            <a:off x="14514854" y="20666475"/>
+            <a:ext cx="1197356" cy="1131942"/>
+          </a:xfrm>
+          <a:prstGeom prst="rect">
+            <a:avLst/>
+          </a:prstGeom>
+        </p:spPr>
+      </p:pic>
+      <p:pic>
+        <p:nvPicPr>
+          <p:cNvPr id="16" name="Picture 15">
+            <a:extLst>
+              <a:ext uri="{FF2B5EF4-FFF2-40B4-BE49-F238E27FC236}">
+                <a16:creationId xmlns:a16="http://schemas.microsoft.com/office/drawing/2014/main" id="{4A6D219C-8E9F-92E9-01F9-875297BF7169}"/>
+              </a:ext>
+            </a:extLst>
+          </p:cNvPr>
+          <p:cNvPicPr>
+            <a:picLocks noChangeAspect="1"/>
+          </p:cNvPicPr>
+          <p:nvPr/>
+        </p:nvPicPr>
+        <p:blipFill>
+          <a:blip r:embed="rId5">
+            <a:extLst>
+              <a:ext uri="{28A0092B-C50C-407E-A947-70E740481C1C}">
+                <a14:useLocalDpi xmlns:a14="http://schemas.microsoft.com/office/drawing/2010/main" val="0"/>
+              </a:ext>
+            </a:extLst>
+          </a:blip>
+          <a:stretch>
+            <a:fillRect/>
+          </a:stretch>
+        </p:blipFill>
+        <p:spPr>
+          <a:xfrm>
+            <a:off x="3475065" y="655247"/>
+            <a:ext cx="19106561" cy="9280333"/>
+          </a:xfrm>
+          <a:prstGeom prst="rect">
+            <a:avLst/>
+          </a:prstGeom>
+        </p:spPr>
+      </p:pic>
+      <p:sp>
+        <p:nvSpPr>
+          <p:cNvPr id="48" name="Rectangle 47">
+            <a:extLst>
+              <a:ext uri="{FF2B5EF4-FFF2-40B4-BE49-F238E27FC236}">
+                <a16:creationId xmlns:a16="http://schemas.microsoft.com/office/drawing/2014/main" id="{0A0D93F2-9FEC-AC3E-8F24-DB63286BF467}"/>
               </a:ext>
             </a:extLst>
           </p:cNvPr>
@@ -4806,8 +4872,8 @@
         </p:nvSpPr>
         <p:spPr>
           <a:xfrm>
-            <a:off x="-542" y="48077702"/>
-            <a:ext cx="25603742" cy="3128698"/>
+            <a:off x="-542" y="49759272"/>
+            <a:ext cx="25603742" cy="1399970"/>
           </a:xfrm>
           <a:prstGeom prst="rect">
             <a:avLst/>
@@ -4871,12 +4937,277 @@
           </a:p>
         </p:txBody>
       </p:sp>
+      <p:sp>
+        <p:nvSpPr>
+          <p:cNvPr id="50" name="Rectangle 49">
+            <a:extLst>
+              <a:ext uri="{FF2B5EF4-FFF2-40B4-BE49-F238E27FC236}">
+                <a16:creationId xmlns:a16="http://schemas.microsoft.com/office/drawing/2014/main" id="{E8CA54F8-9014-8F2D-032A-56C6F6989BC5}"/>
+              </a:ext>
+            </a:extLst>
+          </p:cNvPr>
+          <p:cNvSpPr/>
+          <p:nvPr/>
+        </p:nvSpPr>
+        <p:spPr>
+          <a:xfrm>
+            <a:off x="5769414" y="50256056"/>
+            <a:ext cx="14214148" cy="830997"/>
+          </a:xfrm>
+          <a:prstGeom prst="rect">
+            <a:avLst/>
+          </a:prstGeom>
+        </p:spPr>
+        <p:txBody>
+          <a:bodyPr wrap="none">
+            <a:spAutoFit/>
+          </a:bodyPr>
+          <a:lstStyle/>
+          <a:p>
+            <a:pPr algn="ctr"/>
+            <a:r>
+              <a:rPr lang="en-US" sz="4800" b="1" dirty="0">
+                <a:solidFill>
+                  <a:srgbClr val="0000FF"/>
+                </a:solidFill>
+                <a:latin typeface="Oxygen" panose="02000503000000000000" pitchFamily="2" charset="0"/>
+              </a:rPr>
+              <a:t>www.anodiam.com    ||    anirban@anodiam.com</a:t>
+            </a:r>
+            <a:endParaRPr lang="en-AU" sz="4800" dirty="0">
+              <a:solidFill>
+                <a:srgbClr val="0000FF"/>
+              </a:solidFill>
+            </a:endParaRPr>
+          </a:p>
+        </p:txBody>
+      </p:sp>
+      <p:sp>
+        <p:nvSpPr>
+          <p:cNvPr id="51" name="TextBox 50">
+            <a:extLst>
+              <a:ext uri="{FF2B5EF4-FFF2-40B4-BE49-F238E27FC236}">
+                <a16:creationId xmlns:a16="http://schemas.microsoft.com/office/drawing/2014/main" id="{F336A432-4B2A-6F80-B6AC-2A59CF2F669B}"/>
+              </a:ext>
+            </a:extLst>
+          </p:cNvPr>
+          <p:cNvSpPr txBox="1"/>
+          <p:nvPr/>
+        </p:nvSpPr>
+        <p:spPr>
+          <a:xfrm>
+            <a:off x="2474" y="46584590"/>
+            <a:ext cx="25603742" cy="2428935"/>
+          </a:xfrm>
+          <a:prstGeom prst="rect">
+            <a:avLst/>
+          </a:prstGeom>
+          <a:noFill/>
+        </p:spPr>
+        <p:txBody>
+          <a:bodyPr wrap="square">
+            <a:spAutoFit/>
+          </a:bodyPr>
+          <a:lstStyle/>
+          <a:p>
+            <a:pPr algn="ctr">
+              <a:lnSpc>
+                <a:spcPct val="150000"/>
+              </a:lnSpc>
+            </a:pPr>
+            <a:r>
+              <a:rPr lang="en-US" sz="5400" b="1" cap="small" dirty="0">
+                <a:latin typeface="Oxygen" panose="02000503000000000000" pitchFamily="2" charset="0"/>
+              </a:rPr>
+              <a:t>Globally experienced faculty from prestigious organizations, fun learning</a:t>
+            </a:r>
+          </a:p>
+          <a:p>
+            <a:pPr algn="ctr">
+              <a:lnSpc>
+                <a:spcPct val="150000"/>
+              </a:lnSpc>
+            </a:pPr>
+            <a:r>
+              <a:rPr lang="en-US" sz="5400" b="1" cap="small" dirty="0">
+                <a:latin typeface="Oxygen" panose="02000503000000000000" pitchFamily="2" charset="0"/>
+              </a:rPr>
+              <a:t>Project based, Career Focused, Certification Help, Smart Classrooms, CCTV</a:t>
+            </a:r>
+          </a:p>
+        </p:txBody>
+      </p:sp>
+      <p:sp>
+        <p:nvSpPr>
+          <p:cNvPr id="6" name="TextBox 5">
+            <a:extLst>
+              <a:ext uri="{FF2B5EF4-FFF2-40B4-BE49-F238E27FC236}">
+                <a16:creationId xmlns:a16="http://schemas.microsoft.com/office/drawing/2014/main" id="{47EE3DB2-E09C-7E89-9A75-403204FAC9DA}"/>
+              </a:ext>
+            </a:extLst>
+          </p:cNvPr>
+          <p:cNvSpPr txBox="1"/>
+          <p:nvPr/>
+        </p:nvSpPr>
+        <p:spPr>
+          <a:xfrm>
+            <a:off x="2943605" y="10195081"/>
+            <a:ext cx="18552642" cy="1446550"/>
+          </a:xfrm>
+          <a:prstGeom prst="rect">
+            <a:avLst/>
+          </a:prstGeom>
+          <a:noFill/>
+        </p:spPr>
+        <p:txBody>
+          <a:bodyPr wrap="square" rtlCol="0">
+            <a:spAutoFit/>
+          </a:bodyPr>
+          <a:lstStyle/>
+          <a:p>
+            <a:pPr algn="ctr"/>
+            <a:r>
+              <a:rPr lang="en-US" sz="8800" b="1" cap="small" dirty="0">
+                <a:ln w="6600">
+                  <a:solidFill>
+                    <a:srgbClr val="C00000"/>
+                  </a:solidFill>
+                  <a:prstDash val="solid"/>
+                </a:ln>
+                <a:solidFill>
+                  <a:srgbClr val="C00000"/>
+                </a:solidFill>
+                <a:effectLst>
+                  <a:glow>
+                    <a:srgbClr val="C00000">
+                      <a:alpha val="40000"/>
+                    </a:srgbClr>
+                  </a:glow>
+                  <a:outerShdw dist="38100" dir="5400000" sy="-20000" rotWithShape="0">
+                    <a:prstClr val="black">
+                      <a:alpha val="0"/>
+                    </a:prstClr>
+                  </a:outerShdw>
+                </a:effectLst>
+                <a:latin typeface="Oxygen" panose="02000503000000000000" pitchFamily="2" charset="0"/>
+              </a:rPr>
+              <a:t>Artificial Intelligence &amp; IT Training</a:t>
+            </a:r>
+            <a:endParaRPr lang="en-AU" sz="8800" b="1" cap="small" dirty="0">
+              <a:ln w="6600">
+                <a:solidFill>
+                  <a:srgbClr val="C00000"/>
+                </a:solidFill>
+                <a:prstDash val="solid"/>
+              </a:ln>
+              <a:solidFill>
+                <a:srgbClr val="C00000"/>
+              </a:solidFill>
+              <a:effectLst>
+                <a:glow>
+                  <a:srgbClr val="C00000">
+                    <a:alpha val="40000"/>
+                  </a:srgbClr>
+                </a:glow>
+                <a:outerShdw dist="38100" dir="5400000" sy="-20000" rotWithShape="0">
+                  <a:prstClr val="black">
+                    <a:alpha val="0"/>
+                  </a:prstClr>
+                </a:outerShdw>
+              </a:effectLst>
+              <a:latin typeface="Oxygen" panose="02000503000000000000" pitchFamily="2" charset="0"/>
+            </a:endParaRPr>
+          </a:p>
+        </p:txBody>
+      </p:sp>
+      <p:sp>
+        <p:nvSpPr>
+          <p:cNvPr id="9" name="TextBox 8">
+            <a:extLst>
+              <a:ext uri="{FF2B5EF4-FFF2-40B4-BE49-F238E27FC236}">
+                <a16:creationId xmlns:a16="http://schemas.microsoft.com/office/drawing/2014/main" id="{CA63626C-7F82-083E-780D-AD2B5FE65CF0}"/>
+              </a:ext>
+            </a:extLst>
+          </p:cNvPr>
+          <p:cNvSpPr txBox="1"/>
+          <p:nvPr/>
+        </p:nvSpPr>
+        <p:spPr>
+          <a:xfrm>
+            <a:off x="749149" y="11832739"/>
+            <a:ext cx="17399501" cy="923330"/>
+          </a:xfrm>
+          <a:prstGeom prst="rect">
+            <a:avLst/>
+          </a:prstGeom>
+          <a:noFill/>
+        </p:spPr>
+        <p:txBody>
+          <a:bodyPr wrap="square">
+            <a:spAutoFit/>
+          </a:bodyPr>
+          <a:lstStyle/>
+          <a:p>
+            <a:r>
+              <a:rPr lang="en-US" sz="5400" b="1" cap="small" dirty="0">
+                <a:ln w="6600">
+                  <a:solidFill>
+                    <a:srgbClr val="C00000"/>
+                  </a:solidFill>
+                  <a:prstDash val="solid"/>
+                </a:ln>
+                <a:solidFill>
+                  <a:srgbClr val="C00000"/>
+                </a:solidFill>
+                <a:effectLst>
+                  <a:glow>
+                    <a:srgbClr val="C00000">
+                      <a:alpha val="40000"/>
+                    </a:srgbClr>
+                  </a:glow>
+                  <a:outerShdw dist="38100" dir="5400000" sy="-20000" rotWithShape="0">
+                    <a:prstClr val="black">
+                      <a:alpha val="0"/>
+                    </a:prstClr>
+                  </a:outerShdw>
+                </a:effectLst>
+                <a:latin typeface="Oxygen" panose="02000503000000000000" pitchFamily="2" charset="0"/>
+              </a:rPr>
+              <a:t>N-1/25 Patuli, Kol 94, Near Fire Brigade &amp; Krisi Vikas</a:t>
+            </a:r>
+            <a:endParaRPr lang="en-US" sz="6600" b="1" cap="small" dirty="0">
+              <a:ln w="6600">
+                <a:solidFill>
+                  <a:srgbClr val="C00000"/>
+                </a:solidFill>
+                <a:prstDash val="solid"/>
+              </a:ln>
+              <a:solidFill>
+                <a:srgbClr val="C00000"/>
+              </a:solidFill>
+              <a:effectLst>
+                <a:glow>
+                  <a:srgbClr val="C00000">
+                    <a:alpha val="40000"/>
+                  </a:srgbClr>
+                </a:glow>
+                <a:outerShdw dist="38100" dir="5400000" sy="-20000" rotWithShape="0">
+                  <a:prstClr val="black">
+                    <a:alpha val="0"/>
+                  </a:prstClr>
+                </a:outerShdw>
+              </a:effectLst>
+              <a:latin typeface="Oxygen" panose="02000503000000000000" pitchFamily="2" charset="0"/>
+            </a:endParaRPr>
+          </a:p>
+        </p:txBody>
+      </p:sp>
       <p:pic>
         <p:nvPicPr>
-          <p:cNvPr id="32" name="Picture 10" descr="New Instagram Logo PNG Images 2023">
+          <p:cNvPr id="13" name="Picture 14" descr="Whatsapp Icon PNGs for Free Download">
             <a:extLst>
               <a:ext uri="{FF2B5EF4-FFF2-40B4-BE49-F238E27FC236}">
-                <a16:creationId xmlns:a16="http://schemas.microsoft.com/office/drawing/2014/main" id="{2A975E25-B8BA-7B3A-B880-6D50462A7181}"/>
+                <a16:creationId xmlns:a16="http://schemas.microsoft.com/office/drawing/2014/main" id="{72AD5D8E-C562-A871-5788-0F9594E3B74C}"/>
               </a:ext>
             </a:extLst>
           </p:cNvPr>
@@ -4886,7 +5217,7 @@
           <p:nvPr/>
         </p:nvPicPr>
         <p:blipFill>
-          <a:blip r:embed="rId4" cstate="print">
+          <a:blip r:embed="rId6" cstate="print">
             <a:extLst>
               <a:ext uri="{28A0092B-C50C-407E-A947-70E740481C1C}">
                 <a14:useLocalDpi xmlns:a14="http://schemas.microsoft.com/office/drawing/2010/main" val="0"/>
@@ -4900,8 +5231,8 @@
         </p:blipFill>
         <p:spPr bwMode="auto">
           <a:xfrm>
-            <a:off x="3347233" y="49174192"/>
-            <a:ext cx="1790429" cy="1790429"/>
+            <a:off x="23880971" y="11770669"/>
+            <a:ext cx="1046991" cy="1046991"/>
           </a:xfrm>
           <a:prstGeom prst="rect">
             <a:avLst/>
@@ -4918,154 +5249,26 @@
           </a:extLst>
         </p:spPr>
       </p:pic>
-      <p:pic>
-        <p:nvPicPr>
-          <p:cNvPr id="34" name="Picture 16" descr="Linkedin logo png, Linkedin icon transparent png 18930587 PNG">
+      <p:sp>
+        <p:nvSpPr>
+          <p:cNvPr id="17" name="Rectangle 16">
             <a:extLst>
               <a:ext uri="{FF2B5EF4-FFF2-40B4-BE49-F238E27FC236}">
-                <a16:creationId xmlns:a16="http://schemas.microsoft.com/office/drawing/2014/main" id="{3384B965-D3AF-BA2B-55AE-3685B94C1BA4}"/>
+                <a16:creationId xmlns:a16="http://schemas.microsoft.com/office/drawing/2014/main" id="{F7B0A328-8346-0EB7-6B47-84976E7F4F75}"/>
               </a:ext>
             </a:extLst>
           </p:cNvPr>
-          <p:cNvPicPr>
-            <a:picLocks noChangeAspect="1" noChangeArrowheads="1"/>
-          </p:cNvPicPr>
+          <p:cNvSpPr/>
           <p:nvPr/>
-        </p:nvPicPr>
-        <p:blipFill>
-          <a:blip r:embed="rId5" cstate="print">
-            <a:extLst>
-              <a:ext uri="{28A0092B-C50C-407E-A947-70E740481C1C}">
-                <a14:useLocalDpi xmlns:a14="http://schemas.microsoft.com/office/drawing/2010/main" val="0"/>
-              </a:ext>
-            </a:extLst>
-          </a:blip>
-          <a:srcRect/>
-          <a:stretch>
-            <a:fillRect/>
-          </a:stretch>
-        </p:blipFill>
-        <p:spPr bwMode="auto">
-          <a:xfrm>
-            <a:off x="271390" y="48505058"/>
-            <a:ext cx="3128698" cy="3128698"/>
+        </p:nvSpPr>
+        <p:spPr>
+          <a:xfrm>
+            <a:off x="18890860" y="11472016"/>
+            <a:ext cx="4984553" cy="1303562"/>
           </a:xfrm>
           <a:prstGeom prst="rect">
             <a:avLst/>
           </a:prstGeom>
-          <a:noFill/>
-          <a:extLst>
-            <a:ext uri="{909E8E84-426E-40DD-AFC4-6F175D3DCCD1}">
-              <a14:hiddenFill xmlns:a14="http://schemas.microsoft.com/office/drawing/2010/main">
-                <a:solidFill>
-                  <a:srgbClr val="FFFFFF"/>
-                </a:solidFill>
-              </a14:hiddenFill>
-            </a:ext>
-          </a:extLst>
-        </p:spPr>
-      </p:pic>
-      <p:sp>
-        <p:nvSpPr>
-          <p:cNvPr id="36" name="Rectangle 35">
-            <a:extLst>
-              <a:ext uri="{FF2B5EF4-FFF2-40B4-BE49-F238E27FC236}">
-                <a16:creationId xmlns:a16="http://schemas.microsoft.com/office/drawing/2014/main" id="{4E84058A-D644-5914-179D-A788DC9083CC}"/>
-              </a:ext>
-            </a:extLst>
-          </p:cNvPr>
-          <p:cNvSpPr/>
-          <p:nvPr/>
-        </p:nvSpPr>
-        <p:spPr>
-          <a:xfrm>
-            <a:off x="5667051" y="49526796"/>
-            <a:ext cx="19781377" cy="1200329"/>
-          </a:xfrm>
-          <a:prstGeom prst="rect">
-            <a:avLst/>
-          </a:prstGeom>
-        </p:spPr>
-        <p:txBody>
-          <a:bodyPr wrap="none">
-            <a:spAutoFit/>
-          </a:bodyPr>
-          <a:lstStyle/>
-          <a:p>
-            <a:r>
-              <a:rPr lang="en-US" sz="7200" b="1" dirty="0">
-                <a:solidFill>
-                  <a:srgbClr val="0000FF"/>
-                </a:solidFill>
-                <a:latin typeface="Oxygen" panose="02000503000000000000" pitchFamily="2" charset="0"/>
-              </a:rPr>
-              <a:t>www.anodiam.com || anirban@anodiam.com</a:t>
-            </a:r>
-            <a:endParaRPr lang="en-AU" sz="7200" dirty="0">
-              <a:solidFill>
-                <a:srgbClr val="0000FF"/>
-              </a:solidFill>
-            </a:endParaRPr>
-          </a:p>
-        </p:txBody>
-      </p:sp>
-      <p:pic>
-        <p:nvPicPr>
-          <p:cNvPr id="13" name="Picture 12">
-            <a:extLst>
-              <a:ext uri="{FF2B5EF4-FFF2-40B4-BE49-F238E27FC236}">
-                <a16:creationId xmlns:a16="http://schemas.microsoft.com/office/drawing/2014/main" id="{0B8D66B7-B7EF-A10E-ACF6-180961A64482}"/>
-              </a:ext>
-            </a:extLst>
-          </p:cNvPr>
-          <p:cNvPicPr>
-            <a:picLocks noChangeAspect="1"/>
-          </p:cNvPicPr>
-          <p:nvPr/>
-        </p:nvPicPr>
-        <p:blipFill>
-          <a:blip r:embed="rId6">
-            <a:extLst>
-              <a:ext uri="{28A0092B-C50C-407E-A947-70E740481C1C}">
-                <a14:useLocalDpi xmlns:a14="http://schemas.microsoft.com/office/drawing/2010/main" val="0"/>
-              </a:ext>
-            </a:extLst>
-          </a:blip>
-          <a:stretch>
-            <a:fillRect/>
-          </a:stretch>
-        </p:blipFill>
-        <p:spPr>
-          <a:xfrm>
-            <a:off x="3237713" y="557926"/>
-            <a:ext cx="19106561" cy="9280333"/>
-          </a:xfrm>
-          <a:prstGeom prst="rect">
-            <a:avLst/>
-          </a:prstGeom>
-        </p:spPr>
-      </p:pic>
-      <p:sp>
-        <p:nvSpPr>
-          <p:cNvPr id="39" name="TextBox 38">
-            <a:extLst>
-              <a:ext uri="{FF2B5EF4-FFF2-40B4-BE49-F238E27FC236}">
-                <a16:creationId xmlns:a16="http://schemas.microsoft.com/office/drawing/2014/main" id="{F71474C8-D56F-A009-1E43-209F024854AC}"/>
-              </a:ext>
-            </a:extLst>
-          </p:cNvPr>
-          <p:cNvSpPr txBox="1"/>
-          <p:nvPr/>
-        </p:nvSpPr>
-        <p:spPr>
-          <a:xfrm>
-            <a:off x="3298479" y="11257393"/>
-            <a:ext cx="19106561" cy="1938992"/>
-          </a:xfrm>
-          <a:prstGeom prst="rect">
-            <a:avLst/>
-          </a:prstGeom>
-          <a:noFill/>
         </p:spPr>
         <p:txBody>
           <a:bodyPr wrap="square">
@@ -5073,7 +5276,11 @@
           </a:bodyPr>
           <a:lstStyle/>
           <a:p>
-            <a:pPr algn="ctr"/>
+            <a:pPr algn="ctr">
+              <a:lnSpc>
+                <a:spcPct val="150000"/>
+              </a:lnSpc>
+            </a:pPr>
             <a:r>
               <a:rPr lang="en-US" sz="6000" b="1" cap="small" dirty="0">
                 <a:ln w="6600">
@@ -5099,47 +5306,41 @@
                 </a:effectLst>
                 <a:latin typeface="Oxygen" panose="02000503000000000000" pitchFamily="2" charset="0"/>
               </a:rPr>
-              <a:t>N-1/25 Patuli, Kol 94</a:t>
-            </a:r>
-          </a:p>
-          <a:p>
-            <a:pPr algn="ctr"/>
-            <a:r>
-              <a:rPr lang="en-US" sz="6000" b="1" cap="small" dirty="0">
-                <a:ln w="6600">
-                  <a:solidFill>
-                    <a:srgbClr val="C00000"/>
-                  </a:solidFill>
-                  <a:prstDash val="solid"/>
-                </a:ln>
+              <a:t>9073 700094</a:t>
+            </a:r>
+            <a:endParaRPr lang="en-AU" sz="6000" b="1" cap="small" dirty="0">
+              <a:ln w="6600">
                 <a:solidFill>
                   <a:srgbClr val="C00000"/>
                 </a:solidFill>
-                <a:effectLst>
-                  <a:glow>
-                    <a:srgbClr val="C00000">
-                      <a:alpha val="40000"/>
-                    </a:srgbClr>
-                  </a:glow>
-                  <a:outerShdw dist="38100" dir="5400000" sy="-20000" rotWithShape="0">
-                    <a:prstClr val="black">
-                      <a:alpha val="0"/>
-                    </a:prstClr>
-                  </a:outerShdw>
-                </a:effectLst>
-                <a:latin typeface="Oxygen" panose="02000503000000000000" pitchFamily="2" charset="0"/>
-              </a:rPr>
-              <a:t>Near Fire Brigade &amp; Krisi Vikas</a:t>
-            </a:r>
+                <a:prstDash val="solid"/>
+              </a:ln>
+              <a:solidFill>
+                <a:srgbClr val="C00000"/>
+              </a:solidFill>
+              <a:effectLst>
+                <a:glow>
+                  <a:srgbClr val="C00000">
+                    <a:alpha val="40000"/>
+                  </a:srgbClr>
+                </a:glow>
+                <a:outerShdw dist="38100" dir="5400000" sy="-20000" rotWithShape="0">
+                  <a:prstClr val="black">
+                    <a:alpha val="0"/>
+                  </a:prstClr>
+                </a:outerShdw>
+              </a:effectLst>
+              <a:latin typeface="Oxygen" panose="02000503000000000000" pitchFamily="2" charset="0"/>
+            </a:endParaRPr>
           </a:p>
         </p:txBody>
       </p:sp>
       <p:pic>
         <p:nvPicPr>
-          <p:cNvPr id="40" name="Picture 14" descr="Whatsapp Icon PNGs for Free Download">
+          <p:cNvPr id="18" name="Picture 18" descr="Page 2 | Phone Icon Png Images - Free Download on Freepik">
             <a:extLst>
               <a:ext uri="{FF2B5EF4-FFF2-40B4-BE49-F238E27FC236}">
-                <a16:creationId xmlns:a16="http://schemas.microsoft.com/office/drawing/2014/main" id="{4614A863-72B5-6D79-5611-3F749E580A6C}"/>
+                <a16:creationId xmlns:a16="http://schemas.microsoft.com/office/drawing/2014/main" id="{D874A106-EA87-892F-1EFC-0F6D84163E51}"/>
               </a:ext>
             </a:extLst>
           </p:cNvPr>
@@ -5163,8 +5364,8 @@
         </p:blipFill>
         <p:spPr bwMode="auto">
           <a:xfrm>
-            <a:off x="16384424" y="13403278"/>
-            <a:ext cx="1046991" cy="1046991"/>
+            <a:off x="17928472" y="11816144"/>
+            <a:ext cx="964851" cy="964851"/>
           </a:xfrm>
           <a:prstGeom prst="rect">
             <a:avLst/>
@@ -5183,10 +5384,10 @@
       </p:pic>
       <p:sp>
         <p:nvSpPr>
-          <p:cNvPr id="41" name="Rectangle 40">
+          <p:cNvPr id="10" name="32-Point Star 20">
             <a:extLst>
               <a:ext uri="{FF2B5EF4-FFF2-40B4-BE49-F238E27FC236}">
-                <a16:creationId xmlns:a16="http://schemas.microsoft.com/office/drawing/2014/main" id="{F9D8F186-43FC-19CD-B884-5AEC7E1E6390}"/>
+                <a16:creationId xmlns:a16="http://schemas.microsoft.com/office/drawing/2014/main" id="{B6035D38-AD9E-0F61-087C-17F1147216DA}"/>
               </a:ext>
             </a:extLst>
           </p:cNvPr>
@@ -5194,74 +5395,113 @@
           <p:nvPr/>
         </p:nvSpPr>
         <p:spPr>
-          <a:xfrm>
-            <a:off x="8307461" y="12819926"/>
-            <a:ext cx="8984380" cy="1707262"/>
-          </a:xfrm>
-          <a:prstGeom prst="rect">
+          <a:xfrm rot="21243013">
+            <a:off x="7756438" y="13332928"/>
+            <a:ext cx="10815524" cy="6012258"/>
+          </a:xfrm>
+          <a:prstGeom prst="star32">
             <a:avLst/>
           </a:prstGeom>
-        </p:spPr>
-        <p:txBody>
-          <a:bodyPr wrap="square">
-            <a:spAutoFit/>
-          </a:bodyPr>
-          <a:lstStyle/>
-          <a:p>
-            <a:pPr algn="ctr">
-              <a:lnSpc>
-                <a:spcPct val="150000"/>
-              </a:lnSpc>
-            </a:pPr>
-            <a:r>
-              <a:rPr lang="en-US" sz="8000" b="1" cap="small" dirty="0">
-                <a:ln w="6600">
-                  <a:solidFill>
-                    <a:srgbClr val="C00000"/>
-                  </a:solidFill>
-                  <a:prstDash val="solid"/>
-                </a:ln>
+          <a:solidFill>
+            <a:srgbClr val="FF0000"/>
+          </a:solidFill>
+          <a:ln w="254000">
+            <a:solidFill>
+              <a:srgbClr val="0066FF"/>
+            </a:solidFill>
+          </a:ln>
+        </p:spPr>
+        <p:style>
+          <a:lnRef idx="2">
+            <a:schemeClr val="accent1">
+              <a:shade val="50000"/>
+            </a:schemeClr>
+          </a:lnRef>
+          <a:fillRef idx="1">
+            <a:schemeClr val="accent1"/>
+          </a:fillRef>
+          <a:effectRef idx="0">
+            <a:schemeClr val="accent1"/>
+          </a:effectRef>
+          <a:fontRef idx="minor">
+            <a:schemeClr val="lt1"/>
+          </a:fontRef>
+        </p:style>
+        <p:txBody>
+          <a:bodyPr rtlCol="0" anchor="ctr"/>
+          <a:lstStyle/>
+          <a:p>
+            <a:pPr algn="ctr"/>
+            <a:r>
+              <a:rPr lang="en-US" sz="4400" b="1" cap="small" dirty="0">
                 <a:solidFill>
-                  <a:srgbClr val="C00000"/>
+                  <a:schemeClr val="bg1"/>
                 </a:solidFill>
-                <a:effectLst>
-                  <a:glow rad="63500">
-                    <a:srgbClr val="C00000">
-                      <a:alpha val="40000"/>
-                    </a:srgbClr>
-                  </a:glow>
-                  <a:outerShdw dist="38100" dir="5400000" sy="-20000" rotWithShape="0">
-                    <a:prstClr val="black">
-                      <a:alpha val="0"/>
-                    </a:prstClr>
-                  </a:outerShdw>
-                </a:effectLst>
                 <a:latin typeface="Oxygen" panose="02000503000000000000" pitchFamily="2" charset="0"/>
               </a:rPr>
-              <a:t>9073 700094</a:t>
-            </a:r>
-            <a:endParaRPr lang="en-AU" sz="8000" b="1" cap="small" dirty="0">
-              <a:ln w="6600">
+              <a:t>Upto</a:t>
+            </a:r>
+            <a:r>
+              <a:rPr lang="en-US" sz="3200" b="1" cap="small" dirty="0">
                 <a:solidFill>
-                  <a:srgbClr val="C00000"/>
+                  <a:schemeClr val="bg1"/>
                 </a:solidFill>
-                <a:prstDash val="solid"/>
-              </a:ln>
+                <a:latin typeface="Oxygen" panose="02000503000000000000" pitchFamily="2" charset="0"/>
+              </a:rPr>
+              <a:t> </a:t>
+            </a:r>
+            <a:r>
+              <a:rPr lang="en-US" sz="11600" b="1" cap="small" dirty="0">
+                <a:solidFill>
+                  <a:schemeClr val="bg1"/>
+                </a:solidFill>
+                <a:latin typeface="Oxygen" panose="02000503000000000000" pitchFamily="2" charset="0"/>
+              </a:rPr>
+              <a:t>50%</a:t>
+            </a:r>
+            <a:r>
+              <a:rPr lang="en-US" sz="3200" b="1" cap="small" dirty="0">
+                <a:solidFill>
+                  <a:schemeClr val="bg1"/>
+                </a:solidFill>
+                <a:latin typeface="Oxygen" panose="02000503000000000000" pitchFamily="2" charset="0"/>
+              </a:rPr>
+              <a:t> </a:t>
+            </a:r>
+            <a:r>
+              <a:rPr lang="en-US" sz="4400" b="1" cap="small" dirty="0">
+                <a:solidFill>
+                  <a:schemeClr val="bg1"/>
+                </a:solidFill>
+                <a:latin typeface="Oxygen" panose="02000503000000000000" pitchFamily="2" charset="0"/>
+              </a:rPr>
+              <a:t>Off</a:t>
+            </a:r>
+            <a:r>
+              <a:rPr lang="en-US" sz="6000" b="1" cap="small" dirty="0">
+                <a:solidFill>
+                  <a:schemeClr val="bg1"/>
+                </a:solidFill>
+                <a:latin typeface="Oxygen" panose="02000503000000000000" pitchFamily="2" charset="0"/>
+              </a:rPr>
+              <a:t> </a:t>
+            </a:r>
+          </a:p>
+          <a:p>
+            <a:pPr algn="ctr"/>
+            <a:r>
+              <a:rPr lang="en-US" sz="4400" b="1" cap="small" dirty="0">
+                <a:solidFill>
+                  <a:schemeClr val="bg1"/>
+                </a:solidFill>
+                <a:latin typeface="Oxygen" panose="02000503000000000000" pitchFamily="2" charset="0"/>
+              </a:rPr>
+              <a:t>T&amp;C Apply</a:t>
+            </a:r>
+            <a:endParaRPr lang="en-US" sz="2800" b="1" cap="small" dirty="0">
               <a:solidFill>
-                <a:srgbClr val="C00000"/>
+                <a:schemeClr val="bg1"/>
               </a:solidFill>
-              <a:effectLst>
-                <a:glow rad="63500">
-                  <a:srgbClr val="C00000">
-                    <a:alpha val="40000"/>
-                  </a:srgbClr>
-                </a:glow>
-                <a:outerShdw dist="38100" dir="5400000" sy="-20000" rotWithShape="0">
-                  <a:prstClr val="black">
-                    <a:alpha val="0"/>
-                  </a:prstClr>
-                </a:outerShdw>
-              </a:effectLst>
               <a:latin typeface="Oxygen" panose="02000503000000000000" pitchFamily="2" charset="0"/>
             </a:endParaRPr>
           </a:p>
@@ -5269,163 +5509,46 @@
       </p:sp>
       <p:pic>
         <p:nvPicPr>
-          <p:cNvPr id="42" name="Picture 18" descr="Page 2 | Phone Icon Png Images - Free Download on Freepik">
+          <p:cNvPr id="11" name="Picture 10">
             <a:extLst>
               <a:ext uri="{FF2B5EF4-FFF2-40B4-BE49-F238E27FC236}">
-                <a16:creationId xmlns:a16="http://schemas.microsoft.com/office/drawing/2014/main" id="{0AE7602C-AB89-8DF9-830B-C813846C2C66}"/>
+                <a16:creationId xmlns:a16="http://schemas.microsoft.com/office/drawing/2014/main" id="{85E08741-C289-E721-E7D9-C2803E860D25}"/>
               </a:ext>
             </a:extLst>
           </p:cNvPr>
           <p:cNvPicPr>
-            <a:picLocks noChangeAspect="1" noChangeArrowheads="1"/>
+            <a:picLocks noChangeAspect="1"/>
           </p:cNvPicPr>
           <p:nvPr/>
         </p:nvPicPr>
         <p:blipFill>
-          <a:blip r:embed="rId8" cstate="print">
+          <a:blip r:embed="rId8">
             <a:extLst>
               <a:ext uri="{28A0092B-C50C-407E-A947-70E740481C1C}">
                 <a14:useLocalDpi xmlns:a14="http://schemas.microsoft.com/office/drawing/2010/main" val="0"/>
               </a:ext>
             </a:extLst>
           </a:blip>
-          <a:srcRect/>
           <a:stretch>
             <a:fillRect/>
           </a:stretch>
         </p:blipFill>
-        <p:spPr bwMode="auto">
-          <a:xfrm>
-            <a:off x="8406248" y="13377132"/>
-            <a:ext cx="964851" cy="964851"/>
+        <p:spPr>
+          <a:xfrm>
+            <a:off x="129737" y="13453649"/>
+            <a:ext cx="10567652" cy="13672954"/>
           </a:xfrm>
           <a:prstGeom prst="rect">
             <a:avLst/>
           </a:prstGeom>
-          <a:noFill/>
-          <a:extLst>
-            <a:ext uri="{909E8E84-426E-40DD-AFC4-6F175D3DCCD1}">
-              <a14:hiddenFill xmlns:a14="http://schemas.microsoft.com/office/drawing/2010/main">
-                <a:solidFill>
-                  <a:srgbClr val="FFFFFF"/>
-                </a:solidFill>
-              </a14:hiddenFill>
-            </a:ext>
-          </a:extLst>
         </p:spPr>
       </p:pic>
-      <p:sp>
-        <p:nvSpPr>
-          <p:cNvPr id="49" name="TextBox 48">
-            <a:extLst>
-              <a:ext uri="{FF2B5EF4-FFF2-40B4-BE49-F238E27FC236}">
-                <a16:creationId xmlns:a16="http://schemas.microsoft.com/office/drawing/2014/main" id="{A78A26A3-6E03-D16E-D6B2-4CE07FC77059}"/>
-              </a:ext>
-            </a:extLst>
-          </p:cNvPr>
-          <p:cNvSpPr txBox="1"/>
-          <p:nvPr/>
-        </p:nvSpPr>
-        <p:spPr>
-          <a:xfrm>
-            <a:off x="0" y="46793497"/>
-            <a:ext cx="25603742" cy="1446550"/>
-          </a:xfrm>
-          <a:prstGeom prst="rect">
-            <a:avLst/>
-          </a:prstGeom>
-          <a:noFill/>
-        </p:spPr>
-        <p:txBody>
-          <a:bodyPr wrap="square">
-            <a:spAutoFit/>
-          </a:bodyPr>
-          <a:lstStyle/>
-          <a:p>
-            <a:pPr algn="ctr"/>
-            <a:r>
-              <a:rPr lang="en-US" sz="4400" b="1" cap="small" dirty="0">
-                <a:latin typeface="Oxygen" panose="02000503000000000000" pitchFamily="2" charset="0"/>
-              </a:rPr>
-              <a:t>Globally experienced faculty from prestigious organizations, fun &amp; easy learning</a:t>
-            </a:r>
-          </a:p>
-          <a:p>
-            <a:pPr algn="ctr"/>
-            <a:r>
-              <a:rPr lang="en-US" sz="4400" b="1" cap="small" dirty="0">
-                <a:latin typeface="Oxygen" panose="02000503000000000000" pitchFamily="2" charset="0"/>
-              </a:rPr>
-              <a:t>Project based, Career Focused, Certification Help, Smart Classrooms, AC, CCTV</a:t>
-            </a:r>
-          </a:p>
-        </p:txBody>
-      </p:sp>
-      <p:sp>
-        <p:nvSpPr>
-          <p:cNvPr id="3" name="TextBox 2">
-            <a:extLst>
-              <a:ext uri="{FF2B5EF4-FFF2-40B4-BE49-F238E27FC236}">
-                <a16:creationId xmlns:a16="http://schemas.microsoft.com/office/drawing/2014/main" id="{C8E5D79E-9D08-2548-4F0B-DDA06A2DBD1F}"/>
-              </a:ext>
-            </a:extLst>
-          </p:cNvPr>
-          <p:cNvSpPr txBox="1"/>
-          <p:nvPr/>
-        </p:nvSpPr>
-        <p:spPr>
-          <a:xfrm>
-            <a:off x="2827244" y="9960129"/>
-            <a:ext cx="19577796" cy="1323439"/>
-          </a:xfrm>
-          <a:prstGeom prst="rect">
-            <a:avLst/>
-          </a:prstGeom>
-          <a:noFill/>
-        </p:spPr>
-        <p:txBody>
-          <a:bodyPr wrap="square" rtlCol="0">
-            <a:spAutoFit/>
-          </a:bodyPr>
-          <a:lstStyle/>
-          <a:p>
-            <a:pPr algn="ctr"/>
-            <a:r>
-              <a:rPr lang="en-US" sz="8000" b="1" cap="small" dirty="0">
-                <a:ln w="6600">
-                  <a:solidFill>
-                    <a:srgbClr val="C00000"/>
-                  </a:solidFill>
-                  <a:prstDash val="solid"/>
-                </a:ln>
-                <a:solidFill>
-                  <a:srgbClr val="C00000"/>
-                </a:solidFill>
-                <a:effectLst>
-                  <a:glow rad="63500">
-                    <a:srgbClr val="C00000">
-                      <a:alpha val="40000"/>
-                    </a:srgbClr>
-                  </a:glow>
-                  <a:outerShdw dist="38100" dir="5400000" sy="-20000" rotWithShape="0">
-                    <a:prstClr val="black">
-                      <a:alpha val="0"/>
-                    </a:prstClr>
-                  </a:outerShdw>
-                </a:effectLst>
-                <a:latin typeface="Oxygen" panose="02000503000000000000" pitchFamily="2" charset="0"/>
-              </a:rPr>
-              <a:t>Artificial Intelligence</a:t>
-            </a:r>
-          </a:p>
-        </p:txBody>
-      </p:sp>
       <p:pic>
         <p:nvPicPr>
-          <p:cNvPr id="10" name="Picture 9">
+          <p:cNvPr id="12" name="Picture 11">
             <a:extLst>
               <a:ext uri="{FF2B5EF4-FFF2-40B4-BE49-F238E27FC236}">
-                <a16:creationId xmlns:a16="http://schemas.microsoft.com/office/drawing/2014/main" id="{27AEA0E6-AFA8-3AF8-6E68-4C7CD1F8BB73}"/>
+                <a16:creationId xmlns:a16="http://schemas.microsoft.com/office/drawing/2014/main" id="{BF2A727D-B778-8AB6-25D9-85033420E59E}"/>
               </a:ext>
             </a:extLst>
           </p:cNvPr>
@@ -5437,15 +5560,6 @@
         <p:blipFill>
           <a:blip r:embed="rId9">
             <a:extLst>
-              <a:ext uri="{BEBA8EAE-BF5A-486C-A8C5-ECC9F3942E4B}">
-                <a14:imgProps xmlns:a14="http://schemas.microsoft.com/office/drawing/2010/main">
-                  <a14:imgLayer r:embed="rId10">
-                    <a14:imgEffect>
-                      <a14:brightnessContrast bright="20000" contrast="16000"/>
-                    </a14:imgEffect>
-                  </a14:imgLayer>
-                </a14:imgProps>
-              </a:ext>
               <a:ext uri="{28A0092B-C50C-407E-A947-70E740481C1C}">
                 <a14:useLocalDpi xmlns:a14="http://schemas.microsoft.com/office/drawing/2010/main" val="0"/>
               </a:ext>
@@ -5457,8 +5571,8 @@
         </p:blipFill>
         <p:spPr>
           <a:xfrm>
-            <a:off x="-660912" y="10115331"/>
-            <a:ext cx="15662123" cy="20834598"/>
+            <a:off x="80013" y="18062650"/>
+            <a:ext cx="5163468" cy="7374615"/>
           </a:xfrm>
           <a:prstGeom prst="rect">
             <a:avLst/>
@@ -5467,10 +5581,10 @@
       </p:pic>
       <p:pic>
         <p:nvPicPr>
-          <p:cNvPr id="17" name="Picture 16">
+          <p:cNvPr id="5" name="Picture 4">
             <a:extLst>
               <a:ext uri="{FF2B5EF4-FFF2-40B4-BE49-F238E27FC236}">
-                <a16:creationId xmlns:a16="http://schemas.microsoft.com/office/drawing/2014/main" id="{2A88CD58-A345-2D82-B535-B54DF3C15F5C}"/>
+                <a16:creationId xmlns:a16="http://schemas.microsoft.com/office/drawing/2014/main" id="{FBF35326-55A1-08FC-B11E-0657BAE12F48}"/>
               </a:ext>
             </a:extLst>
           </p:cNvPr>
@@ -5480,7 +5594,7 @@
           <p:nvPr/>
         </p:nvPicPr>
         <p:blipFill>
-          <a:blip r:embed="rId11">
+          <a:blip r:embed="rId10">
             <a:extLst>
               <a:ext uri="{28A0092B-C50C-407E-A947-70E740481C1C}">
                 <a14:useLocalDpi xmlns:a14="http://schemas.microsoft.com/office/drawing/2010/main" val="0"/>
@@ -5492,21 +5606,51 @@
           </a:stretch>
         </p:blipFill>
         <p:spPr>
-          <a:xfrm rot="21440353">
-            <a:off x="14521841" y="20220469"/>
-            <a:ext cx="1197356" cy="1131942"/>
+          <a:xfrm>
+            <a:off x="4143301" y="18036032"/>
+            <a:ext cx="9862786" cy="7209396"/>
           </a:xfrm>
           <a:prstGeom prst="rect">
             <a:avLst/>
           </a:prstGeom>
         </p:spPr>
       </p:pic>
-      <p:sp>
-        <p:nvSpPr>
-          <p:cNvPr id="11" name="Rectangle 10">
+      <p:pic>
+        <p:nvPicPr>
+          <p:cNvPr id="52" name="Picture 51">
             <a:extLst>
               <a:ext uri="{FF2B5EF4-FFF2-40B4-BE49-F238E27FC236}">
-                <a16:creationId xmlns:a16="http://schemas.microsoft.com/office/drawing/2014/main" id="{119463C9-234E-E885-5699-32205E3F5A37}"/>
+                <a16:creationId xmlns:a16="http://schemas.microsoft.com/office/drawing/2014/main" id="{89A95B42-3762-71DB-620B-5C4FF7451A96}"/>
+              </a:ext>
+            </a:extLst>
+          </p:cNvPr>
+          <p:cNvPicPr>
+            <a:picLocks noChangeAspect="1"/>
+          </p:cNvPicPr>
+          <p:nvPr/>
+        </p:nvPicPr>
+        <p:blipFill>
+          <a:blip r:embed="rId11"/>
+          <a:stretch>
+            <a:fillRect/>
+          </a:stretch>
+        </p:blipFill>
+        <p:spPr>
+          <a:xfrm>
+            <a:off x="8484" y="23442598"/>
+            <a:ext cx="8463920" cy="2036285"/>
+          </a:xfrm>
+          <a:prstGeom prst="rect">
+            <a:avLst/>
+          </a:prstGeom>
+        </p:spPr>
+      </p:pic>
+      <p:sp>
+        <p:nvSpPr>
+          <p:cNvPr id="25" name="Rectangle 24">
+            <a:extLst>
+              <a:ext uri="{FF2B5EF4-FFF2-40B4-BE49-F238E27FC236}">
+                <a16:creationId xmlns:a16="http://schemas.microsoft.com/office/drawing/2014/main" id="{14B15FD4-C580-D8F1-3655-0D373BF7E6E0}"/>
               </a:ext>
             </a:extLst>
           </p:cNvPr>
@@ -5515,8 +5659,8 @@
         </p:nvSpPr>
         <p:spPr>
           <a:xfrm>
-            <a:off x="-53900" y="24120551"/>
-            <a:ext cx="15392540" cy="9835339"/>
+            <a:off x="-11494" y="25425224"/>
+            <a:ext cx="14345754" cy="15305157"/>
           </a:xfrm>
           <a:prstGeom prst="rect">
             <a:avLst/>
@@ -5553,12 +5697,51 @@
           </a:p>
         </p:txBody>
       </p:sp>
+      <p:sp>
+        <p:nvSpPr>
+          <p:cNvPr id="26" name="Rectangle 25">
+            <a:extLst>
+              <a:ext uri="{FF2B5EF4-FFF2-40B4-BE49-F238E27FC236}">
+                <a16:creationId xmlns:a16="http://schemas.microsoft.com/office/drawing/2014/main" id="{EB461A65-85BE-D075-3CED-577C5FC18EDC}"/>
+              </a:ext>
+            </a:extLst>
+          </p:cNvPr>
+          <p:cNvSpPr/>
+          <p:nvPr/>
+        </p:nvSpPr>
+        <p:spPr>
+          <a:xfrm>
+            <a:off x="13994526" y="27260954"/>
+            <a:ext cx="3465394" cy="646331"/>
+          </a:xfrm>
+          <a:prstGeom prst="rect">
+            <a:avLst/>
+          </a:prstGeom>
+        </p:spPr>
+        <p:txBody>
+          <a:bodyPr wrap="square">
+            <a:spAutoFit/>
+          </a:bodyPr>
+          <a:lstStyle/>
+          <a:p>
+            <a:r>
+              <a:rPr lang="en-AU" sz="3600" b="1" dirty="0">
+                <a:solidFill>
+                  <a:srgbClr val="002060"/>
+                </a:solidFill>
+                <a:latin typeface="Oxygen" panose="02000503000000000000" pitchFamily="2" charset="0"/>
+              </a:rPr>
+              <a:t>App Download</a:t>
+            </a:r>
+          </a:p>
+        </p:txBody>
+      </p:sp>
       <p:pic>
         <p:nvPicPr>
-          <p:cNvPr id="31" name="Picture 30">
+          <p:cNvPr id="28" name="Picture 27">
             <a:extLst>
               <a:ext uri="{FF2B5EF4-FFF2-40B4-BE49-F238E27FC236}">
-                <a16:creationId xmlns:a16="http://schemas.microsoft.com/office/drawing/2014/main" id="{E43E14B3-49BF-2BFE-5BE3-B58E9F8EDE18}"/>
+                <a16:creationId xmlns:a16="http://schemas.microsoft.com/office/drawing/2014/main" id="{5C5D06D2-E5FA-D1C5-B900-35C73F4E2187}"/>
               </a:ext>
             </a:extLst>
           </p:cNvPr>
@@ -5568,37 +5751,7 @@
           <p:nvPr/>
         </p:nvPicPr>
         <p:blipFill>
-          <a:blip r:embed="rId12"/>
-          <a:stretch>
-            <a:fillRect/>
-          </a:stretch>
-        </p:blipFill>
-        <p:spPr>
-          <a:xfrm>
-            <a:off x="69795" y="24335512"/>
-            <a:ext cx="12820572" cy="1990608"/>
-          </a:xfrm>
-          <a:prstGeom prst="rect">
-            <a:avLst/>
-          </a:prstGeom>
-        </p:spPr>
-      </p:pic>
-      <p:pic>
-        <p:nvPicPr>
-          <p:cNvPr id="26" name="Picture 25">
-            <a:extLst>
-              <a:ext uri="{FF2B5EF4-FFF2-40B4-BE49-F238E27FC236}">
-                <a16:creationId xmlns:a16="http://schemas.microsoft.com/office/drawing/2014/main" id="{40B5BD0E-27AF-1848-9DB4-89CEFD0A700E}"/>
-              </a:ext>
-            </a:extLst>
-          </p:cNvPr>
-          <p:cNvPicPr>
-            <a:picLocks noChangeAspect="1"/>
-          </p:cNvPicPr>
-          <p:nvPr/>
-        </p:nvPicPr>
-        <p:blipFill>
-          <a:blip r:embed="rId13">
+          <a:blip r:embed="rId12">
             <a:extLst>
               <a:ext uri="{28A0092B-C50C-407E-A947-70E740481C1C}">
                 <a14:useLocalDpi xmlns:a14="http://schemas.microsoft.com/office/drawing/2010/main" val="0"/>
@@ -5611,86 +5764,20 @@
         </p:blipFill>
         <p:spPr>
           <a:xfrm>
-            <a:off x="8387450" y="18081667"/>
-            <a:ext cx="7744546" cy="5811765"/>
+            <a:off x="11846967" y="25453189"/>
+            <a:ext cx="1786804" cy="1786804"/>
           </a:xfrm>
           <a:prstGeom prst="rect">
             <a:avLst/>
           </a:prstGeom>
         </p:spPr>
       </p:pic>
-      <p:pic>
-        <p:nvPicPr>
-          <p:cNvPr id="28" name="Picture 27">
+      <p:sp>
+        <p:nvSpPr>
+          <p:cNvPr id="30" name="Freeform: Shape 29">
             <a:extLst>
               <a:ext uri="{FF2B5EF4-FFF2-40B4-BE49-F238E27FC236}">
-                <a16:creationId xmlns:a16="http://schemas.microsoft.com/office/drawing/2014/main" id="{BB4E11D7-E18B-A672-A882-F19BAC3646FD}"/>
-              </a:ext>
-            </a:extLst>
-          </p:cNvPr>
-          <p:cNvPicPr>
-            <a:picLocks noChangeAspect="1"/>
-          </p:cNvPicPr>
-          <p:nvPr/>
-        </p:nvPicPr>
-        <p:blipFill>
-          <a:blip r:embed="rId13">
-            <a:extLst>
-              <a:ext uri="{28A0092B-C50C-407E-A947-70E740481C1C}">
-                <a14:useLocalDpi xmlns:a14="http://schemas.microsoft.com/office/drawing/2010/main" val="0"/>
-              </a:ext>
-            </a:extLst>
-          </a:blip>
-          <a:stretch>
-            <a:fillRect/>
-          </a:stretch>
-        </p:blipFill>
-        <p:spPr>
-          <a:xfrm flipH="1">
-            <a:off x="-2028192" y="18042970"/>
-            <a:ext cx="7358184" cy="5811765"/>
-          </a:xfrm>
-          <a:prstGeom prst="rect">
-            <a:avLst/>
-          </a:prstGeom>
-        </p:spPr>
-      </p:pic>
-      <p:pic>
-        <p:nvPicPr>
-          <p:cNvPr id="29" name="Picture 28">
-            <a:extLst>
-              <a:ext uri="{FF2B5EF4-FFF2-40B4-BE49-F238E27FC236}">
-                <a16:creationId xmlns:a16="http://schemas.microsoft.com/office/drawing/2014/main" id="{A622DD28-862B-63BF-DF65-1EC2D878807E}"/>
-              </a:ext>
-            </a:extLst>
-          </p:cNvPr>
-          <p:cNvPicPr>
-            <a:picLocks noChangeAspect="1"/>
-          </p:cNvPicPr>
-          <p:nvPr/>
-        </p:nvPicPr>
-        <p:blipFill>
-          <a:blip r:embed="rId14"/>
-          <a:stretch>
-            <a:fillRect/>
-          </a:stretch>
-        </p:blipFill>
-        <p:spPr>
-          <a:xfrm>
-            <a:off x="-542" y="21478810"/>
-            <a:ext cx="9895043" cy="2381331"/>
-          </a:xfrm>
-          <a:prstGeom prst="rect">
-            <a:avLst/>
-          </a:prstGeom>
-        </p:spPr>
-      </p:pic>
-      <p:sp>
-        <p:nvSpPr>
-          <p:cNvPr id="9" name="32-Point Star 20">
-            <a:extLst>
-              <a:ext uri="{FF2B5EF4-FFF2-40B4-BE49-F238E27FC236}">
-                <a16:creationId xmlns:a16="http://schemas.microsoft.com/office/drawing/2014/main" id="{013D7344-D51C-35DC-9DCB-9528C8A4AFF7}"/>
+                <a16:creationId xmlns:a16="http://schemas.microsoft.com/office/drawing/2014/main" id="{63622090-3B5D-108B-7918-79698C8EA544}"/>
               </a:ext>
             </a:extLst>
           </p:cNvPr>
@@ -5698,444 +5785,9 @@
           <p:nvPr/>
         </p:nvSpPr>
         <p:spPr>
-          <a:xfrm rot="21243013">
-            <a:off x="1103469" y="26539404"/>
-            <a:ext cx="11821320" cy="5292665"/>
-          </a:xfrm>
-          <a:prstGeom prst="star32">
-            <a:avLst/>
-          </a:prstGeom>
-          <a:solidFill>
-            <a:srgbClr val="002060"/>
-          </a:solidFill>
-          <a:ln w="317500">
-            <a:solidFill>
-              <a:srgbClr val="FF0000"/>
-            </a:solidFill>
-          </a:ln>
-        </p:spPr>
-        <p:style>
-          <a:lnRef idx="2">
-            <a:schemeClr val="accent1">
-              <a:shade val="50000"/>
-            </a:schemeClr>
-          </a:lnRef>
-          <a:fillRef idx="1">
-            <a:schemeClr val="accent1"/>
-          </a:fillRef>
-          <a:effectRef idx="0">
-            <a:schemeClr val="accent1"/>
-          </a:effectRef>
-          <a:fontRef idx="minor">
-            <a:schemeClr val="lt1"/>
-          </a:fontRef>
-        </p:style>
-        <p:txBody>
-          <a:bodyPr rtlCol="0" anchor="ctr"/>
-          <a:lstStyle/>
-          <a:p>
-            <a:pPr algn="ctr"/>
-            <a:r>
-              <a:rPr lang="en-US" sz="3600" b="1" cap="small" dirty="0">
-                <a:solidFill>
-                  <a:schemeClr val="bg1"/>
-                </a:solidFill>
-                <a:latin typeface="Oxygen" panose="02000503000000000000" pitchFamily="2" charset="0"/>
-              </a:rPr>
-              <a:t>Upto </a:t>
-            </a:r>
-            <a:r>
-              <a:rPr lang="en-US" sz="15000" b="1" cap="small" dirty="0">
-                <a:solidFill>
-                  <a:schemeClr val="bg1"/>
-                </a:solidFill>
-                <a:latin typeface="Oxygen" panose="02000503000000000000" pitchFamily="2" charset="0"/>
-              </a:rPr>
-              <a:t>50%</a:t>
-            </a:r>
-            <a:r>
-              <a:rPr lang="en-US" sz="3600" b="1" cap="small" dirty="0">
-                <a:solidFill>
-                  <a:schemeClr val="bg1"/>
-                </a:solidFill>
-                <a:latin typeface="Oxygen" panose="02000503000000000000" pitchFamily="2" charset="0"/>
-              </a:rPr>
-              <a:t> Off</a:t>
-            </a:r>
-            <a:r>
-              <a:rPr lang="en-US" sz="5400" b="1" cap="small" dirty="0">
-                <a:solidFill>
-                  <a:schemeClr val="bg1"/>
-                </a:solidFill>
-                <a:latin typeface="Oxygen" panose="02000503000000000000" pitchFamily="2" charset="0"/>
-              </a:rPr>
-              <a:t> </a:t>
-            </a:r>
-          </a:p>
-          <a:p>
-            <a:pPr algn="ctr"/>
-            <a:r>
-              <a:rPr lang="en-US" sz="3600" b="1" cap="small" dirty="0">
-                <a:solidFill>
-                  <a:schemeClr val="bg1"/>
-                </a:solidFill>
-                <a:latin typeface="Oxygen" panose="02000503000000000000" pitchFamily="2" charset="0"/>
-              </a:rPr>
-              <a:t>T&amp;C Applies</a:t>
-            </a:r>
-          </a:p>
-        </p:txBody>
-      </p:sp>
-      <p:sp>
-        <p:nvSpPr>
-          <p:cNvPr id="43" name="TextBox 42">
-            <a:extLst>
-              <a:ext uri="{FF2B5EF4-FFF2-40B4-BE49-F238E27FC236}">
-                <a16:creationId xmlns:a16="http://schemas.microsoft.com/office/drawing/2014/main" id="{40B9BBFF-109F-7FAD-CF9E-14C885B1D1BA}"/>
-              </a:ext>
-            </a:extLst>
-          </p:cNvPr>
-          <p:cNvSpPr txBox="1"/>
-          <p:nvPr/>
-        </p:nvSpPr>
-        <p:spPr>
-          <a:xfrm>
-            <a:off x="37110" y="32341194"/>
-            <a:ext cx="25507765" cy="13080504"/>
-          </a:xfrm>
-          <a:prstGeom prst="rect">
-            <a:avLst/>
-          </a:prstGeom>
-          <a:noFill/>
-        </p:spPr>
-        <p:txBody>
-          <a:bodyPr wrap="square">
-            <a:spAutoFit/>
-          </a:bodyPr>
-          <a:lstStyle/>
-          <a:p>
-            <a:pPr algn="ctr">
-              <a:lnSpc>
-                <a:spcPct val="250000"/>
-              </a:lnSpc>
-            </a:pPr>
-            <a:r>
-              <a:rPr lang="en-US" sz="9600" b="1" cap="small" dirty="0">
-                <a:solidFill>
-                  <a:srgbClr val="C00000"/>
-                </a:solidFill>
-                <a:latin typeface="Oxygen" panose="02000503000000000000" pitchFamily="2" charset="0"/>
-              </a:rPr>
-              <a:t>Artificial Intelligence, Robotics - Class III-XII</a:t>
-            </a:r>
-          </a:p>
-          <a:p>
-            <a:pPr algn="ctr"/>
-            <a:r>
-              <a:rPr lang="en-US" sz="10000" b="1" cap="small" dirty="0">
-                <a:solidFill>
-                  <a:schemeClr val="accent1">
-                    <a:lumMod val="50000"/>
-                  </a:schemeClr>
-                </a:solidFill>
-                <a:latin typeface="Oxygen" panose="02000503000000000000" pitchFamily="2" charset="0"/>
-              </a:rPr>
-              <a:t>Professional AI &amp; IT Training &amp; Projects </a:t>
-            </a:r>
-            <a:r>
-              <a:rPr lang="en-US" sz="8400" b="1" cap="small" dirty="0">
-                <a:solidFill>
-                  <a:schemeClr val="accent1">
-                    <a:lumMod val="75000"/>
-                  </a:schemeClr>
-                </a:solidFill>
-                <a:latin typeface="Oxygen" panose="02000503000000000000" pitchFamily="2" charset="0"/>
-              </a:rPr>
-              <a:t>Data Science, Computer Vision, NLP, DSP</a:t>
-            </a:r>
-          </a:p>
-          <a:p>
-            <a:pPr algn="ctr"/>
-            <a:r>
-              <a:rPr lang="en-US" sz="8400" b="1" cap="small" dirty="0">
-                <a:solidFill>
-                  <a:schemeClr val="accent1">
-                    <a:lumMod val="75000"/>
-                  </a:schemeClr>
-                </a:solidFill>
-                <a:latin typeface="Oxygen" panose="02000503000000000000" pitchFamily="2" charset="0"/>
-              </a:rPr>
-              <a:t>Python, Data Analytics, C, C++, IoT, Robotics</a:t>
-            </a:r>
-          </a:p>
-          <a:p>
-            <a:pPr algn="ctr"/>
-            <a:r>
-              <a:rPr lang="en-US" sz="8400" b="1" cap="small" dirty="0">
-                <a:solidFill>
-                  <a:schemeClr val="accent1">
-                    <a:lumMod val="75000"/>
-                  </a:schemeClr>
-                </a:solidFill>
-                <a:latin typeface="Oxygen" panose="02000503000000000000" pitchFamily="2" charset="0"/>
-              </a:rPr>
-              <a:t>Java, .NET, JavaScript, ReactJS, Native, PHP</a:t>
-            </a:r>
-          </a:p>
-          <a:p>
-            <a:pPr algn="ctr"/>
-            <a:r>
-              <a:rPr lang="en-US" sz="8400" b="1" cap="small" dirty="0">
-                <a:solidFill>
-                  <a:schemeClr val="accent1">
-                    <a:lumMod val="75000"/>
-                  </a:schemeClr>
-                </a:solidFill>
-                <a:latin typeface="Oxygen" panose="02000503000000000000" pitchFamily="2" charset="0"/>
-              </a:rPr>
-              <a:t>DevOps, Docker, Kubernetes, Cloud</a:t>
-            </a:r>
-          </a:p>
-          <a:p>
-            <a:pPr algn="ctr"/>
-            <a:r>
-              <a:rPr lang="en-US" sz="8400" b="1" cap="small" dirty="0">
-                <a:solidFill>
-                  <a:schemeClr val="accent1">
-                    <a:lumMod val="75000"/>
-                  </a:schemeClr>
-                </a:solidFill>
-                <a:latin typeface="Oxygen" panose="02000503000000000000" pitchFamily="2" charset="0"/>
-              </a:rPr>
-              <a:t>Database, Firebase, Cyber Sec, Automation Test</a:t>
-            </a:r>
-          </a:p>
-          <a:p>
-            <a:pPr algn="ctr"/>
-            <a:r>
-              <a:rPr lang="en-US" sz="8400" b="1" cap="small" dirty="0">
-                <a:solidFill>
-                  <a:schemeClr val="accent1">
-                    <a:lumMod val="75000"/>
-                  </a:schemeClr>
-                </a:solidFill>
-                <a:latin typeface="Oxygen" panose="02000503000000000000" pitchFamily="2" charset="0"/>
-              </a:rPr>
-              <a:t>Pmp, Agile, Office, Adv Excel, Tally, Html, Css</a:t>
-            </a:r>
-          </a:p>
-        </p:txBody>
-      </p:sp>
-      <p:sp>
-        <p:nvSpPr>
-          <p:cNvPr id="18" name="Rectangle 17">
-            <a:extLst>
-              <a:ext uri="{FF2B5EF4-FFF2-40B4-BE49-F238E27FC236}">
-                <a16:creationId xmlns:a16="http://schemas.microsoft.com/office/drawing/2014/main" id="{57E38920-CFB2-95B6-5E80-A46054D7F0C4}"/>
-              </a:ext>
-            </a:extLst>
-          </p:cNvPr>
-          <p:cNvSpPr/>
-          <p:nvPr/>
-        </p:nvSpPr>
-        <p:spPr>
-          <a:xfrm>
-            <a:off x="19479695" y="30902051"/>
-            <a:ext cx="5877879" cy="1015663"/>
-          </a:xfrm>
-          <a:prstGeom prst="rect">
-            <a:avLst/>
-          </a:prstGeom>
-        </p:spPr>
-        <p:txBody>
-          <a:bodyPr wrap="square">
-            <a:spAutoFit/>
-          </a:bodyPr>
-          <a:lstStyle/>
-          <a:p>
-            <a:r>
-              <a:rPr lang="en-AU" sz="6000" b="1" dirty="0">
-                <a:solidFill>
-                  <a:srgbClr val="002060"/>
-                </a:solidFill>
-                <a:latin typeface="Oxygen" panose="02000503000000000000" pitchFamily="2" charset="0"/>
-              </a:rPr>
-              <a:t>App Download</a:t>
-            </a:r>
-          </a:p>
-        </p:txBody>
-      </p:sp>
-      <p:pic>
-        <p:nvPicPr>
-          <p:cNvPr id="2" name="Picture 2" descr="Download Google Play Icon Royalty-Free Vector Graphic - Pixabay">
-            <a:extLst>
-              <a:ext uri="{FF2B5EF4-FFF2-40B4-BE49-F238E27FC236}">
-                <a16:creationId xmlns:a16="http://schemas.microsoft.com/office/drawing/2014/main" id="{91DDA7FB-AAED-BFBB-67EE-9C06F7C59FD9}"/>
-              </a:ext>
-            </a:extLst>
-          </p:cNvPr>
-          <p:cNvPicPr>
-            <a:picLocks noChangeAspect="1" noChangeArrowheads="1"/>
-          </p:cNvPicPr>
-          <p:nvPr/>
-        </p:nvPicPr>
-        <p:blipFill>
-          <a:blip r:embed="rId15">
-            <a:extLst>
-              <a:ext uri="{28A0092B-C50C-407E-A947-70E740481C1C}">
-                <a14:useLocalDpi xmlns:a14="http://schemas.microsoft.com/office/drawing/2010/main" val="0"/>
-              </a:ext>
-            </a:extLst>
-          </a:blip>
-          <a:srcRect/>
-          <a:stretch>
-            <a:fillRect/>
-          </a:stretch>
-        </p:blipFill>
-        <p:spPr bwMode="auto">
-          <a:xfrm>
-            <a:off x="19896260" y="29438369"/>
-            <a:ext cx="1305272" cy="1463682"/>
-          </a:xfrm>
-          <a:prstGeom prst="rect">
-            <a:avLst/>
-          </a:prstGeom>
-          <a:noFill/>
-          <a:extLst>
-            <a:ext uri="{909E8E84-426E-40DD-AFC4-6F175D3DCCD1}">
-              <a14:hiddenFill xmlns:a14="http://schemas.microsoft.com/office/drawing/2010/main">
-                <a:solidFill>
-                  <a:srgbClr val="FFFFFF"/>
-                </a:solidFill>
-              </a14:hiddenFill>
-            </a:ext>
-          </a:extLst>
-        </p:spPr>
-      </p:pic>
-      <p:pic>
-        <p:nvPicPr>
-          <p:cNvPr id="45" name="Picture 44">
-            <a:extLst>
-              <a:ext uri="{FF2B5EF4-FFF2-40B4-BE49-F238E27FC236}">
-                <a16:creationId xmlns:a16="http://schemas.microsoft.com/office/drawing/2014/main" id="{E9BF914C-767B-4A9B-B892-9FE9D722EEE7}"/>
-              </a:ext>
-            </a:extLst>
-          </p:cNvPr>
-          <p:cNvPicPr>
-            <a:picLocks noChangeAspect="1"/>
-          </p:cNvPicPr>
-          <p:nvPr/>
-        </p:nvPicPr>
-        <p:blipFill>
-          <a:blip r:embed="rId11">
-            <a:extLst>
-              <a:ext uri="{28A0092B-C50C-407E-A947-70E740481C1C}">
-                <a14:useLocalDpi xmlns:a14="http://schemas.microsoft.com/office/drawing/2010/main" val="0"/>
-              </a:ext>
-            </a:extLst>
-          </a:blip>
-          <a:stretch>
-            <a:fillRect/>
-          </a:stretch>
-        </p:blipFill>
-        <p:spPr>
-          <a:xfrm>
-            <a:off x="19867580" y="27960909"/>
-            <a:ext cx="1305272" cy="1233962"/>
-          </a:xfrm>
-          <a:prstGeom prst="rect">
-            <a:avLst/>
-          </a:prstGeom>
-        </p:spPr>
-      </p:pic>
-      <p:pic>
-        <p:nvPicPr>
-          <p:cNvPr id="47" name="Picture 46">
-            <a:extLst>
-              <a:ext uri="{FF2B5EF4-FFF2-40B4-BE49-F238E27FC236}">
-                <a16:creationId xmlns:a16="http://schemas.microsoft.com/office/drawing/2014/main" id="{D7D981AE-9BFA-FFAC-76C9-3617EFBC8B04}"/>
-              </a:ext>
-            </a:extLst>
-          </p:cNvPr>
-          <p:cNvPicPr>
-            <a:picLocks noChangeAspect="1"/>
-          </p:cNvPicPr>
-          <p:nvPr/>
-        </p:nvPicPr>
-        <p:blipFill>
-          <a:blip r:embed="rId16">
-            <a:extLst>
-              <a:ext uri="{28A0092B-C50C-407E-A947-70E740481C1C}">
-                <a14:useLocalDpi xmlns:a14="http://schemas.microsoft.com/office/drawing/2010/main" val="0"/>
-              </a:ext>
-            </a:extLst>
-          </a:blip>
-          <a:stretch>
-            <a:fillRect/>
-          </a:stretch>
-        </p:blipFill>
-        <p:spPr>
-          <a:xfrm>
-            <a:off x="21414029" y="27637126"/>
-            <a:ext cx="3481975" cy="3481975"/>
-          </a:xfrm>
-          <a:prstGeom prst="rect">
-            <a:avLst/>
-          </a:prstGeom>
-        </p:spPr>
-      </p:pic>
-      <p:pic>
-        <p:nvPicPr>
-          <p:cNvPr id="19" name="Picture 18">
-            <a:extLst>
-              <a:ext uri="{FF2B5EF4-FFF2-40B4-BE49-F238E27FC236}">
-                <a16:creationId xmlns:a16="http://schemas.microsoft.com/office/drawing/2014/main" id="{FAE414E8-03DC-F42E-8E46-D9BF256B8455}"/>
-              </a:ext>
-            </a:extLst>
-          </p:cNvPr>
-          <p:cNvPicPr>
-            <a:picLocks noChangeAspect="1"/>
-          </p:cNvPicPr>
-          <p:nvPr/>
-        </p:nvPicPr>
-        <p:blipFill>
-          <a:blip r:embed="rId17">
-            <a:extLst>
-              <a:ext uri="{28A0092B-C50C-407E-A947-70E740481C1C}">
-                <a14:useLocalDpi xmlns:a14="http://schemas.microsoft.com/office/drawing/2010/main" val="0"/>
-              </a:ext>
-            </a:extLst>
-          </a:blip>
-          <a:stretch>
-            <a:fillRect/>
-          </a:stretch>
-        </p:blipFill>
-        <p:spPr>
-          <a:xfrm>
-            <a:off x="15677423" y="27719393"/>
-            <a:ext cx="3481974" cy="3481974"/>
-          </a:xfrm>
-          <a:prstGeom prst="rect">
-            <a:avLst/>
-          </a:prstGeom>
-        </p:spPr>
-      </p:pic>
-      <p:sp>
-        <p:nvSpPr>
-          <p:cNvPr id="20" name="Freeform: Shape 19">
-            <a:extLst>
-              <a:ext uri="{FF2B5EF4-FFF2-40B4-BE49-F238E27FC236}">
-                <a16:creationId xmlns:a16="http://schemas.microsoft.com/office/drawing/2014/main" id="{8F014AEB-8434-DEF4-8A98-78FDC58D2678}"/>
-              </a:ext>
-            </a:extLst>
-          </p:cNvPr>
-          <p:cNvSpPr/>
-          <p:nvPr/>
-        </p:nvSpPr>
-        <p:spPr>
-          <a:xfrm>
-            <a:off x="14425100" y="28579824"/>
-            <a:ext cx="1274655" cy="1251875"/>
+          <a:xfrm>
+            <a:off x="10707958" y="25682899"/>
+            <a:ext cx="870606" cy="777315"/>
           </a:xfrm>
           <a:custGeom>
             <a:avLst/>
@@ -6477,12 +6129,59 @@
           </a:p>
         </p:txBody>
       </p:sp>
-      <p:sp>
-        <p:nvSpPr>
-          <p:cNvPr id="44" name="Rectangle 43">
+      <p:pic>
+        <p:nvPicPr>
+          <p:cNvPr id="33" name="Picture 2" descr="Download Google Play Icon Royalty-Free Vector Graphic - Pixabay">
             <a:extLst>
               <a:ext uri="{FF2B5EF4-FFF2-40B4-BE49-F238E27FC236}">
-                <a16:creationId xmlns:a16="http://schemas.microsoft.com/office/drawing/2014/main" id="{A5955199-A9C1-A9D5-AEFF-7380D6EB791D}"/>
+                <a16:creationId xmlns:a16="http://schemas.microsoft.com/office/drawing/2014/main" id="{83E94DB3-A1E5-A57C-8C05-43746283D423}"/>
+              </a:ext>
+            </a:extLst>
+          </p:cNvPr>
+          <p:cNvPicPr>
+            <a:picLocks noChangeAspect="1" noChangeArrowheads="1"/>
+          </p:cNvPicPr>
+          <p:nvPr/>
+        </p:nvPicPr>
+        <p:blipFill>
+          <a:blip r:embed="rId13">
+            <a:extLst>
+              <a:ext uri="{28A0092B-C50C-407E-A947-70E740481C1C}">
+                <a14:useLocalDpi xmlns:a14="http://schemas.microsoft.com/office/drawing/2010/main" val="0"/>
+              </a:ext>
+            </a:extLst>
+          </a:blip>
+          <a:srcRect/>
+          <a:stretch>
+            <a:fillRect/>
+          </a:stretch>
+        </p:blipFill>
+        <p:spPr bwMode="auto">
+          <a:xfrm>
+            <a:off x="14258316" y="26498445"/>
+            <a:ext cx="669811" cy="751101"/>
+          </a:xfrm>
+          <a:prstGeom prst="rect">
+            <a:avLst/>
+          </a:prstGeom>
+          <a:noFill/>
+          <a:extLst>
+            <a:ext uri="{909E8E84-426E-40DD-AFC4-6F175D3DCCD1}">
+              <a14:hiddenFill xmlns:a14="http://schemas.microsoft.com/office/drawing/2010/main">
+                <a:solidFill>
+                  <a:srgbClr val="FFFFFF"/>
+                </a:solidFill>
+              </a14:hiddenFill>
+            </a:ext>
+          </a:extLst>
+        </p:spPr>
+      </p:pic>
+      <p:sp>
+        <p:nvSpPr>
+          <p:cNvPr id="38" name="Rectangle 37">
+            <a:extLst>
+              <a:ext uri="{FF2B5EF4-FFF2-40B4-BE49-F238E27FC236}">
+                <a16:creationId xmlns:a16="http://schemas.microsoft.com/office/drawing/2014/main" id="{51E0CF3A-802C-FC28-C0A0-B594E42D0513}"/>
               </a:ext>
             </a:extLst>
           </p:cNvPr>
@@ -6491,8 +6190,8 @@
         </p:nvSpPr>
         <p:spPr>
           <a:xfrm>
-            <a:off x="13208132" y="30020755"/>
-            <a:ext cx="5877879" cy="1938992"/>
+            <a:off x="10097078" y="26715554"/>
+            <a:ext cx="3536694" cy="1200329"/>
           </a:xfrm>
           <a:prstGeom prst="rect">
             <a:avLst/>
@@ -6505,32 +6204,353 @@
           <a:lstStyle/>
           <a:p>
             <a:r>
-              <a:rPr lang="en-AU" sz="6000" b="1" dirty="0">
+              <a:rPr lang="en-AU" sz="3600" b="1" dirty="0">
                 <a:solidFill>
                   <a:srgbClr val="002060"/>
                 </a:solidFill>
                 <a:latin typeface="Oxygen" panose="02000503000000000000" pitchFamily="2" charset="0"/>
               </a:rPr>
-              <a:t>Follow </a:t>
-            </a:r>
-          </a:p>
-          <a:p>
-            <a:r>
-              <a:rPr lang="en-AU" sz="6000" b="1" dirty="0">
+              <a:t>Follow</a:t>
+            </a:r>
+          </a:p>
+          <a:p>
+            <a:r>
+              <a:rPr lang="en-AU" sz="3600" b="1" dirty="0">
                 <a:solidFill>
                   <a:srgbClr val="002060"/>
                 </a:solidFill>
                 <a:latin typeface="Oxygen" panose="02000503000000000000" pitchFamily="2" charset="0"/>
               </a:rPr>
-              <a:t>for Discounts</a:t>
-            </a:r>
+              <a:t>for Discount</a:t>
+            </a:r>
+          </a:p>
+        </p:txBody>
+      </p:sp>
+      <p:pic>
+        <p:nvPicPr>
+          <p:cNvPr id="43" name="Picture 42">
+            <a:extLst>
+              <a:ext uri="{FF2B5EF4-FFF2-40B4-BE49-F238E27FC236}">
+                <a16:creationId xmlns:a16="http://schemas.microsoft.com/office/drawing/2014/main" id="{86CF6B5C-2548-0842-E25E-AE312073DDA9}"/>
+              </a:ext>
+            </a:extLst>
+          </p:cNvPr>
+          <p:cNvPicPr>
+            <a:picLocks noChangeAspect="1"/>
+          </p:cNvPicPr>
+          <p:nvPr/>
+        </p:nvPicPr>
+        <p:blipFill>
+          <a:blip r:embed="rId4">
+            <a:extLst>
+              <a:ext uri="{28A0092B-C50C-407E-A947-70E740481C1C}">
+                <a14:useLocalDpi xmlns:a14="http://schemas.microsoft.com/office/drawing/2010/main" val="0"/>
+              </a:ext>
+            </a:extLst>
+          </a:blip>
+          <a:stretch>
+            <a:fillRect/>
+          </a:stretch>
+        </p:blipFill>
+        <p:spPr>
+          <a:xfrm>
+            <a:off x="14207432" y="25476090"/>
+            <a:ext cx="810471" cy="766195"/>
+          </a:xfrm>
+          <a:prstGeom prst="rect">
+            <a:avLst/>
+          </a:prstGeom>
+        </p:spPr>
+      </p:pic>
+      <p:pic>
+        <p:nvPicPr>
+          <p:cNvPr id="46" name="Picture 45">
+            <a:extLst>
+              <a:ext uri="{FF2B5EF4-FFF2-40B4-BE49-F238E27FC236}">
+                <a16:creationId xmlns:a16="http://schemas.microsoft.com/office/drawing/2014/main" id="{0DE3E2C6-D13C-99A8-2A0C-0B35337CF925}"/>
+              </a:ext>
+            </a:extLst>
+          </p:cNvPr>
+          <p:cNvPicPr>
+            <a:picLocks noChangeAspect="1"/>
+          </p:cNvPicPr>
+          <p:nvPr/>
+        </p:nvPicPr>
+        <p:blipFill>
+          <a:blip r:embed="rId14">
+            <a:extLst>
+              <a:ext uri="{28A0092B-C50C-407E-A947-70E740481C1C}">
+                <a14:useLocalDpi xmlns:a14="http://schemas.microsoft.com/office/drawing/2010/main" val="0"/>
+              </a:ext>
+            </a:extLst>
+          </a:blip>
+          <a:stretch>
+            <a:fillRect/>
+          </a:stretch>
+        </p:blipFill>
+        <p:spPr>
+          <a:xfrm>
+            <a:off x="15367483" y="25453190"/>
+            <a:ext cx="1786804" cy="1786804"/>
+          </a:xfrm>
+          <a:prstGeom prst="rect">
+            <a:avLst/>
+          </a:prstGeom>
+        </p:spPr>
+      </p:pic>
+      <p:pic>
+        <p:nvPicPr>
+          <p:cNvPr id="35" name="Picture 34">
+            <a:extLst>
+              <a:ext uri="{FF2B5EF4-FFF2-40B4-BE49-F238E27FC236}">
+                <a16:creationId xmlns:a16="http://schemas.microsoft.com/office/drawing/2014/main" id="{3622D1FF-24D8-EB49-5CD4-7138D389015D}"/>
+              </a:ext>
+            </a:extLst>
+          </p:cNvPr>
+          <p:cNvPicPr>
+            <a:picLocks noChangeAspect="1"/>
+          </p:cNvPicPr>
+          <p:nvPr/>
+        </p:nvPicPr>
+        <p:blipFill>
+          <a:blip r:embed="rId15"/>
+          <a:stretch>
+            <a:fillRect/>
+          </a:stretch>
+        </p:blipFill>
+        <p:spPr>
+          <a:xfrm>
+            <a:off x="116437" y="25580814"/>
+            <a:ext cx="9871142" cy="1532660"/>
+          </a:xfrm>
+          <a:prstGeom prst="rect">
+            <a:avLst/>
+          </a:prstGeom>
+        </p:spPr>
+      </p:pic>
+      <p:pic>
+        <p:nvPicPr>
+          <p:cNvPr id="49" name="Picture 10" descr="New Instagram Logo PNG Images 2023">
+            <a:extLst>
+              <a:ext uri="{FF2B5EF4-FFF2-40B4-BE49-F238E27FC236}">
+                <a16:creationId xmlns:a16="http://schemas.microsoft.com/office/drawing/2014/main" id="{FB252EDF-F328-8B2F-4ADE-AC512229AD65}"/>
+              </a:ext>
+            </a:extLst>
+          </p:cNvPr>
+          <p:cNvPicPr>
+            <a:picLocks noChangeAspect="1" noChangeArrowheads="1"/>
+          </p:cNvPicPr>
+          <p:nvPr/>
+        </p:nvPicPr>
+        <p:blipFill>
+          <a:blip r:embed="rId16" cstate="print">
+            <a:extLst>
+              <a:ext uri="{28A0092B-C50C-407E-A947-70E740481C1C}">
+                <a14:useLocalDpi xmlns:a14="http://schemas.microsoft.com/office/drawing/2010/main" val="0"/>
+              </a:ext>
+            </a:extLst>
+          </a:blip>
+          <a:srcRect/>
+          <a:stretch>
+            <a:fillRect/>
+          </a:stretch>
+        </p:blipFill>
+        <p:spPr bwMode="auto">
+          <a:xfrm>
+            <a:off x="8299890" y="26849772"/>
+            <a:ext cx="918773" cy="918773"/>
+          </a:xfrm>
+          <a:prstGeom prst="rect">
+            <a:avLst/>
+          </a:prstGeom>
+          <a:noFill/>
+          <a:extLst>
+            <a:ext uri="{909E8E84-426E-40DD-AFC4-6F175D3DCCD1}">
+              <a14:hiddenFill xmlns:a14="http://schemas.microsoft.com/office/drawing/2010/main">
+                <a:solidFill>
+                  <a:srgbClr val="FFFFFF"/>
+                </a:solidFill>
+              </a14:hiddenFill>
+            </a:ext>
+          </a:extLst>
+        </p:spPr>
+      </p:pic>
+      <p:sp>
+        <p:nvSpPr>
+          <p:cNvPr id="20" name="TextBox 19">
+            <a:extLst>
+              <a:ext uri="{FF2B5EF4-FFF2-40B4-BE49-F238E27FC236}">
+                <a16:creationId xmlns:a16="http://schemas.microsoft.com/office/drawing/2014/main" id="{1BDB8143-4934-ACE2-C972-69F544CE5004}"/>
+              </a:ext>
+            </a:extLst>
+          </p:cNvPr>
+          <p:cNvSpPr txBox="1"/>
+          <p:nvPr/>
+        </p:nvSpPr>
+        <p:spPr>
+          <a:xfrm>
+            <a:off x="1" y="29166124"/>
+            <a:ext cx="25625100" cy="17019146"/>
+          </a:xfrm>
+          <a:prstGeom prst="rect">
+            <a:avLst/>
+          </a:prstGeom>
+          <a:noFill/>
+        </p:spPr>
+        <p:txBody>
+          <a:bodyPr wrap="square">
+            <a:spAutoFit/>
+          </a:bodyPr>
+          <a:lstStyle/>
+          <a:p>
+            <a:pPr algn="ctr">
+              <a:lnSpc>
+                <a:spcPct val="150000"/>
+              </a:lnSpc>
+            </a:pPr>
+            <a:r>
+              <a:rPr lang="en-US" sz="11000" b="1" cap="small" dirty="0">
+                <a:solidFill>
+                  <a:srgbClr val="C00000"/>
+                </a:solidFill>
+                <a:latin typeface="Oxygen" panose="02000503000000000000" pitchFamily="2" charset="0"/>
+              </a:rPr>
+              <a:t>AI, IoT-Robotics, Coding – Class III-XII</a:t>
+            </a:r>
+          </a:p>
+          <a:p>
+            <a:pPr algn="ctr">
+              <a:lnSpc>
+                <a:spcPct val="200000"/>
+              </a:lnSpc>
+            </a:pPr>
+            <a:r>
+              <a:rPr lang="en-US" sz="10600" b="1" cap="small" dirty="0">
+                <a:solidFill>
+                  <a:srgbClr val="C00000"/>
+                </a:solidFill>
+                <a:latin typeface="Oxygen" panose="02000503000000000000" pitchFamily="2" charset="0"/>
+              </a:rPr>
+              <a:t>IT &amp; AI Professional Training &amp; Projects</a:t>
+            </a:r>
+          </a:p>
+          <a:p>
+            <a:pPr algn="ctr"/>
+            <a:endParaRPr lang="en-US" b="1" cap="small" dirty="0">
+              <a:solidFill>
+                <a:srgbClr val="C00000"/>
+              </a:solidFill>
+              <a:latin typeface="Oxygen" panose="02000503000000000000" pitchFamily="2" charset="0"/>
+            </a:endParaRPr>
+          </a:p>
+          <a:p>
+            <a:pPr algn="ctr">
+              <a:lnSpc>
+                <a:spcPct val="150000"/>
+              </a:lnSpc>
+            </a:pPr>
+            <a:r>
+              <a:rPr lang="en-US" sz="8000" b="1" cap="small" dirty="0">
+                <a:solidFill>
+                  <a:srgbClr val="C00000"/>
+                </a:solidFill>
+                <a:latin typeface="Oxygen" panose="02000503000000000000" pitchFamily="2" charset="0"/>
+              </a:rPr>
+              <a:t>Data Science, Computer Vision, NLP, DSP, Python</a:t>
+            </a:r>
+          </a:p>
+          <a:p>
+            <a:pPr algn="ctr">
+              <a:lnSpc>
+                <a:spcPct val="150000"/>
+              </a:lnSpc>
+            </a:pPr>
+            <a:r>
+              <a:rPr lang="en-US" sz="8000" b="1" cap="small" dirty="0">
+                <a:solidFill>
+                  <a:srgbClr val="C00000"/>
+                </a:solidFill>
+                <a:latin typeface="Oxygen" panose="02000503000000000000" pitchFamily="2" charset="0"/>
+              </a:rPr>
+              <a:t>Data Analytics, C, C++, IoT, Robotics</a:t>
+            </a:r>
+          </a:p>
+          <a:p>
+            <a:pPr algn="ctr">
+              <a:lnSpc>
+                <a:spcPct val="150000"/>
+              </a:lnSpc>
+            </a:pPr>
+            <a:r>
+              <a:rPr lang="en-US" sz="8000" b="1" cap="small" dirty="0">
+                <a:solidFill>
+                  <a:srgbClr val="C00000"/>
+                </a:solidFill>
+                <a:latin typeface="Oxygen" panose="02000503000000000000" pitchFamily="2" charset="0"/>
+              </a:rPr>
+              <a:t>Java, .NET, JavaScript, ReactJS, Native, PHP</a:t>
+            </a:r>
+          </a:p>
+          <a:p>
+            <a:pPr algn="ctr">
+              <a:lnSpc>
+                <a:spcPct val="150000"/>
+              </a:lnSpc>
+            </a:pPr>
+            <a:r>
+              <a:rPr lang="en-US" sz="8000" b="1" cap="small" dirty="0">
+                <a:solidFill>
+                  <a:srgbClr val="C00000"/>
+                </a:solidFill>
+                <a:latin typeface="Oxygen" panose="02000503000000000000" pitchFamily="2" charset="0"/>
+              </a:rPr>
+              <a:t>DevOps, Docker, Kubernetes, Cloud</a:t>
+            </a:r>
+          </a:p>
+          <a:p>
+            <a:pPr algn="ctr">
+              <a:lnSpc>
+                <a:spcPct val="150000"/>
+              </a:lnSpc>
+            </a:pPr>
+            <a:r>
+              <a:rPr lang="en-US" sz="8000" b="1" cap="small" dirty="0">
+                <a:solidFill>
+                  <a:srgbClr val="C00000"/>
+                </a:solidFill>
+                <a:latin typeface="Oxygen" panose="02000503000000000000" pitchFamily="2" charset="0"/>
+              </a:rPr>
+              <a:t>Database, Firebase, Cyber Sec, Automation Test</a:t>
+            </a:r>
+          </a:p>
+          <a:p>
+            <a:pPr algn="ctr">
+              <a:lnSpc>
+                <a:spcPct val="150000"/>
+              </a:lnSpc>
+            </a:pPr>
+            <a:r>
+              <a:rPr lang="en-US" sz="8000" b="1" cap="small" dirty="0">
+                <a:solidFill>
+                  <a:srgbClr val="C00000"/>
+                </a:solidFill>
+                <a:latin typeface="Oxygen" panose="02000503000000000000" pitchFamily="2" charset="0"/>
+              </a:rPr>
+              <a:t>Pmp, Agile, Office, Adv Excel, Tally, Html, Css</a:t>
+            </a:r>
+            <a:endParaRPr lang="en-US" sz="8800" b="1" cap="small" dirty="0">
+              <a:solidFill>
+                <a:srgbClr val="C00000"/>
+              </a:solidFill>
+              <a:latin typeface="Oxygen" panose="02000503000000000000" pitchFamily="2" charset="0"/>
+            </a:endParaRPr>
           </a:p>
         </p:txBody>
       </p:sp>
     </p:spTree>
     <p:extLst>
       <p:ext uri="{BB962C8B-B14F-4D97-AF65-F5344CB8AC3E}">
-        <p14:creationId xmlns:p14="http://schemas.microsoft.com/office/powerpoint/2010/main" val="2224659747"/>
+        <p14:creationId xmlns:p14="http://schemas.microsoft.com/office/powerpoint/2010/main" val="1815893427"/>
       </p:ext>
     </p:extLst>
   </p:cSld>

--- a/Offline/Marketing/MarketingArtworks/pptx/StandiesBrandAmbassador.pptx
+++ b/Offline/Marketing/MarketingArtworks/pptx/StandiesBrandAmbassador.pptx
@@ -244,7 +244,7 @@
           <a:p>
             <a:fld id="{E3759604-EFD2-4C79-BE13-E71CA39EA512}" type="datetimeFigureOut">
               <a:rPr lang="en-US" smtClean="0"/>
-              <a:t>8/13/2023</a:t>
+              <a:t>8/14/2023</a:t>
             </a:fld>
             <a:endParaRPr lang="en-US"/>
           </a:p>
@@ -414,7 +414,7 @@
           <a:p>
             <a:fld id="{E3759604-EFD2-4C79-BE13-E71CA39EA512}" type="datetimeFigureOut">
               <a:rPr lang="en-US" smtClean="0"/>
-              <a:t>8/13/2023</a:t>
+              <a:t>8/14/2023</a:t>
             </a:fld>
             <a:endParaRPr lang="en-US"/>
           </a:p>
@@ -594,7 +594,7 @@
           <a:p>
             <a:fld id="{E3759604-EFD2-4C79-BE13-E71CA39EA512}" type="datetimeFigureOut">
               <a:rPr lang="en-US" smtClean="0"/>
-              <a:t>8/13/2023</a:t>
+              <a:t>8/14/2023</a:t>
             </a:fld>
             <a:endParaRPr lang="en-US"/>
           </a:p>
@@ -764,7 +764,7 @@
           <a:p>
             <a:fld id="{E3759604-EFD2-4C79-BE13-E71CA39EA512}" type="datetimeFigureOut">
               <a:rPr lang="en-US" smtClean="0"/>
-              <a:t>8/13/2023</a:t>
+              <a:t>8/14/2023</a:t>
             </a:fld>
             <a:endParaRPr lang="en-US"/>
           </a:p>
@@ -1008,7 +1008,7 @@
           <a:p>
             <a:fld id="{E3759604-EFD2-4C79-BE13-E71CA39EA512}" type="datetimeFigureOut">
               <a:rPr lang="en-US" smtClean="0"/>
-              <a:t>8/13/2023</a:t>
+              <a:t>8/14/2023</a:t>
             </a:fld>
             <a:endParaRPr lang="en-US"/>
           </a:p>
@@ -1240,7 +1240,7 @@
           <a:p>
             <a:fld id="{E3759604-EFD2-4C79-BE13-E71CA39EA512}" type="datetimeFigureOut">
               <a:rPr lang="en-US" smtClean="0"/>
-              <a:t>8/13/2023</a:t>
+              <a:t>8/14/2023</a:t>
             </a:fld>
             <a:endParaRPr lang="en-US"/>
           </a:p>
@@ -1607,7 +1607,7 @@
           <a:p>
             <a:fld id="{E3759604-EFD2-4C79-BE13-E71CA39EA512}" type="datetimeFigureOut">
               <a:rPr lang="en-US" smtClean="0"/>
-              <a:t>8/13/2023</a:t>
+              <a:t>8/14/2023</a:t>
             </a:fld>
             <a:endParaRPr lang="en-US"/>
           </a:p>
@@ -1725,7 +1725,7 @@
           <a:p>
             <a:fld id="{E3759604-EFD2-4C79-BE13-E71CA39EA512}" type="datetimeFigureOut">
               <a:rPr lang="en-US" smtClean="0"/>
-              <a:t>8/13/2023</a:t>
+              <a:t>8/14/2023</a:t>
             </a:fld>
             <a:endParaRPr lang="en-US"/>
           </a:p>
@@ -1820,7 +1820,7 @@
           <a:p>
             <a:fld id="{E3759604-EFD2-4C79-BE13-E71CA39EA512}" type="datetimeFigureOut">
               <a:rPr lang="en-US" smtClean="0"/>
-              <a:t>8/13/2023</a:t>
+              <a:t>8/14/2023</a:t>
             </a:fld>
             <a:endParaRPr lang="en-US"/>
           </a:p>
@@ -2097,7 +2097,7 @@
           <a:p>
             <a:fld id="{E3759604-EFD2-4C79-BE13-E71CA39EA512}" type="datetimeFigureOut">
               <a:rPr lang="en-US" smtClean="0"/>
-              <a:t>8/13/2023</a:t>
+              <a:t>8/14/2023</a:t>
             </a:fld>
             <a:endParaRPr lang="en-US"/>
           </a:p>
@@ -2354,7 +2354,7 @@
           <a:p>
             <a:fld id="{E3759604-EFD2-4C79-BE13-E71CA39EA512}" type="datetimeFigureOut">
               <a:rPr lang="en-US" smtClean="0"/>
-              <a:t>8/13/2023</a:t>
+              <a:t>8/14/2023</a:t>
             </a:fld>
             <a:endParaRPr lang="en-US"/>
           </a:p>
@@ -2567,7 +2567,7 @@
           <a:p>
             <a:fld id="{E3759604-EFD2-4C79-BE13-E71CA39EA512}" type="datetimeFigureOut">
               <a:rPr lang="en-US" smtClean="0"/>
-              <a:t>8/13/2023</a:t>
+              <a:t>8/14/2023</a:t>
             </a:fld>
             <a:endParaRPr lang="en-US"/>
           </a:p>
@@ -3535,7 +3535,7 @@
         <p:spPr>
           <a:xfrm>
             <a:off x="2474" y="46392086"/>
-            <a:ext cx="25603742" cy="2585323"/>
+            <a:ext cx="25603742" cy="2492990"/>
           </a:xfrm>
           <a:prstGeom prst="rect">
             <a:avLst/>
@@ -3550,7 +3550,7 @@
           <a:p>
             <a:pPr algn="ctr"/>
             <a:r>
-              <a:rPr lang="en-US" sz="5400" b="1" cap="small" dirty="0">
+              <a:rPr lang="en-US" sz="5200" b="1" cap="small" dirty="0">
                 <a:latin typeface="Oxygen" panose="02000503000000000000" pitchFamily="2" charset="0"/>
               </a:rPr>
               <a:t>Finest Teachers, Study Mats, Mock Tests, Doubt Clearing, PTM, Counselling</a:t>
@@ -3559,21 +3559,21 @@
           <a:p>
             <a:pPr algn="ctr"/>
             <a:r>
-              <a:rPr lang="en-US" sz="5400" b="1" cap="small" dirty="0">
+              <a:rPr lang="en-US" sz="5200" b="1" cap="small" dirty="0">
                 <a:latin typeface="Oxygen" panose="02000503000000000000" pitchFamily="2" charset="0"/>
               </a:rPr>
-              <a:t>20 Smart Classrooms, 400+ Courses, CCTV</a:t>
+              <a:t>20 Smart Classrooms, 400+ Courses, AC, CCTV</a:t>
             </a:r>
           </a:p>
           <a:p>
             <a:pPr algn="ctr"/>
             <a:r>
-              <a:rPr lang="en-US" sz="5400" b="1" cap="small" dirty="0">
+              <a:rPr lang="en-US" sz="5200" b="1" cap="small" dirty="0">
                 <a:latin typeface="Oxygen" panose="02000503000000000000" pitchFamily="2" charset="0"/>
               </a:rPr>
-              <a:t>Professional Courses are Proj-Based, Certification Oriented &amp; Career Focused</a:t>
-            </a:r>
-            <a:endParaRPr lang="en-US" sz="5400" dirty="0"/>
+              <a:t>Professional Courses are Project-Based, Certification-Oriented &amp; Career-Focused</a:t>
+            </a:r>
+            <a:endParaRPr lang="en-US" sz="5200" dirty="0"/>
           </a:p>
         </p:txBody>
       </p:sp>
@@ -5032,7 +5032,19 @@
               <a:rPr lang="en-US" sz="5400" b="1" cap="small" dirty="0">
                 <a:latin typeface="Oxygen" panose="02000503000000000000" pitchFamily="2" charset="0"/>
               </a:rPr>
-              <a:t>Project based, Career Focused, Certification Help, Smart Classrooms, CCTV</a:t>
+              <a:t>Project-based, Career-Focused</a:t>
+            </a:r>
+            <a:r>
+              <a:rPr lang="en-US" sz="5400" b="1" cap="small">
+                <a:latin typeface="Oxygen" panose="02000503000000000000" pitchFamily="2" charset="0"/>
+              </a:rPr>
+              <a:t>, Certification-Help</a:t>
+            </a:r>
+            <a:r>
+              <a:rPr lang="en-US" sz="5400" b="1" cap="small" dirty="0">
+                <a:latin typeface="Oxygen" panose="02000503000000000000" pitchFamily="2" charset="0"/>
+              </a:rPr>
+              <a:t>, Smart Classrooms, AC, CCTV</a:t>
             </a:r>
           </a:p>
         </p:txBody>
